--- a/documentation/images.pptx
+++ b/documentation/images.pptx
@@ -9,6 +9,7 @@
     <p:sldId id="257" r:id="rId3"/>
     <p:sldId id="258" r:id="rId4"/>
     <p:sldId id="259" r:id="rId5"/>
+    <p:sldId id="260" r:id="rId6"/>
   </p:sldIdLst>
   <p:sldSz cx="9144000" cy="6858000" type="screen4x3"/>
   <p:notesSz cx="6858000" cy="9144000"/>
@@ -291,7 +292,7 @@
           <a:p>
             <a:fld id="{410E348B-3D49-40CD-91D8-D77A2E3E90F4}" type="datetimeFigureOut">
               <a:rPr lang="en-AU" smtClean="0"/>
-              <a:t>23/10/2011</a:t>
+              <a:t>24/10/2011</a:t>
             </a:fld>
             <a:endParaRPr lang="en-AU"/>
           </a:p>
@@ -461,7 +462,7 @@
           <a:p>
             <a:fld id="{410E348B-3D49-40CD-91D8-D77A2E3E90F4}" type="datetimeFigureOut">
               <a:rPr lang="en-AU" smtClean="0"/>
-              <a:t>23/10/2011</a:t>
+              <a:t>24/10/2011</a:t>
             </a:fld>
             <a:endParaRPr lang="en-AU"/>
           </a:p>
@@ -641,7 +642,7 @@
           <a:p>
             <a:fld id="{410E348B-3D49-40CD-91D8-D77A2E3E90F4}" type="datetimeFigureOut">
               <a:rPr lang="en-AU" smtClean="0"/>
-              <a:t>23/10/2011</a:t>
+              <a:t>24/10/2011</a:t>
             </a:fld>
             <a:endParaRPr lang="en-AU"/>
           </a:p>
@@ -811,7 +812,7 @@
           <a:p>
             <a:fld id="{410E348B-3D49-40CD-91D8-D77A2E3E90F4}" type="datetimeFigureOut">
               <a:rPr lang="en-AU" smtClean="0"/>
-              <a:t>23/10/2011</a:t>
+              <a:t>24/10/2011</a:t>
             </a:fld>
             <a:endParaRPr lang="en-AU"/>
           </a:p>
@@ -1057,7 +1058,7 @@
           <a:p>
             <a:fld id="{410E348B-3D49-40CD-91D8-D77A2E3E90F4}" type="datetimeFigureOut">
               <a:rPr lang="en-AU" smtClean="0"/>
-              <a:t>23/10/2011</a:t>
+              <a:t>24/10/2011</a:t>
             </a:fld>
             <a:endParaRPr lang="en-AU"/>
           </a:p>
@@ -1345,7 +1346,7 @@
           <a:p>
             <a:fld id="{410E348B-3D49-40CD-91D8-D77A2E3E90F4}" type="datetimeFigureOut">
               <a:rPr lang="en-AU" smtClean="0"/>
-              <a:t>23/10/2011</a:t>
+              <a:t>24/10/2011</a:t>
             </a:fld>
             <a:endParaRPr lang="en-AU"/>
           </a:p>
@@ -1767,7 +1768,7 @@
           <a:p>
             <a:fld id="{410E348B-3D49-40CD-91D8-D77A2E3E90F4}" type="datetimeFigureOut">
               <a:rPr lang="en-AU" smtClean="0"/>
-              <a:t>23/10/2011</a:t>
+              <a:t>24/10/2011</a:t>
             </a:fld>
             <a:endParaRPr lang="en-AU"/>
           </a:p>
@@ -1885,7 +1886,7 @@
           <a:p>
             <a:fld id="{410E348B-3D49-40CD-91D8-D77A2E3E90F4}" type="datetimeFigureOut">
               <a:rPr lang="en-AU" smtClean="0"/>
-              <a:t>23/10/2011</a:t>
+              <a:t>24/10/2011</a:t>
             </a:fld>
             <a:endParaRPr lang="en-AU"/>
           </a:p>
@@ -1980,7 +1981,7 @@
           <a:p>
             <a:fld id="{410E348B-3D49-40CD-91D8-D77A2E3E90F4}" type="datetimeFigureOut">
               <a:rPr lang="en-AU" smtClean="0"/>
-              <a:t>23/10/2011</a:t>
+              <a:t>24/10/2011</a:t>
             </a:fld>
             <a:endParaRPr lang="en-AU"/>
           </a:p>
@@ -2257,7 +2258,7 @@
           <a:p>
             <a:fld id="{410E348B-3D49-40CD-91D8-D77A2E3E90F4}" type="datetimeFigureOut">
               <a:rPr lang="en-AU" smtClean="0"/>
-              <a:t>23/10/2011</a:t>
+              <a:t>24/10/2011</a:t>
             </a:fld>
             <a:endParaRPr lang="en-AU"/>
           </a:p>
@@ -2510,7 +2511,7 @@
           <a:p>
             <a:fld id="{410E348B-3D49-40CD-91D8-D77A2E3E90F4}" type="datetimeFigureOut">
               <a:rPr lang="en-AU" smtClean="0"/>
-              <a:t>23/10/2011</a:t>
+              <a:t>24/10/2011</a:t>
             </a:fld>
             <a:endParaRPr lang="en-AU"/>
           </a:p>
@@ -2723,7 +2724,7 @@
           <a:p>
             <a:fld id="{410E348B-3D49-40CD-91D8-D77A2E3E90F4}" type="datetimeFigureOut">
               <a:rPr lang="en-AU" smtClean="0"/>
-              <a:t>23/10/2011</a:t>
+              <a:t>24/10/2011</a:t>
             </a:fld>
             <a:endParaRPr lang="en-AU"/>
           </a:p>
@@ -4195,6 +4196,477 @@
 </p:sld>
 </file>
 
+<file path=ppt/slides/slide5.xml><?xml version="1.0" encoding="utf-8"?>
+<p:sld xmlns:a="http://schemas.openxmlformats.org/drawingml/2006/main" xmlns:r="http://schemas.openxmlformats.org/officeDocument/2006/relationships" xmlns:p="http://schemas.openxmlformats.org/presentationml/2006/main">
+  <p:cSld>
+    <p:spTree>
+      <p:nvGrpSpPr>
+        <p:cNvPr id="1" name=""/>
+        <p:cNvGrpSpPr/>
+        <p:nvPr/>
+      </p:nvGrpSpPr>
+      <p:grpSpPr>
+        <a:xfrm>
+          <a:off x="0" y="0"/>
+          <a:ext cx="0" cy="0"/>
+          <a:chOff x="0" y="0"/>
+          <a:chExt cx="0" cy="0"/>
+        </a:xfrm>
+      </p:grpSpPr>
+      <p:sp>
+        <p:nvSpPr>
+          <p:cNvPr id="5" name="Title 4"/>
+          <p:cNvSpPr>
+            <a:spLocks noGrp="1"/>
+          </p:cNvSpPr>
+          <p:nvPr>
+            <p:ph type="title"/>
+          </p:nvPr>
+        </p:nvSpPr>
+        <p:spPr/>
+        <p:txBody>
+          <a:bodyPr/>
+          <a:lstStyle/>
+          <a:p>
+            <a:r>
+              <a:rPr lang="en-AU" dirty="0" smtClean="0"/>
+              <a:t>Model architecture</a:t>
+            </a:r>
+            <a:endParaRPr lang="en-AU" dirty="0"/>
+          </a:p>
+        </p:txBody>
+      </p:sp>
+      <p:sp>
+        <p:nvSpPr>
+          <p:cNvPr id="6" name="Rounded Rectangle 5"/>
+          <p:cNvSpPr/>
+          <p:nvPr/>
+        </p:nvSpPr>
+        <p:spPr>
+          <a:xfrm>
+            <a:off x="1250876" y="1412776"/>
+            <a:ext cx="6264696" cy="4824536"/>
+          </a:xfrm>
+          <a:prstGeom prst="roundRect">
+            <a:avLst>
+              <a:gd name="adj" fmla="val 6664"/>
+            </a:avLst>
+          </a:prstGeom>
+        </p:spPr>
+        <p:style>
+          <a:lnRef idx="2">
+            <a:schemeClr val="accent3"/>
+          </a:lnRef>
+          <a:fillRef idx="1">
+            <a:schemeClr val="lt1"/>
+          </a:fillRef>
+          <a:effectRef idx="0">
+            <a:schemeClr val="accent3"/>
+          </a:effectRef>
+          <a:fontRef idx="minor">
+            <a:schemeClr val="dk1"/>
+          </a:fontRef>
+        </p:style>
+        <p:txBody>
+          <a:bodyPr rtlCol="0" anchor="ctr"/>
+          <a:lstStyle/>
+          <a:p>
+            <a:pPr algn="ctr"/>
+            <a:endParaRPr lang="en-AU"/>
+          </a:p>
+        </p:txBody>
+      </p:sp>
+      <p:sp>
+        <p:nvSpPr>
+          <p:cNvPr id="7" name="Rounded Rectangle 6"/>
+          <p:cNvSpPr/>
+          <p:nvPr/>
+        </p:nvSpPr>
+        <p:spPr>
+          <a:xfrm>
+            <a:off x="1970956" y="2600908"/>
+            <a:ext cx="4824536" cy="1224136"/>
+          </a:xfrm>
+          <a:prstGeom prst="roundRect">
+            <a:avLst/>
+          </a:prstGeom>
+        </p:spPr>
+        <p:style>
+          <a:lnRef idx="1">
+            <a:schemeClr val="accent3"/>
+          </a:lnRef>
+          <a:fillRef idx="3">
+            <a:schemeClr val="accent3"/>
+          </a:fillRef>
+          <a:effectRef idx="2">
+            <a:schemeClr val="accent3"/>
+          </a:effectRef>
+          <a:fontRef idx="minor">
+            <a:schemeClr val="lt1"/>
+          </a:fontRef>
+        </p:style>
+        <p:txBody>
+          <a:bodyPr rtlCol="0" anchor="ctr"/>
+          <a:lstStyle/>
+          <a:p>
+            <a:pPr algn="ctr"/>
+            <a:r>
+              <a:rPr lang="en-AU" dirty="0" err="1" smtClean="0">
+                <a:solidFill>
+                  <a:schemeClr val="tx1"/>
+                </a:solidFill>
+              </a:rPr>
+              <a:t>Play!Framework</a:t>
+            </a:r>
+            <a:r>
+              <a:rPr lang="en-AU" dirty="0" smtClean="0">
+                <a:solidFill>
+                  <a:schemeClr val="tx1"/>
+                </a:solidFill>
+              </a:rPr>
+              <a:t> DB Model</a:t>
+            </a:r>
+          </a:p>
+          <a:p>
+            <a:pPr algn="ctr"/>
+            <a:r>
+              <a:rPr lang="en-AU" dirty="0" smtClean="0">
+                <a:solidFill>
+                  <a:schemeClr val="tx1"/>
+                </a:solidFill>
+              </a:rPr>
+              <a:t>_key(); _save(); _delete</a:t>
+            </a:r>
+          </a:p>
+          <a:p>
+            <a:pPr algn="ctr"/>
+            <a:r>
+              <a:rPr lang="en-AU" dirty="0" smtClean="0">
+                <a:solidFill>
+                  <a:schemeClr val="tx1"/>
+                </a:solidFill>
+              </a:rPr>
+              <a:t>…</a:t>
+            </a:r>
+            <a:endParaRPr lang="en-AU" dirty="0">
+              <a:solidFill>
+                <a:schemeClr val="tx1"/>
+              </a:solidFill>
+            </a:endParaRPr>
+          </a:p>
+        </p:txBody>
+      </p:sp>
+      <p:sp>
+        <p:nvSpPr>
+          <p:cNvPr id="8" name="Rounded Rectangle 7"/>
+          <p:cNvSpPr/>
+          <p:nvPr/>
+        </p:nvSpPr>
+        <p:spPr>
+          <a:xfrm>
+            <a:off x="1970956" y="1556792"/>
+            <a:ext cx="4824536" cy="936104"/>
+          </a:xfrm>
+          <a:prstGeom prst="roundRect">
+            <a:avLst/>
+          </a:prstGeom>
+        </p:spPr>
+        <p:style>
+          <a:lnRef idx="2">
+            <a:schemeClr val="accent5"/>
+          </a:lnRef>
+          <a:fillRef idx="1">
+            <a:schemeClr val="lt1"/>
+          </a:fillRef>
+          <a:effectRef idx="0">
+            <a:schemeClr val="accent5"/>
+          </a:effectRef>
+          <a:fontRef idx="minor">
+            <a:schemeClr val="dk1"/>
+          </a:fontRef>
+        </p:style>
+        <p:txBody>
+          <a:bodyPr rtlCol="0" anchor="ctr"/>
+          <a:lstStyle/>
+          <a:p>
+            <a:pPr algn="ctr"/>
+            <a:r>
+              <a:rPr lang="en-AU" dirty="0" smtClean="0"/>
+              <a:t>Java Common Object Contract</a:t>
+            </a:r>
+          </a:p>
+          <a:p>
+            <a:pPr algn="ctr"/>
+            <a:r>
+              <a:rPr lang="en-AU" dirty="0" err="1" smtClean="0"/>
+              <a:t>toString</a:t>
+            </a:r>
+            <a:r>
+              <a:rPr lang="en-AU" dirty="0" smtClean="0"/>
+              <a:t>(); </a:t>
+            </a:r>
+            <a:r>
+              <a:rPr lang="en-AU" dirty="0" err="1" smtClean="0"/>
+              <a:t>hashCode</a:t>
+            </a:r>
+            <a:r>
+              <a:rPr lang="en-AU" dirty="0" smtClean="0"/>
+              <a:t>(); equals()</a:t>
+            </a:r>
+            <a:endParaRPr lang="en-AU" dirty="0"/>
+          </a:p>
+        </p:txBody>
+      </p:sp>
+      <p:sp>
+        <p:nvSpPr>
+          <p:cNvPr id="9" name="Rounded Rectangle 8"/>
+          <p:cNvSpPr/>
+          <p:nvPr/>
+        </p:nvSpPr>
+        <p:spPr>
+          <a:xfrm>
+            <a:off x="1970956" y="3933056"/>
+            <a:ext cx="1512168" cy="468052"/>
+          </a:xfrm>
+          <a:prstGeom prst="roundRect">
+            <a:avLst/>
+          </a:prstGeom>
+        </p:spPr>
+        <p:style>
+          <a:lnRef idx="1">
+            <a:schemeClr val="dk1"/>
+          </a:lnRef>
+          <a:fillRef idx="2">
+            <a:schemeClr val="dk1"/>
+          </a:fillRef>
+          <a:effectRef idx="1">
+            <a:schemeClr val="dk1"/>
+          </a:effectRef>
+          <a:fontRef idx="minor">
+            <a:schemeClr val="dk1"/>
+          </a:fontRef>
+        </p:style>
+        <p:txBody>
+          <a:bodyPr rtlCol="0" anchor="ctr"/>
+          <a:lstStyle/>
+          <a:p>
+            <a:pPr algn="ctr"/>
+            <a:r>
+              <a:rPr lang="en-AU" dirty="0" smtClean="0"/>
+              <a:t>CRUD</a:t>
+            </a:r>
+            <a:endParaRPr lang="en-AU" dirty="0"/>
+          </a:p>
+        </p:txBody>
+      </p:sp>
+      <p:sp>
+        <p:nvSpPr>
+          <p:cNvPr id="10" name="Rounded Rectangle 9"/>
+          <p:cNvSpPr/>
+          <p:nvPr/>
+        </p:nvSpPr>
+        <p:spPr>
+          <a:xfrm>
+            <a:off x="3651399" y="3933056"/>
+            <a:ext cx="1440160" cy="468052"/>
+          </a:xfrm>
+          <a:prstGeom prst="roundRect">
+            <a:avLst/>
+          </a:prstGeom>
+          <a:ln/>
+        </p:spPr>
+        <p:style>
+          <a:lnRef idx="1">
+            <a:schemeClr val="accent1"/>
+          </a:lnRef>
+          <a:fillRef idx="2">
+            <a:schemeClr val="accent1"/>
+          </a:fillRef>
+          <a:effectRef idx="1">
+            <a:schemeClr val="accent1"/>
+          </a:effectRef>
+          <a:fontRef idx="minor">
+            <a:schemeClr val="dk1"/>
+          </a:fontRef>
+        </p:style>
+        <p:txBody>
+          <a:bodyPr rtlCol="0" anchor="ctr"/>
+          <a:lstStyle/>
+          <a:p>
+            <a:pPr algn="ctr"/>
+            <a:r>
+              <a:rPr lang="en-AU" dirty="0" smtClean="0"/>
+              <a:t>Query</a:t>
+            </a:r>
+            <a:endParaRPr lang="en-AU" dirty="0"/>
+          </a:p>
+        </p:txBody>
+      </p:sp>
+      <p:sp>
+        <p:nvSpPr>
+          <p:cNvPr id="11" name="Rounded Rectangle 10"/>
+          <p:cNvSpPr/>
+          <p:nvPr/>
+        </p:nvSpPr>
+        <p:spPr>
+          <a:xfrm>
+            <a:off x="5292080" y="3933056"/>
+            <a:ext cx="1503412" cy="468052"/>
+          </a:xfrm>
+          <a:prstGeom prst="roundRect">
+            <a:avLst/>
+          </a:prstGeom>
+        </p:spPr>
+        <p:style>
+          <a:lnRef idx="1">
+            <a:schemeClr val="accent5"/>
+          </a:lnRef>
+          <a:fillRef idx="2">
+            <a:schemeClr val="accent5"/>
+          </a:fillRef>
+          <a:effectRef idx="1">
+            <a:schemeClr val="accent5"/>
+          </a:effectRef>
+          <a:fontRef idx="minor">
+            <a:schemeClr val="dk1"/>
+          </a:fontRef>
+        </p:style>
+        <p:txBody>
+          <a:bodyPr rtlCol="0" anchor="ctr"/>
+          <a:lstStyle/>
+          <a:p>
+            <a:pPr algn="ctr"/>
+            <a:r>
+              <a:rPr lang="en-AU" dirty="0" smtClean="0"/>
+              <a:t>Statistics</a:t>
+            </a:r>
+            <a:endParaRPr lang="en-AU" dirty="0"/>
+          </a:p>
+        </p:txBody>
+      </p:sp>
+      <p:sp>
+        <p:nvSpPr>
+          <p:cNvPr id="12" name="Rounded Rectangle 11"/>
+          <p:cNvSpPr/>
+          <p:nvPr/>
+        </p:nvSpPr>
+        <p:spPr>
+          <a:xfrm>
+            <a:off x="1970956" y="4581128"/>
+            <a:ext cx="4801046" cy="432048"/>
+          </a:xfrm>
+          <a:prstGeom prst="roundRect">
+            <a:avLst/>
+          </a:prstGeom>
+        </p:spPr>
+        <p:style>
+          <a:lnRef idx="1">
+            <a:schemeClr val="accent3"/>
+          </a:lnRef>
+          <a:fillRef idx="2">
+            <a:schemeClr val="accent3"/>
+          </a:fillRef>
+          <a:effectRef idx="1">
+            <a:schemeClr val="accent3"/>
+          </a:effectRef>
+          <a:fontRef idx="minor">
+            <a:schemeClr val="dk1"/>
+          </a:fontRef>
+        </p:style>
+        <p:txBody>
+          <a:bodyPr rtlCol="0" anchor="ctr"/>
+          <a:lstStyle/>
+          <a:p>
+            <a:pPr algn="ctr"/>
+            <a:r>
+              <a:rPr lang="en-AU" dirty="0" err="1" smtClean="0"/>
+              <a:t>MorphiaQuery</a:t>
+            </a:r>
+            <a:endParaRPr lang="en-AU" dirty="0"/>
+          </a:p>
+        </p:txBody>
+      </p:sp>
+      <p:sp>
+        <p:nvSpPr>
+          <p:cNvPr id="16" name="Rounded Rectangle 15"/>
+          <p:cNvSpPr/>
+          <p:nvPr/>
+        </p:nvSpPr>
+        <p:spPr>
+          <a:xfrm>
+            <a:off x="1970956" y="5157192"/>
+            <a:ext cx="4801046" cy="504056"/>
+          </a:xfrm>
+          <a:prstGeom prst="roundRect">
+            <a:avLst/>
+          </a:prstGeom>
+        </p:spPr>
+        <p:style>
+          <a:lnRef idx="2">
+            <a:schemeClr val="accent1">
+              <a:shade val="50000"/>
+            </a:schemeClr>
+          </a:lnRef>
+          <a:fillRef idx="1">
+            <a:schemeClr val="accent1"/>
+          </a:fillRef>
+          <a:effectRef idx="0">
+            <a:schemeClr val="accent1"/>
+          </a:effectRef>
+          <a:fontRef idx="minor">
+            <a:schemeClr val="lt1"/>
+          </a:fontRef>
+        </p:style>
+        <p:txBody>
+          <a:bodyPr rtlCol="0" anchor="ctr"/>
+          <a:lstStyle/>
+          <a:p>
+            <a:pPr algn="ctr"/>
+            <a:r>
+              <a:rPr lang="en-AU" dirty="0" err="1" smtClean="0"/>
+              <a:t>Miscs</a:t>
+            </a:r>
+            <a:r>
+              <a:rPr lang="en-AU" dirty="0"/>
+              <a:t> </a:t>
+            </a:r>
+            <a:r>
+              <a:rPr lang="en-AU" dirty="0" smtClean="0"/>
+              <a:t>(Timestamp, </a:t>
+            </a:r>
+            <a:r>
+              <a:rPr lang="en-AU" dirty="0" err="1" smtClean="0"/>
+              <a:t>LifeCycle</a:t>
+            </a:r>
+            <a:r>
+              <a:rPr lang="en-AU" dirty="0" smtClean="0"/>
+              <a:t>, Low level </a:t>
+            </a:r>
+            <a:r>
+              <a:rPr lang="en-AU" dirty="0" err="1" smtClean="0"/>
+              <a:t>int</a:t>
+            </a:r>
+            <a:r>
+              <a:rPr lang="en-AU" dirty="0" smtClean="0"/>
+              <a:t>…)</a:t>
+            </a:r>
+            <a:endParaRPr lang="en-AU" dirty="0"/>
+          </a:p>
+        </p:txBody>
+      </p:sp>
+    </p:spTree>
+    <p:extLst>
+      <p:ext uri="{BB962C8B-B14F-4D97-AF65-F5344CB8AC3E}">
+        <p14:creationId xmlns:p14="http://schemas.microsoft.com/office/powerpoint/2010/main" val="1958004207"/>
+      </p:ext>
+    </p:extLst>
+  </p:cSld>
+  <p:clrMapOvr>
+    <a:masterClrMapping/>
+  </p:clrMapOvr>
+</p:sld>
+</file>
+
 <file path=ppt/theme/theme1.xml><?xml version="1.0" encoding="utf-8"?>
 <a:theme xmlns:a="http://schemas.openxmlformats.org/drawingml/2006/main" name="Office Theme">
   <a:themeElements>

--- a/documentation/images.pptx
+++ b/documentation/images.pptx
@@ -4236,424 +4236,552 @@
           </a:p>
         </p:txBody>
       </p:sp>
-      <p:sp>
-        <p:nvSpPr>
-          <p:cNvPr id="6" name="Rounded Rectangle 5"/>
-          <p:cNvSpPr/>
+      <p:grpSp>
+        <p:nvGrpSpPr>
+          <p:cNvPr id="22" name="Group 21"/>
+          <p:cNvGrpSpPr/>
           <p:nvPr/>
-        </p:nvSpPr>
-        <p:spPr>
+        </p:nvGrpSpPr>
+        <p:grpSpPr>
           <a:xfrm>
-            <a:off x="1250876" y="1412776"/>
-            <a:ext cx="6264696" cy="4824536"/>
+            <a:off x="1259632" y="1268760"/>
+            <a:ext cx="5760640" cy="5184576"/>
+            <a:chOff x="1259632" y="1268760"/>
+            <a:chExt cx="5760640" cy="5184576"/>
           </a:xfrm>
-          <a:prstGeom prst="roundRect">
-            <a:avLst>
-              <a:gd name="adj" fmla="val 6664"/>
-            </a:avLst>
-          </a:prstGeom>
-        </p:spPr>
-        <p:style>
-          <a:lnRef idx="2">
-            <a:schemeClr val="accent3"/>
-          </a:lnRef>
-          <a:fillRef idx="1">
-            <a:schemeClr val="lt1"/>
-          </a:fillRef>
-          <a:effectRef idx="0">
-            <a:schemeClr val="accent3"/>
-          </a:effectRef>
-          <a:fontRef idx="minor">
-            <a:schemeClr val="dk1"/>
-          </a:fontRef>
-        </p:style>
-        <p:txBody>
-          <a:bodyPr rtlCol="0" anchor="ctr"/>
-          <a:lstStyle/>
-          <a:p>
-            <a:pPr algn="ctr"/>
-            <a:endParaRPr lang="en-AU"/>
-          </a:p>
-        </p:txBody>
-      </p:sp>
-      <p:sp>
-        <p:nvSpPr>
-          <p:cNvPr id="7" name="Rounded Rectangle 6"/>
-          <p:cNvSpPr/>
-          <p:nvPr/>
-        </p:nvSpPr>
-        <p:spPr>
-          <a:xfrm>
-            <a:off x="1970956" y="2600908"/>
-            <a:ext cx="4824536" cy="1224136"/>
-          </a:xfrm>
-          <a:prstGeom prst="roundRect">
-            <a:avLst/>
-          </a:prstGeom>
-        </p:spPr>
-        <p:style>
-          <a:lnRef idx="1">
-            <a:schemeClr val="accent3"/>
-          </a:lnRef>
-          <a:fillRef idx="3">
-            <a:schemeClr val="accent3"/>
-          </a:fillRef>
-          <a:effectRef idx="2">
-            <a:schemeClr val="accent3"/>
-          </a:effectRef>
-          <a:fontRef idx="minor">
-            <a:schemeClr val="lt1"/>
-          </a:fontRef>
-        </p:style>
-        <p:txBody>
-          <a:bodyPr rtlCol="0" anchor="ctr"/>
-          <a:lstStyle/>
-          <a:p>
-            <a:pPr algn="ctr"/>
-            <a:r>
-              <a:rPr lang="en-AU" dirty="0" err="1" smtClean="0">
-                <a:solidFill>
-                  <a:schemeClr val="tx1"/>
-                </a:solidFill>
-              </a:rPr>
-              <a:t>Play!Framework</a:t>
-            </a:r>
-            <a:r>
-              <a:rPr lang="en-AU" dirty="0" smtClean="0">
-                <a:solidFill>
-                  <a:schemeClr val="tx1"/>
-                </a:solidFill>
-              </a:rPr>
-              <a:t> DB Model</a:t>
-            </a:r>
-          </a:p>
-          <a:p>
-            <a:pPr algn="ctr"/>
-            <a:r>
-              <a:rPr lang="en-AU" dirty="0" smtClean="0">
-                <a:solidFill>
-                  <a:schemeClr val="tx1"/>
-                </a:solidFill>
-              </a:rPr>
-              <a:t>_key(); _save(); _delete</a:t>
-            </a:r>
-          </a:p>
-          <a:p>
-            <a:pPr algn="ctr"/>
-            <a:r>
-              <a:rPr lang="en-AU" dirty="0" smtClean="0">
-                <a:solidFill>
-                  <a:schemeClr val="tx1"/>
-                </a:solidFill>
-              </a:rPr>
-              <a:t>…</a:t>
-            </a:r>
-            <a:endParaRPr lang="en-AU" dirty="0">
-              <a:solidFill>
-                <a:schemeClr val="tx1"/>
-              </a:solidFill>
-            </a:endParaRPr>
-          </a:p>
-        </p:txBody>
-      </p:sp>
-      <p:sp>
-        <p:nvSpPr>
-          <p:cNvPr id="8" name="Rounded Rectangle 7"/>
-          <p:cNvSpPr/>
-          <p:nvPr/>
-        </p:nvSpPr>
-        <p:spPr>
-          <a:xfrm>
-            <a:off x="1970956" y="1556792"/>
-            <a:ext cx="4824536" cy="936104"/>
-          </a:xfrm>
-          <a:prstGeom prst="roundRect">
-            <a:avLst/>
-          </a:prstGeom>
-        </p:spPr>
-        <p:style>
-          <a:lnRef idx="2">
-            <a:schemeClr val="accent5"/>
-          </a:lnRef>
-          <a:fillRef idx="1">
-            <a:schemeClr val="lt1"/>
-          </a:fillRef>
-          <a:effectRef idx="0">
-            <a:schemeClr val="accent5"/>
-          </a:effectRef>
-          <a:fontRef idx="minor">
-            <a:schemeClr val="dk1"/>
-          </a:fontRef>
-        </p:style>
-        <p:txBody>
-          <a:bodyPr rtlCol="0" anchor="ctr"/>
-          <a:lstStyle/>
-          <a:p>
-            <a:pPr algn="ctr"/>
-            <a:r>
-              <a:rPr lang="en-AU" dirty="0" smtClean="0"/>
-              <a:t>Java Common Object Contract</a:t>
-            </a:r>
-          </a:p>
-          <a:p>
-            <a:pPr algn="ctr"/>
-            <a:r>
-              <a:rPr lang="en-AU" dirty="0" err="1" smtClean="0"/>
-              <a:t>toString</a:t>
-            </a:r>
-            <a:r>
-              <a:rPr lang="en-AU" dirty="0" smtClean="0"/>
-              <a:t>(); </a:t>
-            </a:r>
-            <a:r>
-              <a:rPr lang="en-AU" dirty="0" err="1" smtClean="0"/>
-              <a:t>hashCode</a:t>
-            </a:r>
-            <a:r>
-              <a:rPr lang="en-AU" dirty="0" smtClean="0"/>
-              <a:t>(); equals()</a:t>
-            </a:r>
-            <a:endParaRPr lang="en-AU" dirty="0"/>
-          </a:p>
-        </p:txBody>
-      </p:sp>
-      <p:sp>
-        <p:nvSpPr>
-          <p:cNvPr id="9" name="Rounded Rectangle 8"/>
-          <p:cNvSpPr/>
-          <p:nvPr/>
-        </p:nvSpPr>
-        <p:spPr>
-          <a:xfrm>
-            <a:off x="1970956" y="3933056"/>
-            <a:ext cx="1512168" cy="468052"/>
-          </a:xfrm>
-          <a:prstGeom prst="roundRect">
-            <a:avLst/>
-          </a:prstGeom>
-        </p:spPr>
-        <p:style>
-          <a:lnRef idx="1">
-            <a:schemeClr val="dk1"/>
-          </a:lnRef>
-          <a:fillRef idx="2">
-            <a:schemeClr val="dk1"/>
-          </a:fillRef>
-          <a:effectRef idx="1">
-            <a:schemeClr val="dk1"/>
-          </a:effectRef>
-          <a:fontRef idx="minor">
-            <a:schemeClr val="dk1"/>
-          </a:fontRef>
-        </p:style>
-        <p:txBody>
-          <a:bodyPr rtlCol="0" anchor="ctr"/>
-          <a:lstStyle/>
-          <a:p>
-            <a:pPr algn="ctr"/>
-            <a:r>
-              <a:rPr lang="en-AU" dirty="0" smtClean="0"/>
-              <a:t>CRUD</a:t>
-            </a:r>
-            <a:endParaRPr lang="en-AU" dirty="0"/>
-          </a:p>
-        </p:txBody>
-      </p:sp>
-      <p:sp>
-        <p:nvSpPr>
-          <p:cNvPr id="10" name="Rounded Rectangle 9"/>
-          <p:cNvSpPr/>
-          <p:nvPr/>
-        </p:nvSpPr>
-        <p:spPr>
-          <a:xfrm>
-            <a:off x="3651399" y="3933056"/>
-            <a:ext cx="1440160" cy="468052"/>
-          </a:xfrm>
-          <a:prstGeom prst="roundRect">
-            <a:avLst/>
-          </a:prstGeom>
-          <a:ln/>
-        </p:spPr>
-        <p:style>
-          <a:lnRef idx="1">
-            <a:schemeClr val="accent1"/>
-          </a:lnRef>
-          <a:fillRef idx="2">
-            <a:schemeClr val="accent1"/>
-          </a:fillRef>
-          <a:effectRef idx="1">
-            <a:schemeClr val="accent1"/>
-          </a:effectRef>
-          <a:fontRef idx="minor">
-            <a:schemeClr val="dk1"/>
-          </a:fontRef>
-        </p:style>
-        <p:txBody>
-          <a:bodyPr rtlCol="0" anchor="ctr"/>
-          <a:lstStyle/>
-          <a:p>
-            <a:pPr algn="ctr"/>
-            <a:r>
-              <a:rPr lang="en-AU" dirty="0" smtClean="0"/>
-              <a:t>Query</a:t>
-            </a:r>
-            <a:endParaRPr lang="en-AU" dirty="0"/>
-          </a:p>
-        </p:txBody>
-      </p:sp>
-      <p:sp>
-        <p:nvSpPr>
-          <p:cNvPr id="11" name="Rounded Rectangle 10"/>
-          <p:cNvSpPr/>
-          <p:nvPr/>
-        </p:nvSpPr>
-        <p:spPr>
-          <a:xfrm>
-            <a:off x="5292080" y="3933056"/>
-            <a:ext cx="1503412" cy="468052"/>
-          </a:xfrm>
-          <a:prstGeom prst="roundRect">
-            <a:avLst/>
-          </a:prstGeom>
-        </p:spPr>
-        <p:style>
-          <a:lnRef idx="1">
-            <a:schemeClr val="accent5"/>
-          </a:lnRef>
-          <a:fillRef idx="2">
-            <a:schemeClr val="accent5"/>
-          </a:fillRef>
-          <a:effectRef idx="1">
-            <a:schemeClr val="accent5"/>
-          </a:effectRef>
-          <a:fontRef idx="minor">
-            <a:schemeClr val="dk1"/>
-          </a:fontRef>
-        </p:style>
-        <p:txBody>
-          <a:bodyPr rtlCol="0" anchor="ctr"/>
-          <a:lstStyle/>
-          <a:p>
-            <a:pPr algn="ctr"/>
-            <a:r>
-              <a:rPr lang="en-AU" dirty="0" smtClean="0"/>
-              <a:t>Statistics</a:t>
-            </a:r>
-            <a:endParaRPr lang="en-AU" dirty="0"/>
-          </a:p>
-        </p:txBody>
-      </p:sp>
-      <p:sp>
-        <p:nvSpPr>
-          <p:cNvPr id="12" name="Rounded Rectangle 11"/>
-          <p:cNvSpPr/>
-          <p:nvPr/>
-        </p:nvSpPr>
-        <p:spPr>
-          <a:xfrm>
-            <a:off x="1970956" y="4581128"/>
-            <a:ext cx="4801046" cy="432048"/>
-          </a:xfrm>
-          <a:prstGeom prst="roundRect">
-            <a:avLst/>
-          </a:prstGeom>
-        </p:spPr>
-        <p:style>
-          <a:lnRef idx="1">
-            <a:schemeClr val="accent3"/>
-          </a:lnRef>
-          <a:fillRef idx="2">
-            <a:schemeClr val="accent3"/>
-          </a:fillRef>
-          <a:effectRef idx="1">
-            <a:schemeClr val="accent3"/>
-          </a:effectRef>
-          <a:fontRef idx="minor">
-            <a:schemeClr val="dk1"/>
-          </a:fontRef>
-        </p:style>
-        <p:txBody>
-          <a:bodyPr rtlCol="0" anchor="ctr"/>
-          <a:lstStyle/>
-          <a:p>
-            <a:pPr algn="ctr"/>
-            <a:r>
-              <a:rPr lang="en-AU" dirty="0" err="1" smtClean="0"/>
-              <a:t>MorphiaQuery</a:t>
-            </a:r>
-            <a:endParaRPr lang="en-AU" dirty="0"/>
-          </a:p>
-        </p:txBody>
-      </p:sp>
-      <p:sp>
-        <p:nvSpPr>
-          <p:cNvPr id="16" name="Rounded Rectangle 15"/>
-          <p:cNvSpPr/>
-          <p:nvPr/>
-        </p:nvSpPr>
-        <p:spPr>
-          <a:xfrm>
-            <a:off x="1970956" y="5157192"/>
-            <a:ext cx="4801046" cy="504056"/>
-          </a:xfrm>
-          <a:prstGeom prst="roundRect">
-            <a:avLst/>
-          </a:prstGeom>
-        </p:spPr>
-        <p:style>
-          <a:lnRef idx="2">
-            <a:schemeClr val="accent1">
-              <a:shade val="50000"/>
-            </a:schemeClr>
-          </a:lnRef>
-          <a:fillRef idx="1">
-            <a:schemeClr val="accent1"/>
-          </a:fillRef>
-          <a:effectRef idx="0">
-            <a:schemeClr val="accent1"/>
-          </a:effectRef>
-          <a:fontRef idx="minor">
-            <a:schemeClr val="lt1"/>
-          </a:fontRef>
-        </p:style>
-        <p:txBody>
-          <a:bodyPr rtlCol="0" anchor="ctr"/>
-          <a:lstStyle/>
-          <a:p>
-            <a:pPr algn="ctr"/>
-            <a:r>
-              <a:rPr lang="en-AU" dirty="0" err="1" smtClean="0"/>
-              <a:t>Miscs</a:t>
-            </a:r>
-            <a:r>
-              <a:rPr lang="en-AU" dirty="0"/>
-              <a:t> </a:t>
-            </a:r>
-            <a:r>
-              <a:rPr lang="en-AU" dirty="0" smtClean="0"/>
-              <a:t>(Timestamp, </a:t>
-            </a:r>
-            <a:r>
-              <a:rPr lang="en-AU" dirty="0" err="1" smtClean="0"/>
-              <a:t>LifeCycle</a:t>
-            </a:r>
-            <a:r>
-              <a:rPr lang="en-AU" dirty="0" smtClean="0"/>
-              <a:t>, Low level </a:t>
-            </a:r>
-            <a:r>
-              <a:rPr lang="en-AU" dirty="0" err="1" smtClean="0"/>
-              <a:t>int</a:t>
-            </a:r>
-            <a:r>
-              <a:rPr lang="en-AU" dirty="0" smtClean="0"/>
-              <a:t>…)</a:t>
-            </a:r>
-            <a:endParaRPr lang="en-AU" dirty="0"/>
-          </a:p>
-        </p:txBody>
-      </p:sp>
+        </p:grpSpPr>
+        <p:sp>
+          <p:nvSpPr>
+            <p:cNvPr id="21" name="Rectangle 20"/>
+            <p:cNvSpPr/>
+            <p:nvPr/>
+          </p:nvSpPr>
+          <p:spPr>
+            <a:xfrm>
+              <a:off x="1259632" y="1268760"/>
+              <a:ext cx="5760640" cy="5184576"/>
+            </a:xfrm>
+            <a:prstGeom prst="rect">
+              <a:avLst/>
+            </a:prstGeom>
+            <a:noFill/>
+            <a:ln>
+              <a:noFill/>
+            </a:ln>
+          </p:spPr>
+          <p:style>
+            <a:lnRef idx="2">
+              <a:schemeClr val="accent1">
+                <a:shade val="50000"/>
+              </a:schemeClr>
+            </a:lnRef>
+            <a:fillRef idx="1">
+              <a:schemeClr val="accent1"/>
+            </a:fillRef>
+            <a:effectRef idx="0">
+              <a:schemeClr val="accent1"/>
+            </a:effectRef>
+            <a:fontRef idx="minor">
+              <a:schemeClr val="lt1"/>
+            </a:fontRef>
+          </p:style>
+          <p:txBody>
+            <a:bodyPr rtlCol="0" anchor="ctr"/>
+            <a:lstStyle/>
+            <a:p>
+              <a:pPr algn="ctr"/>
+              <a:endParaRPr lang="en-AU"/>
+            </a:p>
+          </p:txBody>
+        </p:sp>
+        <p:grpSp>
+          <p:nvGrpSpPr>
+            <p:cNvPr id="20" name="Group 19"/>
+            <p:cNvGrpSpPr/>
+            <p:nvPr/>
+          </p:nvGrpSpPr>
+          <p:grpSpPr>
+            <a:xfrm>
+              <a:off x="1475656" y="1556792"/>
+              <a:ext cx="5319836" cy="4608512"/>
+              <a:chOff x="1475656" y="1556792"/>
+              <a:chExt cx="5319836" cy="4608512"/>
+            </a:xfrm>
+          </p:grpSpPr>
+          <p:sp>
+            <p:nvSpPr>
+              <p:cNvPr id="7" name="Rounded Rectangle 6"/>
+              <p:cNvSpPr/>
+              <p:nvPr/>
+            </p:nvSpPr>
+            <p:spPr>
+              <a:xfrm>
+                <a:off x="1970956" y="2600908"/>
+                <a:ext cx="4824536" cy="1044116"/>
+              </a:xfrm>
+              <a:prstGeom prst="roundRect">
+                <a:avLst/>
+              </a:prstGeom>
+            </p:spPr>
+            <p:style>
+              <a:lnRef idx="1">
+                <a:schemeClr val="accent3"/>
+              </a:lnRef>
+              <a:fillRef idx="3">
+                <a:schemeClr val="accent3"/>
+              </a:fillRef>
+              <a:effectRef idx="2">
+                <a:schemeClr val="accent3"/>
+              </a:effectRef>
+              <a:fontRef idx="minor">
+                <a:schemeClr val="lt1"/>
+              </a:fontRef>
+            </p:style>
+            <p:txBody>
+              <a:bodyPr rtlCol="0" anchor="ctr"/>
+              <a:lstStyle/>
+              <a:p>
+                <a:pPr algn="ctr"/>
+                <a:r>
+                  <a:rPr lang="en-AU" dirty="0" err="1" smtClean="0">
+                    <a:solidFill>
+                      <a:schemeClr val="tx1"/>
+                    </a:solidFill>
+                  </a:rPr>
+                  <a:t>Play!Framework</a:t>
+                </a:r>
+                <a:r>
+                  <a:rPr lang="en-AU" dirty="0" smtClean="0">
+                    <a:solidFill>
+                      <a:schemeClr val="tx1"/>
+                    </a:solidFill>
+                  </a:rPr>
+                  <a:t> DB Model</a:t>
+                </a:r>
+              </a:p>
+              <a:p>
+                <a:pPr algn="ctr"/>
+                <a:r>
+                  <a:rPr lang="en-AU" dirty="0" smtClean="0">
+                    <a:solidFill>
+                      <a:schemeClr val="tx1"/>
+                    </a:solidFill>
+                  </a:rPr>
+                  <a:t>_key(); _save(); _delete</a:t>
+                </a:r>
+              </a:p>
+              <a:p>
+                <a:pPr algn="ctr"/>
+                <a:r>
+                  <a:rPr lang="en-AU" dirty="0" smtClean="0">
+                    <a:solidFill>
+                      <a:schemeClr val="tx1"/>
+                    </a:solidFill>
+                  </a:rPr>
+                  <a:t>…</a:t>
+                </a:r>
+                <a:endParaRPr lang="en-AU" dirty="0">
+                  <a:solidFill>
+                    <a:schemeClr val="tx1"/>
+                  </a:solidFill>
+                </a:endParaRPr>
+              </a:p>
+            </p:txBody>
+          </p:sp>
+          <p:sp>
+            <p:nvSpPr>
+              <p:cNvPr id="8" name="Rounded Rectangle 7"/>
+              <p:cNvSpPr/>
+              <p:nvPr/>
+            </p:nvSpPr>
+            <p:spPr>
+              <a:xfrm>
+                <a:off x="1970956" y="1556792"/>
+                <a:ext cx="4824536" cy="936104"/>
+              </a:xfrm>
+              <a:prstGeom prst="roundRect">
+                <a:avLst/>
+              </a:prstGeom>
+            </p:spPr>
+            <p:style>
+              <a:lnRef idx="2">
+                <a:schemeClr val="accent5"/>
+              </a:lnRef>
+              <a:fillRef idx="1">
+                <a:schemeClr val="lt1"/>
+              </a:fillRef>
+              <a:effectRef idx="0">
+                <a:schemeClr val="accent5"/>
+              </a:effectRef>
+              <a:fontRef idx="minor">
+                <a:schemeClr val="dk1"/>
+              </a:fontRef>
+            </p:style>
+            <p:txBody>
+              <a:bodyPr rtlCol="0" anchor="ctr"/>
+              <a:lstStyle/>
+              <a:p>
+                <a:pPr algn="ctr"/>
+                <a:r>
+                  <a:rPr lang="en-AU" dirty="0" smtClean="0"/>
+                  <a:t>Java Common Object Contract</a:t>
+                </a:r>
+              </a:p>
+              <a:p>
+                <a:pPr algn="ctr"/>
+                <a:r>
+                  <a:rPr lang="en-AU" dirty="0" err="1" smtClean="0"/>
+                  <a:t>toString</a:t>
+                </a:r>
+                <a:r>
+                  <a:rPr lang="en-AU" dirty="0" smtClean="0"/>
+                  <a:t>(); </a:t>
+                </a:r>
+                <a:r>
+                  <a:rPr lang="en-AU" dirty="0" err="1" smtClean="0"/>
+                  <a:t>hashCode</a:t>
+                </a:r>
+                <a:r>
+                  <a:rPr lang="en-AU" dirty="0" smtClean="0"/>
+                  <a:t>(); equals()</a:t>
+                </a:r>
+                <a:endParaRPr lang="en-AU" dirty="0"/>
+              </a:p>
+            </p:txBody>
+          </p:sp>
+          <p:sp>
+            <p:nvSpPr>
+              <p:cNvPr id="9" name="Rounded Rectangle 8"/>
+              <p:cNvSpPr/>
+              <p:nvPr/>
+            </p:nvSpPr>
+            <p:spPr>
+              <a:xfrm>
+                <a:off x="1970956" y="3789040"/>
+                <a:ext cx="1512168" cy="468052"/>
+              </a:xfrm>
+              <a:prstGeom prst="roundRect">
+                <a:avLst/>
+              </a:prstGeom>
+            </p:spPr>
+            <p:style>
+              <a:lnRef idx="1">
+                <a:schemeClr val="accent3"/>
+              </a:lnRef>
+              <a:fillRef idx="2">
+                <a:schemeClr val="accent3"/>
+              </a:fillRef>
+              <a:effectRef idx="1">
+                <a:schemeClr val="accent3"/>
+              </a:effectRef>
+              <a:fontRef idx="minor">
+                <a:schemeClr val="dk1"/>
+              </a:fontRef>
+            </p:style>
+            <p:txBody>
+              <a:bodyPr rtlCol="0" anchor="ctr"/>
+              <a:lstStyle/>
+              <a:p>
+                <a:pPr algn="ctr"/>
+                <a:r>
+                  <a:rPr lang="en-AU" dirty="0" smtClean="0"/>
+                  <a:t>CRUD</a:t>
+                </a:r>
+                <a:endParaRPr lang="en-AU" dirty="0"/>
+              </a:p>
+            </p:txBody>
+          </p:sp>
+          <p:sp>
+            <p:nvSpPr>
+              <p:cNvPr id="10" name="Rounded Rectangle 9"/>
+              <p:cNvSpPr/>
+              <p:nvPr/>
+            </p:nvSpPr>
+            <p:spPr>
+              <a:xfrm>
+                <a:off x="3651399" y="3789040"/>
+                <a:ext cx="1440160" cy="468052"/>
+              </a:xfrm>
+              <a:prstGeom prst="roundRect">
+                <a:avLst/>
+              </a:prstGeom>
+              <a:ln/>
+            </p:spPr>
+            <p:style>
+              <a:lnRef idx="1">
+                <a:schemeClr val="accent3"/>
+              </a:lnRef>
+              <a:fillRef idx="2">
+                <a:schemeClr val="accent3"/>
+              </a:fillRef>
+              <a:effectRef idx="1">
+                <a:schemeClr val="accent3"/>
+              </a:effectRef>
+              <a:fontRef idx="minor">
+                <a:schemeClr val="dk1"/>
+              </a:fontRef>
+            </p:style>
+            <p:txBody>
+              <a:bodyPr rtlCol="0" anchor="ctr"/>
+              <a:lstStyle/>
+              <a:p>
+                <a:pPr algn="ctr"/>
+                <a:r>
+                  <a:rPr lang="en-AU" dirty="0" smtClean="0"/>
+                  <a:t>Query</a:t>
+                </a:r>
+                <a:endParaRPr lang="en-AU" dirty="0"/>
+              </a:p>
+            </p:txBody>
+          </p:sp>
+          <p:sp>
+            <p:nvSpPr>
+              <p:cNvPr id="11" name="Rounded Rectangle 10"/>
+              <p:cNvSpPr/>
+              <p:nvPr/>
+            </p:nvSpPr>
+            <p:spPr>
+              <a:xfrm>
+                <a:off x="5292080" y="3789040"/>
+                <a:ext cx="1503412" cy="468052"/>
+              </a:xfrm>
+              <a:prstGeom prst="roundRect">
+                <a:avLst/>
+              </a:prstGeom>
+            </p:spPr>
+            <p:style>
+              <a:lnRef idx="1">
+                <a:schemeClr val="accent3"/>
+              </a:lnRef>
+              <a:fillRef idx="2">
+                <a:schemeClr val="accent3"/>
+              </a:fillRef>
+              <a:effectRef idx="1">
+                <a:schemeClr val="accent3"/>
+              </a:effectRef>
+              <a:fontRef idx="minor">
+                <a:schemeClr val="dk1"/>
+              </a:fontRef>
+            </p:style>
+            <p:txBody>
+              <a:bodyPr rtlCol="0" anchor="ctr"/>
+              <a:lstStyle/>
+              <a:p>
+                <a:pPr algn="ctr"/>
+                <a:r>
+                  <a:rPr lang="en-AU" dirty="0" smtClean="0"/>
+                  <a:t>Statistics</a:t>
+                </a:r>
+                <a:endParaRPr lang="en-AU" dirty="0"/>
+              </a:p>
+            </p:txBody>
+          </p:sp>
+          <p:sp>
+            <p:nvSpPr>
+              <p:cNvPr id="12" name="Rounded Rectangle 11"/>
+              <p:cNvSpPr/>
+              <p:nvPr/>
+            </p:nvSpPr>
+            <p:spPr>
+              <a:xfrm>
+                <a:off x="1970956" y="4437112"/>
+                <a:ext cx="4801046" cy="432048"/>
+              </a:xfrm>
+              <a:prstGeom prst="roundRect">
+                <a:avLst/>
+              </a:prstGeom>
+            </p:spPr>
+            <p:style>
+              <a:lnRef idx="1">
+                <a:schemeClr val="accent3"/>
+              </a:lnRef>
+              <a:fillRef idx="2">
+                <a:schemeClr val="accent3"/>
+              </a:fillRef>
+              <a:effectRef idx="1">
+                <a:schemeClr val="accent3"/>
+              </a:effectRef>
+              <a:fontRef idx="minor">
+                <a:schemeClr val="dk1"/>
+              </a:fontRef>
+            </p:style>
+            <p:txBody>
+              <a:bodyPr rtlCol="0" anchor="ctr"/>
+              <a:lstStyle/>
+              <a:p>
+                <a:pPr algn="ctr"/>
+                <a:r>
+                  <a:rPr lang="en-AU" dirty="0" err="1" smtClean="0"/>
+                  <a:t>MorphiaQuery</a:t>
+                </a:r>
+                <a:endParaRPr lang="en-AU" dirty="0"/>
+              </a:p>
+            </p:txBody>
+          </p:sp>
+          <p:sp>
+            <p:nvSpPr>
+              <p:cNvPr id="16" name="Rounded Rectangle 15"/>
+              <p:cNvSpPr/>
+              <p:nvPr/>
+            </p:nvSpPr>
+            <p:spPr>
+              <a:xfrm>
+                <a:off x="1970956" y="5013176"/>
+                <a:ext cx="4801046" cy="504056"/>
+              </a:xfrm>
+              <a:prstGeom prst="roundRect">
+                <a:avLst/>
+              </a:prstGeom>
+            </p:spPr>
+            <p:style>
+              <a:lnRef idx="1">
+                <a:schemeClr val="accent3"/>
+              </a:lnRef>
+              <a:fillRef idx="2">
+                <a:schemeClr val="accent3"/>
+              </a:fillRef>
+              <a:effectRef idx="1">
+                <a:schemeClr val="accent3"/>
+              </a:effectRef>
+              <a:fontRef idx="minor">
+                <a:schemeClr val="dk1"/>
+              </a:fontRef>
+            </p:style>
+            <p:txBody>
+              <a:bodyPr rtlCol="0" anchor="ctr"/>
+              <a:lstStyle/>
+              <a:p>
+                <a:pPr algn="ctr"/>
+                <a:r>
+                  <a:rPr lang="en-AU" dirty="0" err="1" smtClean="0"/>
+                  <a:t>Miscs</a:t>
+                </a:r>
+                <a:r>
+                  <a:rPr lang="en-AU" dirty="0"/>
+                  <a:t> </a:t>
+                </a:r>
+                <a:r>
+                  <a:rPr lang="en-AU" dirty="0" smtClean="0"/>
+                  <a:t>(Timestamp, </a:t>
+                </a:r>
+                <a:r>
+                  <a:rPr lang="en-AU" dirty="0" err="1" smtClean="0"/>
+                  <a:t>LifeCycle</a:t>
+                </a:r>
+                <a:r>
+                  <a:rPr lang="en-AU" dirty="0" smtClean="0"/>
+                  <a:t>, Low level </a:t>
+                </a:r>
+                <a:r>
+                  <a:rPr lang="en-AU" dirty="0" err="1" smtClean="0"/>
+                  <a:t>int</a:t>
+                </a:r>
+                <a:r>
+                  <a:rPr lang="en-AU" dirty="0" smtClean="0"/>
+                  <a:t>…)</a:t>
+                </a:r>
+                <a:endParaRPr lang="en-AU" dirty="0"/>
+              </a:p>
+            </p:txBody>
+          </p:sp>
+          <p:sp>
+            <p:nvSpPr>
+              <p:cNvPr id="17" name="Rounded Rectangle 16"/>
+              <p:cNvSpPr/>
+              <p:nvPr/>
+            </p:nvSpPr>
+            <p:spPr>
+              <a:xfrm>
+                <a:off x="1970956" y="5661248"/>
+                <a:ext cx="4801046" cy="504056"/>
+              </a:xfrm>
+              <a:prstGeom prst="roundRect">
+                <a:avLst/>
+              </a:prstGeom>
+            </p:spPr>
+            <p:style>
+              <a:lnRef idx="1">
+                <a:schemeClr val="accent3"/>
+              </a:lnRef>
+              <a:fillRef idx="2">
+                <a:schemeClr val="accent3"/>
+              </a:fillRef>
+              <a:effectRef idx="1">
+                <a:schemeClr val="accent3"/>
+              </a:effectRef>
+              <a:fontRef idx="minor">
+                <a:schemeClr val="dk1"/>
+              </a:fontRef>
+            </p:style>
+            <p:txBody>
+              <a:bodyPr rtlCol="0" anchor="ctr"/>
+              <a:lstStyle/>
+              <a:p>
+                <a:pPr algn="ctr"/>
+                <a:r>
+                  <a:rPr lang="en-AU" dirty="0" smtClean="0"/>
+                  <a:t>Annotation Classes</a:t>
+                </a:r>
+                <a:endParaRPr lang="en-AU" dirty="0"/>
+              </a:p>
+            </p:txBody>
+          </p:sp>
+          <p:sp>
+            <p:nvSpPr>
+              <p:cNvPr id="18" name="Rectangle 17"/>
+              <p:cNvSpPr/>
+              <p:nvPr/>
+            </p:nvSpPr>
+            <p:spPr>
+              <a:xfrm>
+                <a:off x="1475656" y="1556792"/>
+                <a:ext cx="288032" cy="4608512"/>
+              </a:xfrm>
+              <a:prstGeom prst="rect">
+                <a:avLst/>
+              </a:prstGeom>
+            </p:spPr>
+            <p:style>
+              <a:lnRef idx="1">
+                <a:schemeClr val="accent1"/>
+              </a:lnRef>
+              <a:fillRef idx="3">
+                <a:schemeClr val="accent1"/>
+              </a:fillRef>
+              <a:effectRef idx="2">
+                <a:schemeClr val="accent1"/>
+              </a:effectRef>
+              <a:fontRef idx="minor">
+                <a:schemeClr val="lt1"/>
+              </a:fontRef>
+            </p:style>
+            <p:txBody>
+              <a:bodyPr vert="vert" rtlCol="0" anchor="ctr"/>
+              <a:lstStyle/>
+              <a:p>
+                <a:pPr algn="ctr"/>
+                <a:r>
+                  <a:rPr lang="en-AU" dirty="0" smtClean="0"/>
+                  <a:t> </a:t>
+                </a:r>
+                <a:r>
+                  <a:rPr lang="en-AU" dirty="0" err="1" smtClean="0"/>
+                  <a:t>PlayMorphia</a:t>
+                </a:r>
+                <a:r>
+                  <a:rPr lang="en-AU" dirty="0" smtClean="0"/>
+                  <a:t> Model </a:t>
+                </a:r>
+                <a:r>
+                  <a:rPr lang="en-AU" dirty="0" err="1" smtClean="0"/>
+                  <a:t>Archtecture</a:t>
+                </a:r>
+                <a:endParaRPr lang="en-AU" dirty="0"/>
+              </a:p>
+            </p:txBody>
+          </p:sp>
+        </p:grpSp>
+      </p:grpSp>
     </p:spTree>
     <p:extLst>
       <p:ext uri="{BB962C8B-B14F-4D97-AF65-F5344CB8AC3E}">

--- a/documentation/images.pptx
+++ b/documentation/images.pptx
@@ -10,6 +10,11 @@
     <p:sldId id="258" r:id="rId4"/>
     <p:sldId id="259" r:id="rId5"/>
     <p:sldId id="260" r:id="rId6"/>
+    <p:sldId id="261" r:id="rId7"/>
+    <p:sldId id="263" r:id="rId8"/>
+    <p:sldId id="262" r:id="rId9"/>
+    <p:sldId id="264" r:id="rId10"/>
+    <p:sldId id="265" r:id="rId11"/>
   </p:sldIdLst>
   <p:sldSz cx="9144000" cy="6858000" type="screen4x3"/>
   <p:notesSz cx="6858000" cy="9144000"/>
@@ -292,7 +297,7 @@
           <a:p>
             <a:fld id="{410E348B-3D49-40CD-91D8-D77A2E3E90F4}" type="datetimeFigureOut">
               <a:rPr lang="en-AU" smtClean="0"/>
-              <a:t>24/10/2011</a:t>
+              <a:t>4/11/2011</a:t>
             </a:fld>
             <a:endParaRPr lang="en-AU"/>
           </a:p>
@@ -462,7 +467,7 @@
           <a:p>
             <a:fld id="{410E348B-3D49-40CD-91D8-D77A2E3E90F4}" type="datetimeFigureOut">
               <a:rPr lang="en-AU" smtClean="0"/>
-              <a:t>24/10/2011</a:t>
+              <a:t>4/11/2011</a:t>
             </a:fld>
             <a:endParaRPr lang="en-AU"/>
           </a:p>
@@ -642,7 +647,7 @@
           <a:p>
             <a:fld id="{410E348B-3D49-40CD-91D8-D77A2E3E90F4}" type="datetimeFigureOut">
               <a:rPr lang="en-AU" smtClean="0"/>
-              <a:t>24/10/2011</a:t>
+              <a:t>4/11/2011</a:t>
             </a:fld>
             <a:endParaRPr lang="en-AU"/>
           </a:p>
@@ -812,7 +817,7 @@
           <a:p>
             <a:fld id="{410E348B-3D49-40CD-91D8-D77A2E3E90F4}" type="datetimeFigureOut">
               <a:rPr lang="en-AU" smtClean="0"/>
-              <a:t>24/10/2011</a:t>
+              <a:t>4/11/2011</a:t>
             </a:fld>
             <a:endParaRPr lang="en-AU"/>
           </a:p>
@@ -1058,7 +1063,7 @@
           <a:p>
             <a:fld id="{410E348B-3D49-40CD-91D8-D77A2E3E90F4}" type="datetimeFigureOut">
               <a:rPr lang="en-AU" smtClean="0"/>
-              <a:t>24/10/2011</a:t>
+              <a:t>4/11/2011</a:t>
             </a:fld>
             <a:endParaRPr lang="en-AU"/>
           </a:p>
@@ -1346,7 +1351,7 @@
           <a:p>
             <a:fld id="{410E348B-3D49-40CD-91D8-D77A2E3E90F4}" type="datetimeFigureOut">
               <a:rPr lang="en-AU" smtClean="0"/>
-              <a:t>24/10/2011</a:t>
+              <a:t>4/11/2011</a:t>
             </a:fld>
             <a:endParaRPr lang="en-AU"/>
           </a:p>
@@ -1768,7 +1773,7 @@
           <a:p>
             <a:fld id="{410E348B-3D49-40CD-91D8-D77A2E3E90F4}" type="datetimeFigureOut">
               <a:rPr lang="en-AU" smtClean="0"/>
-              <a:t>24/10/2011</a:t>
+              <a:t>4/11/2011</a:t>
             </a:fld>
             <a:endParaRPr lang="en-AU"/>
           </a:p>
@@ -1886,7 +1891,7 @@
           <a:p>
             <a:fld id="{410E348B-3D49-40CD-91D8-D77A2E3E90F4}" type="datetimeFigureOut">
               <a:rPr lang="en-AU" smtClean="0"/>
-              <a:t>24/10/2011</a:t>
+              <a:t>4/11/2011</a:t>
             </a:fld>
             <a:endParaRPr lang="en-AU"/>
           </a:p>
@@ -1981,7 +1986,7 @@
           <a:p>
             <a:fld id="{410E348B-3D49-40CD-91D8-D77A2E3E90F4}" type="datetimeFigureOut">
               <a:rPr lang="en-AU" smtClean="0"/>
-              <a:t>24/10/2011</a:t>
+              <a:t>4/11/2011</a:t>
             </a:fld>
             <a:endParaRPr lang="en-AU"/>
           </a:p>
@@ -2258,7 +2263,7 @@
           <a:p>
             <a:fld id="{410E348B-3D49-40CD-91D8-D77A2E3E90F4}" type="datetimeFigureOut">
               <a:rPr lang="en-AU" smtClean="0"/>
-              <a:t>24/10/2011</a:t>
+              <a:t>4/11/2011</a:t>
             </a:fld>
             <a:endParaRPr lang="en-AU"/>
           </a:p>
@@ -2511,7 +2516,7 @@
           <a:p>
             <a:fld id="{410E348B-3D49-40CD-91D8-D77A2E3E90F4}" type="datetimeFigureOut">
               <a:rPr lang="en-AU" smtClean="0"/>
-              <a:t>24/10/2011</a:t>
+              <a:t>4/11/2011</a:t>
             </a:fld>
             <a:endParaRPr lang="en-AU"/>
           </a:p>
@@ -2724,7 +2729,7 @@
           <a:p>
             <a:fld id="{410E348B-3D49-40CD-91D8-D77A2E3E90F4}" type="datetimeFigureOut">
               <a:rPr lang="en-AU" smtClean="0"/>
-              <a:t>24/10/2011</a:t>
+              <a:t>4/11/2011</a:t>
             </a:fld>
             <a:endParaRPr lang="en-AU"/>
           </a:p>
@@ -3135,6 +3140,865 @@
 </p:sld>
 </file>
 
+<file path=ppt/slides/slide10.xml><?xml version="1.0" encoding="utf-8"?>
+<p:sld xmlns:a="http://schemas.openxmlformats.org/drawingml/2006/main" xmlns:r="http://schemas.openxmlformats.org/officeDocument/2006/relationships" xmlns:p="http://schemas.openxmlformats.org/presentationml/2006/main">
+  <p:cSld>
+    <p:spTree>
+      <p:nvGrpSpPr>
+        <p:cNvPr id="1" name=""/>
+        <p:cNvGrpSpPr/>
+        <p:nvPr/>
+      </p:nvGrpSpPr>
+      <p:grpSpPr>
+        <a:xfrm>
+          <a:off x="0" y="0"/>
+          <a:ext cx="0" cy="0"/>
+          <a:chOff x="0" y="0"/>
+          <a:chExt cx="0" cy="0"/>
+        </a:xfrm>
+      </p:grpSpPr>
+      <p:sp>
+        <p:nvSpPr>
+          <p:cNvPr id="2" name="Title 1"/>
+          <p:cNvSpPr>
+            <a:spLocks noGrp="1"/>
+          </p:cNvSpPr>
+          <p:nvPr>
+            <p:ph type="title"/>
+          </p:nvPr>
+        </p:nvSpPr>
+        <p:spPr/>
+        <p:txBody>
+          <a:bodyPr/>
+          <a:lstStyle/>
+          <a:p>
+            <a:r>
+              <a:rPr lang="en-AU" dirty="0" smtClean="0"/>
+              <a:t>Model </a:t>
+            </a:r>
+            <a:r>
+              <a:rPr lang="en-AU" dirty="0" smtClean="0"/>
+              <a:t>lifecycle – Batch Delete</a:t>
+            </a:r>
+            <a:endParaRPr lang="en-AU" dirty="0"/>
+          </a:p>
+        </p:txBody>
+      </p:sp>
+      <p:sp>
+        <p:nvSpPr>
+          <p:cNvPr id="5" name="Rounded Rectangle 4"/>
+          <p:cNvSpPr/>
+          <p:nvPr/>
+        </p:nvSpPr>
+        <p:spPr>
+          <a:xfrm>
+            <a:off x="6619700" y="1683216"/>
+            <a:ext cx="2200772" cy="2235932"/>
+          </a:xfrm>
+          <a:prstGeom prst="roundRect">
+            <a:avLst/>
+          </a:prstGeom>
+        </p:spPr>
+        <p:style>
+          <a:lnRef idx="1">
+            <a:schemeClr val="accent3"/>
+          </a:lnRef>
+          <a:fillRef idx="2">
+            <a:schemeClr val="accent3"/>
+          </a:fillRef>
+          <a:effectRef idx="1">
+            <a:schemeClr val="accent3"/>
+          </a:effectRef>
+          <a:fontRef idx="minor">
+            <a:schemeClr val="dk1"/>
+          </a:fontRef>
+        </p:style>
+        <p:txBody>
+          <a:bodyPr rtlCol="0" anchor="t"/>
+          <a:lstStyle/>
+          <a:p>
+            <a:pPr algn="ctr"/>
+            <a:r>
+              <a:rPr lang="en-AU" sz="1400" dirty="0" err="1" smtClean="0"/>
+              <a:t>PlayMorphia</a:t>
+            </a:r>
+            <a:r>
+              <a:rPr lang="en-AU" sz="1400" dirty="0" smtClean="0"/>
+              <a:t> </a:t>
+            </a:r>
+            <a:endParaRPr lang="en-AU" sz="1400" dirty="0" smtClean="0"/>
+          </a:p>
+          <a:p>
+            <a:pPr algn="ctr"/>
+            <a:r>
+              <a:rPr lang="en-AU" sz="1400" dirty="0" smtClean="0"/>
+              <a:t>Batch Events</a:t>
+            </a:r>
+            <a:endParaRPr lang="en-AU" sz="1400" dirty="0"/>
+          </a:p>
+        </p:txBody>
+      </p:sp>
+      <p:sp>
+        <p:nvSpPr>
+          <p:cNvPr id="30" name="Round Diagonal Corner Rectangle 29"/>
+          <p:cNvSpPr/>
+          <p:nvPr/>
+        </p:nvSpPr>
+        <p:spPr>
+          <a:xfrm>
+            <a:off x="6968676" y="2564904"/>
+            <a:ext cx="1491756" cy="324036"/>
+          </a:xfrm>
+          <a:prstGeom prst="round2DiagRect">
+            <a:avLst/>
+          </a:prstGeom>
+        </p:spPr>
+        <p:style>
+          <a:lnRef idx="2">
+            <a:schemeClr val="accent2"/>
+          </a:lnRef>
+          <a:fillRef idx="1">
+            <a:schemeClr val="lt1"/>
+          </a:fillRef>
+          <a:effectRef idx="0">
+            <a:schemeClr val="accent2"/>
+          </a:effectRef>
+          <a:fontRef idx="minor">
+            <a:schemeClr val="dk1"/>
+          </a:fontRef>
+        </p:style>
+        <p:txBody>
+          <a:bodyPr rtlCol="0" anchor="ctr"/>
+          <a:lstStyle/>
+          <a:p>
+            <a:pPr algn="ctr"/>
+            <a:r>
+              <a:rPr lang="en-AU" sz="1400" dirty="0" smtClean="0"/>
+              <a:t>On </a:t>
+            </a:r>
+            <a:r>
+              <a:rPr lang="en-AU" sz="1400" dirty="0" smtClean="0"/>
+              <a:t>Batch Delete</a:t>
+            </a:r>
+            <a:endParaRPr lang="en-AU" sz="1400" dirty="0"/>
+          </a:p>
+        </p:txBody>
+      </p:sp>
+      <p:sp>
+        <p:nvSpPr>
+          <p:cNvPr id="31" name="Round Diagonal Corner Rectangle 30"/>
+          <p:cNvSpPr/>
+          <p:nvPr/>
+        </p:nvSpPr>
+        <p:spPr>
+          <a:xfrm>
+            <a:off x="6934768" y="3235072"/>
+            <a:ext cx="1597672" cy="324036"/>
+          </a:xfrm>
+          <a:prstGeom prst="round2DiagRect">
+            <a:avLst/>
+          </a:prstGeom>
+        </p:spPr>
+        <p:style>
+          <a:lnRef idx="2">
+            <a:schemeClr val="accent2"/>
+          </a:lnRef>
+          <a:fillRef idx="1">
+            <a:schemeClr val="lt1"/>
+          </a:fillRef>
+          <a:effectRef idx="0">
+            <a:schemeClr val="accent2"/>
+          </a:effectRef>
+          <a:fontRef idx="minor">
+            <a:schemeClr val="dk1"/>
+          </a:fontRef>
+        </p:style>
+        <p:txBody>
+          <a:bodyPr rtlCol="0" anchor="ctr"/>
+          <a:lstStyle/>
+          <a:p>
+            <a:pPr algn="ctr"/>
+            <a:r>
+              <a:rPr lang="en-AU" sz="1400" dirty="0" smtClean="0"/>
+              <a:t>Batch Deleted</a:t>
+            </a:r>
+            <a:endParaRPr lang="en-AU" sz="1400" dirty="0"/>
+          </a:p>
+        </p:txBody>
+      </p:sp>
+      <p:sp>
+        <p:nvSpPr>
+          <p:cNvPr id="14" name="Rounded Rectangle 13"/>
+          <p:cNvSpPr/>
+          <p:nvPr/>
+        </p:nvSpPr>
+        <p:spPr>
+          <a:xfrm>
+            <a:off x="2339752" y="1556792"/>
+            <a:ext cx="3888432" cy="727392"/>
+          </a:xfrm>
+          <a:prstGeom prst="roundRect">
+            <a:avLst/>
+          </a:prstGeom>
+        </p:spPr>
+        <p:style>
+          <a:lnRef idx="2">
+            <a:schemeClr val="accent6"/>
+          </a:lnRef>
+          <a:fillRef idx="1">
+            <a:schemeClr val="lt1"/>
+          </a:fillRef>
+          <a:effectRef idx="0">
+            <a:schemeClr val="accent6"/>
+          </a:effectRef>
+          <a:fontRef idx="minor">
+            <a:schemeClr val="dk1"/>
+          </a:fontRef>
+        </p:style>
+        <p:txBody>
+          <a:bodyPr rtlCol="0" anchor="ctr"/>
+          <a:lstStyle/>
+          <a:p>
+            <a:pPr algn="ctr"/>
+            <a:endParaRPr lang="en-AU" dirty="0"/>
+          </a:p>
+        </p:txBody>
+      </p:sp>
+      <p:sp>
+        <p:nvSpPr>
+          <p:cNvPr id="18" name="Down Arrow 17"/>
+          <p:cNvSpPr/>
+          <p:nvPr/>
+        </p:nvSpPr>
+        <p:spPr>
+          <a:xfrm>
+            <a:off x="3941805" y="2795615"/>
+            <a:ext cx="792088" cy="954457"/>
+          </a:xfrm>
+          <a:prstGeom prst="downArrow">
+            <a:avLst/>
+          </a:prstGeom>
+        </p:spPr>
+        <p:style>
+          <a:lnRef idx="0">
+            <a:schemeClr val="accent6"/>
+          </a:lnRef>
+          <a:fillRef idx="3">
+            <a:schemeClr val="accent6"/>
+          </a:fillRef>
+          <a:effectRef idx="3">
+            <a:schemeClr val="accent6"/>
+          </a:effectRef>
+          <a:fontRef idx="minor">
+            <a:schemeClr val="lt1"/>
+          </a:fontRef>
+        </p:style>
+        <p:txBody>
+          <a:bodyPr rtlCol="0" anchor="ctr"/>
+          <a:lstStyle/>
+          <a:p>
+            <a:pPr algn="ctr"/>
+            <a:endParaRPr lang="en-AU"/>
+          </a:p>
+        </p:txBody>
+      </p:sp>
+      <p:cxnSp>
+        <p:nvCxnSpPr>
+          <p:cNvPr id="42" name="Straight Arrow Connector 41"/>
+          <p:cNvCxnSpPr>
+            <a:endCxn id="18" idx="0"/>
+          </p:cNvCxnSpPr>
+          <p:nvPr/>
+        </p:nvCxnSpPr>
+        <p:spPr>
+          <a:xfrm>
+            <a:off x="4337849" y="2060848"/>
+            <a:ext cx="0" cy="734767"/>
+          </a:xfrm>
+          <a:prstGeom prst="straightConnector1">
+            <a:avLst/>
+          </a:prstGeom>
+          <a:ln>
+            <a:tailEnd type="arrow"/>
+          </a:ln>
+        </p:spPr>
+        <p:style>
+          <a:lnRef idx="2">
+            <a:schemeClr val="accent6"/>
+          </a:lnRef>
+          <a:fillRef idx="0">
+            <a:schemeClr val="accent6"/>
+          </a:fillRef>
+          <a:effectRef idx="1">
+            <a:schemeClr val="accent6"/>
+          </a:effectRef>
+          <a:fontRef idx="minor">
+            <a:schemeClr val="tx1"/>
+          </a:fontRef>
+        </p:style>
+      </p:cxnSp>
+      <p:sp>
+        <p:nvSpPr>
+          <p:cNvPr id="49" name="Oval 48"/>
+          <p:cNvSpPr/>
+          <p:nvPr/>
+        </p:nvSpPr>
+        <p:spPr>
+          <a:xfrm>
+            <a:off x="2664961" y="3776671"/>
+            <a:ext cx="3419207" cy="647204"/>
+          </a:xfrm>
+          <a:prstGeom prst="ellipse">
+            <a:avLst/>
+          </a:prstGeom>
+        </p:spPr>
+        <p:style>
+          <a:lnRef idx="0">
+            <a:schemeClr val="accent6"/>
+          </a:lnRef>
+          <a:fillRef idx="3">
+            <a:schemeClr val="accent6"/>
+          </a:fillRef>
+          <a:effectRef idx="3">
+            <a:schemeClr val="accent6"/>
+          </a:effectRef>
+          <a:fontRef idx="minor">
+            <a:schemeClr val="lt1"/>
+          </a:fontRef>
+        </p:style>
+        <p:txBody>
+          <a:bodyPr rtlCol="0" anchor="ctr"/>
+          <a:lstStyle/>
+          <a:p>
+            <a:pPr algn="ctr"/>
+            <a:r>
+              <a:rPr lang="en-AU" dirty="0" smtClean="0"/>
+              <a:t>Delete from </a:t>
+            </a:r>
+            <a:r>
+              <a:rPr lang="en-AU" dirty="0" err="1" smtClean="0"/>
+              <a:t>MongoDB</a:t>
+            </a:r>
+            <a:endParaRPr lang="en-AU" dirty="0"/>
+          </a:p>
+        </p:txBody>
+      </p:sp>
+      <p:sp>
+        <p:nvSpPr>
+          <p:cNvPr id="51" name="Down Arrow 50"/>
+          <p:cNvSpPr/>
+          <p:nvPr/>
+        </p:nvSpPr>
+        <p:spPr>
+          <a:xfrm>
+            <a:off x="3941805" y="4540486"/>
+            <a:ext cx="792088" cy="967060"/>
+          </a:xfrm>
+          <a:prstGeom prst="downArrow">
+            <a:avLst/>
+          </a:prstGeom>
+        </p:spPr>
+        <p:style>
+          <a:lnRef idx="0">
+            <a:schemeClr val="accent6"/>
+          </a:lnRef>
+          <a:fillRef idx="3">
+            <a:schemeClr val="accent6"/>
+          </a:fillRef>
+          <a:effectRef idx="3">
+            <a:schemeClr val="accent6"/>
+          </a:effectRef>
+          <a:fontRef idx="minor">
+            <a:schemeClr val="lt1"/>
+          </a:fontRef>
+        </p:style>
+        <p:txBody>
+          <a:bodyPr rtlCol="0" anchor="ctr"/>
+          <a:lstStyle/>
+          <a:p>
+            <a:pPr algn="ctr"/>
+            <a:endParaRPr lang="en-AU"/>
+          </a:p>
+        </p:txBody>
+      </p:sp>
+      <p:grpSp>
+        <p:nvGrpSpPr>
+          <p:cNvPr id="38" name="Group 37"/>
+          <p:cNvGrpSpPr/>
+          <p:nvPr/>
+        </p:nvGrpSpPr>
+        <p:grpSpPr>
+          <a:xfrm>
+            <a:off x="467544" y="2564904"/>
+            <a:ext cx="1584176" cy="3113774"/>
+            <a:chOff x="467544" y="2720974"/>
+            <a:chExt cx="1584176" cy="3113774"/>
+          </a:xfrm>
+        </p:grpSpPr>
+        <p:sp>
+          <p:nvSpPr>
+            <p:cNvPr id="39" name="Rounded Rectangle 38"/>
+            <p:cNvSpPr/>
+            <p:nvPr/>
+          </p:nvSpPr>
+          <p:spPr>
+            <a:xfrm>
+              <a:off x="467544" y="2720974"/>
+              <a:ext cx="1584176" cy="3113774"/>
+            </a:xfrm>
+            <a:prstGeom prst="roundRect">
+              <a:avLst/>
+            </a:prstGeom>
+          </p:spPr>
+          <p:style>
+            <a:lnRef idx="1">
+              <a:schemeClr val="accent2"/>
+            </a:lnRef>
+            <a:fillRef idx="2">
+              <a:schemeClr val="accent2"/>
+            </a:fillRef>
+            <a:effectRef idx="1">
+              <a:schemeClr val="accent2"/>
+            </a:effectRef>
+            <a:fontRef idx="minor">
+              <a:schemeClr val="dk1"/>
+            </a:fontRef>
+          </p:style>
+          <p:txBody>
+            <a:bodyPr rtlCol="0" anchor="t"/>
+            <a:lstStyle/>
+            <a:p>
+              <a:pPr algn="ctr"/>
+              <a:r>
+                <a:rPr lang="en-AU" sz="1400" dirty="0" smtClean="0"/>
+                <a:t>Morphia Events</a:t>
+              </a:r>
+              <a:endParaRPr lang="en-AU" sz="1400" dirty="0"/>
+            </a:p>
+          </p:txBody>
+        </p:sp>
+        <p:sp>
+          <p:nvSpPr>
+            <p:cNvPr id="40" name="Snip Diagonal Corner Rectangle 39"/>
+            <p:cNvSpPr/>
+            <p:nvPr/>
+          </p:nvSpPr>
+          <p:spPr>
+            <a:xfrm>
+              <a:off x="736824" y="4772532"/>
+              <a:ext cx="1098872" cy="360040"/>
+            </a:xfrm>
+            <a:prstGeom prst="snip2DiagRect">
+              <a:avLst/>
+            </a:prstGeom>
+          </p:spPr>
+          <p:style>
+            <a:lnRef idx="2">
+              <a:schemeClr val="accent1"/>
+            </a:lnRef>
+            <a:fillRef idx="1">
+              <a:schemeClr val="lt1"/>
+            </a:fillRef>
+            <a:effectRef idx="0">
+              <a:schemeClr val="accent1"/>
+            </a:effectRef>
+            <a:fontRef idx="minor">
+              <a:schemeClr val="dk1"/>
+            </a:fontRef>
+          </p:style>
+          <p:txBody>
+            <a:bodyPr rtlCol="0" anchor="ctr"/>
+            <a:lstStyle/>
+            <a:p>
+              <a:pPr algn="ctr"/>
+              <a:r>
+                <a:rPr lang="en-AU" sz="1400" dirty="0" smtClean="0"/>
+                <a:t>Pre Save</a:t>
+              </a:r>
+              <a:endParaRPr lang="en-AU" sz="1400" dirty="0"/>
+            </a:p>
+          </p:txBody>
+        </p:sp>
+        <p:sp>
+          <p:nvSpPr>
+            <p:cNvPr id="41" name="Snip Diagonal Corner Rectangle 40"/>
+            <p:cNvSpPr/>
+            <p:nvPr/>
+          </p:nvSpPr>
+          <p:spPr>
+            <a:xfrm>
+              <a:off x="736824" y="4243855"/>
+              <a:ext cx="1098872" cy="360040"/>
+            </a:xfrm>
+            <a:prstGeom prst="snip2DiagRect">
+              <a:avLst/>
+            </a:prstGeom>
+          </p:spPr>
+          <p:style>
+            <a:lnRef idx="2">
+              <a:schemeClr val="accent1"/>
+            </a:lnRef>
+            <a:fillRef idx="1">
+              <a:schemeClr val="lt1"/>
+            </a:fillRef>
+            <a:effectRef idx="0">
+              <a:schemeClr val="accent1"/>
+            </a:effectRef>
+            <a:fontRef idx="minor">
+              <a:schemeClr val="dk1"/>
+            </a:fontRef>
+          </p:style>
+          <p:txBody>
+            <a:bodyPr rtlCol="0" anchor="ctr"/>
+            <a:lstStyle/>
+            <a:p>
+              <a:pPr algn="ctr"/>
+              <a:r>
+                <a:rPr lang="en-AU" sz="1400" dirty="0" smtClean="0"/>
+                <a:t>Pre Persist</a:t>
+              </a:r>
+              <a:endParaRPr lang="en-AU" sz="1400" dirty="0"/>
+            </a:p>
+          </p:txBody>
+        </p:sp>
+        <p:sp>
+          <p:nvSpPr>
+            <p:cNvPr id="43" name="Snip Diagonal Corner Rectangle 42"/>
+            <p:cNvSpPr/>
+            <p:nvPr/>
+          </p:nvSpPr>
+          <p:spPr>
+            <a:xfrm>
+              <a:off x="736824" y="5301208"/>
+              <a:ext cx="1098872" cy="360040"/>
+            </a:xfrm>
+            <a:prstGeom prst="snip2DiagRect">
+              <a:avLst/>
+            </a:prstGeom>
+          </p:spPr>
+          <p:style>
+            <a:lnRef idx="2">
+              <a:schemeClr val="accent1"/>
+            </a:lnRef>
+            <a:fillRef idx="1">
+              <a:schemeClr val="lt1"/>
+            </a:fillRef>
+            <a:effectRef idx="0">
+              <a:schemeClr val="accent1"/>
+            </a:effectRef>
+            <a:fontRef idx="minor">
+              <a:schemeClr val="dk1"/>
+            </a:fontRef>
+          </p:style>
+          <p:txBody>
+            <a:bodyPr rtlCol="0" anchor="ctr"/>
+            <a:lstStyle/>
+            <a:p>
+              <a:pPr algn="ctr"/>
+              <a:r>
+                <a:rPr lang="en-AU" sz="1400" dirty="0" smtClean="0"/>
+                <a:t>Post Persist</a:t>
+              </a:r>
+              <a:endParaRPr lang="en-AU" sz="1400" dirty="0"/>
+            </a:p>
+          </p:txBody>
+        </p:sp>
+        <p:sp>
+          <p:nvSpPr>
+            <p:cNvPr id="45" name="Snip Diagonal Corner Rectangle 44"/>
+            <p:cNvSpPr/>
+            <p:nvPr/>
+          </p:nvSpPr>
+          <p:spPr>
+            <a:xfrm>
+              <a:off x="736824" y="3186501"/>
+              <a:ext cx="1098872" cy="360040"/>
+            </a:xfrm>
+            <a:prstGeom prst="snip2DiagRect">
+              <a:avLst/>
+            </a:prstGeom>
+          </p:spPr>
+          <p:style>
+            <a:lnRef idx="2">
+              <a:schemeClr val="accent1"/>
+            </a:lnRef>
+            <a:fillRef idx="1">
+              <a:schemeClr val="lt1"/>
+            </a:fillRef>
+            <a:effectRef idx="0">
+              <a:schemeClr val="accent1"/>
+            </a:effectRef>
+            <a:fontRef idx="minor">
+              <a:schemeClr val="dk1"/>
+            </a:fontRef>
+          </p:style>
+          <p:txBody>
+            <a:bodyPr rtlCol="0" anchor="ctr"/>
+            <a:lstStyle/>
+            <a:p>
+              <a:pPr algn="ctr"/>
+              <a:r>
+                <a:rPr lang="en-AU" sz="1400" dirty="0" smtClean="0"/>
+                <a:t>Pre </a:t>
+              </a:r>
+              <a:r>
+                <a:rPr lang="en-AU" sz="1400" dirty="0" smtClean="0"/>
+                <a:t>Load</a:t>
+              </a:r>
+              <a:endParaRPr lang="en-AU" sz="1400" dirty="0"/>
+            </a:p>
+          </p:txBody>
+        </p:sp>
+        <p:sp>
+          <p:nvSpPr>
+            <p:cNvPr id="46" name="Snip Diagonal Corner Rectangle 45"/>
+            <p:cNvSpPr/>
+            <p:nvPr/>
+          </p:nvSpPr>
+          <p:spPr>
+            <a:xfrm>
+              <a:off x="736824" y="3715178"/>
+              <a:ext cx="1098872" cy="360040"/>
+            </a:xfrm>
+            <a:prstGeom prst="snip2DiagRect">
+              <a:avLst/>
+            </a:prstGeom>
+          </p:spPr>
+          <p:style>
+            <a:lnRef idx="2">
+              <a:schemeClr val="accent1"/>
+            </a:lnRef>
+            <a:fillRef idx="1">
+              <a:schemeClr val="lt1"/>
+            </a:fillRef>
+            <a:effectRef idx="0">
+              <a:schemeClr val="accent1"/>
+            </a:effectRef>
+            <a:fontRef idx="minor">
+              <a:schemeClr val="dk1"/>
+            </a:fontRef>
+          </p:style>
+          <p:txBody>
+            <a:bodyPr rtlCol="0" anchor="ctr"/>
+            <a:lstStyle/>
+            <a:p>
+              <a:pPr algn="ctr"/>
+              <a:r>
+                <a:rPr lang="en-AU" sz="1400" dirty="0" smtClean="0"/>
+                <a:t>Post Load</a:t>
+              </a:r>
+              <a:endParaRPr lang="en-AU" sz="1400" dirty="0"/>
+            </a:p>
+          </p:txBody>
+        </p:sp>
+      </p:grpSp>
+      <p:cxnSp>
+        <p:nvCxnSpPr>
+          <p:cNvPr id="52" name="Elbow Connector 51"/>
+          <p:cNvCxnSpPr>
+            <a:stCxn id="30" idx="2"/>
+            <a:endCxn id="18" idx="3"/>
+          </p:cNvCxnSpPr>
+          <p:nvPr/>
+        </p:nvCxnSpPr>
+        <p:spPr>
+          <a:xfrm rot="10800000" flipV="1">
+            <a:off x="4733894" y="2726922"/>
+            <a:ext cx="2234783" cy="627106"/>
+          </a:xfrm>
+          <a:prstGeom prst="bentConnector3">
+            <a:avLst>
+              <a:gd name="adj1" fmla="val 50000"/>
+            </a:avLst>
+          </a:prstGeom>
+          <a:ln>
+            <a:tailEnd type="arrow"/>
+          </a:ln>
+        </p:spPr>
+        <p:style>
+          <a:lnRef idx="2">
+            <a:schemeClr val="accent3"/>
+          </a:lnRef>
+          <a:fillRef idx="0">
+            <a:schemeClr val="accent3"/>
+          </a:fillRef>
+          <a:effectRef idx="1">
+            <a:schemeClr val="accent3"/>
+          </a:effectRef>
+          <a:fontRef idx="minor">
+            <a:schemeClr val="tx1"/>
+          </a:fontRef>
+        </p:style>
+      </p:cxnSp>
+      <p:cxnSp>
+        <p:nvCxnSpPr>
+          <p:cNvPr id="61" name="Elbow Connector 60"/>
+          <p:cNvCxnSpPr>
+            <a:stCxn id="31" idx="1"/>
+            <a:endCxn id="51" idx="3"/>
+          </p:cNvCxnSpPr>
+          <p:nvPr/>
+        </p:nvCxnSpPr>
+        <p:spPr>
+          <a:xfrm rot="5400000">
+            <a:off x="5457552" y="2835450"/>
+            <a:ext cx="1552394" cy="2999711"/>
+          </a:xfrm>
+          <a:prstGeom prst="bentConnector2">
+            <a:avLst/>
+          </a:prstGeom>
+          <a:ln>
+            <a:tailEnd type="arrow"/>
+          </a:ln>
+        </p:spPr>
+        <p:style>
+          <a:lnRef idx="2">
+            <a:schemeClr val="accent3"/>
+          </a:lnRef>
+          <a:fillRef idx="0">
+            <a:schemeClr val="accent3"/>
+          </a:fillRef>
+          <a:effectRef idx="1">
+            <a:schemeClr val="accent3"/>
+          </a:effectRef>
+          <a:fontRef idx="minor">
+            <a:schemeClr val="tx1"/>
+          </a:fontRef>
+        </p:style>
+      </p:cxnSp>
+      <p:cxnSp>
+        <p:nvCxnSpPr>
+          <p:cNvPr id="36" name="Straight Connector 35"/>
+          <p:cNvCxnSpPr/>
+          <p:nvPr/>
+        </p:nvCxnSpPr>
+        <p:spPr>
+          <a:xfrm>
+            <a:off x="2585495" y="2060848"/>
+            <a:ext cx="3426665" cy="0"/>
+          </a:xfrm>
+          <a:prstGeom prst="line">
+            <a:avLst/>
+          </a:prstGeom>
+        </p:spPr>
+        <p:style>
+          <a:lnRef idx="2">
+            <a:schemeClr val="accent6"/>
+          </a:lnRef>
+          <a:fillRef idx="0">
+            <a:schemeClr val="accent6"/>
+          </a:fillRef>
+          <a:effectRef idx="1">
+            <a:schemeClr val="accent6"/>
+          </a:effectRef>
+          <a:fontRef idx="minor">
+            <a:schemeClr val="tx1"/>
+          </a:fontRef>
+        </p:style>
+      </p:cxnSp>
+      <p:sp>
+        <p:nvSpPr>
+          <p:cNvPr id="16" name="Rectangle 15"/>
+          <p:cNvSpPr/>
+          <p:nvPr/>
+        </p:nvSpPr>
+        <p:spPr>
+          <a:xfrm>
+            <a:off x="539551" y="5999758"/>
+            <a:ext cx="4608513" cy="453578"/>
+          </a:xfrm>
+          <a:prstGeom prst="rect">
+            <a:avLst/>
+          </a:prstGeom>
+        </p:spPr>
+        <p:style>
+          <a:lnRef idx="1">
+            <a:schemeClr val="accent2"/>
+          </a:lnRef>
+          <a:fillRef idx="2">
+            <a:schemeClr val="accent2"/>
+          </a:fillRef>
+          <a:effectRef idx="1">
+            <a:schemeClr val="accent2"/>
+          </a:effectRef>
+          <a:fontRef idx="minor">
+            <a:schemeClr val="dk1"/>
+          </a:fontRef>
+        </p:style>
+        <p:txBody>
+          <a:bodyPr rtlCol="0" anchor="ctr"/>
+          <a:lstStyle/>
+          <a:p>
+            <a:pPr algn="ctr"/>
+            <a:r>
+              <a:rPr lang="en-AU" dirty="0" smtClean="0"/>
+              <a:t>Morphia does not support batch delete events</a:t>
+            </a:r>
+            <a:endParaRPr lang="en-AU" dirty="0"/>
+          </a:p>
+        </p:txBody>
+      </p:sp>
+      <p:pic>
+        <p:nvPicPr>
+          <p:cNvPr id="5122" name="Picture 2" descr="C:\Users\luog\Desktop\ScreenHunter_07 Nov. 04 07.11.jpg"/>
+          <p:cNvPicPr>
+            <a:picLocks noChangeAspect="1" noChangeArrowheads="1"/>
+          </p:cNvPicPr>
+          <p:nvPr/>
+        </p:nvPicPr>
+        <p:blipFill>
+          <a:blip r:embed="rId2">
+            <a:extLst>
+              <a:ext uri="{28A0092B-C50C-407E-A947-70E740481C1C}">
+                <a14:useLocalDpi xmlns:a14="http://schemas.microsoft.com/office/drawing/2010/main" val="0"/>
+              </a:ext>
+            </a:extLst>
+          </a:blip>
+          <a:srcRect/>
+          <a:stretch>
+            <a:fillRect/>
+          </a:stretch>
+        </p:blipFill>
+        <p:spPr bwMode="auto">
+          <a:xfrm>
+            <a:off x="2483768" y="1663206"/>
+            <a:ext cx="3600400" cy="289318"/>
+          </a:xfrm>
+          <a:prstGeom prst="rect">
+            <a:avLst/>
+          </a:prstGeom>
+          <a:noFill/>
+          <a:extLst>
+            <a:ext uri="{909E8E84-426E-40DD-AFC4-6F175D3DCCD1}">
+              <a14:hiddenFill xmlns:a14="http://schemas.microsoft.com/office/drawing/2010/main">
+                <a:solidFill>
+                  <a:srgbClr val="FFFFFF"/>
+                </a:solidFill>
+              </a14:hiddenFill>
+            </a:ext>
+          </a:extLst>
+        </p:spPr>
+      </p:pic>
+    </p:spTree>
+    <p:extLst>
+      <p:ext uri="{BB962C8B-B14F-4D97-AF65-F5344CB8AC3E}">
+        <p14:creationId xmlns:p14="http://schemas.microsoft.com/office/powerpoint/2010/main" val="3592945823"/>
+      </p:ext>
+    </p:extLst>
+  </p:cSld>
+  <p:clrMapOvr>
+    <a:masterClrMapping/>
+  </p:clrMapOvr>
+  <p:timing>
+    <p:tnLst>
+      <p:par>
+        <p:cTn id="1" dur="indefinite" restart="never" nodeType="tmRoot"/>
+      </p:par>
+    </p:tnLst>
+  </p:timing>
+</p:sld>
+</file>
+
 <file path=ppt/slides/slide2.xml><?xml version="1.0" encoding="utf-8"?>
 <p:sld xmlns:a="http://schemas.openxmlformats.org/drawingml/2006/main" xmlns:r="http://schemas.openxmlformats.org/officeDocument/2006/relationships" xmlns:p="http://schemas.openxmlformats.org/presentationml/2006/main">
   <p:cSld>
@@ -3314,7 +4178,7 @@
             <a:p>
               <a:pPr algn="ctr"/>
               <a:r>
-                <a:rPr lang="en-AU" dirty="0" err="1" smtClean="0"/>
+                <a:rPr lang="en-AU" dirty="0" smtClean="0"/>
                 <a:t>Morphia</a:t>
               </a:r>
               <a:endParaRPr lang="en-AU" dirty="0"/>
@@ -3914,15 +4778,7 @@
           <a:p>
             <a:r>
               <a:rPr lang="en-AU" sz="1400" dirty="0" smtClean="0"/>
-              <a:t>Pure </a:t>
-            </a:r>
-            <a:r>
-              <a:rPr lang="en-AU" sz="1400" dirty="0" err="1" smtClean="0"/>
-              <a:t>Morphia</a:t>
-            </a:r>
-            <a:r>
-              <a:rPr lang="en-AU" sz="1400" dirty="0" smtClean="0"/>
-              <a:t> model class</a:t>
+              <a:t>Pure Morphia model class</a:t>
             </a:r>
             <a:endParaRPr lang="en-AU" sz="1400" dirty="0"/>
           </a:p>
@@ -4047,15 +4903,7 @@
           <a:p>
             <a:r>
               <a:rPr lang="en-AU" sz="1400" dirty="0" smtClean="0"/>
-              <a:t>Pure </a:t>
-            </a:r>
-            <a:r>
-              <a:rPr lang="en-AU" sz="1400" dirty="0" err="1" smtClean="0"/>
-              <a:t>Morphia</a:t>
-            </a:r>
-            <a:r>
-              <a:rPr lang="en-AU" sz="1400" dirty="0" smtClean="0"/>
-              <a:t> model app</a:t>
+              <a:t>Pure Morphia model app</a:t>
             </a:r>
             <a:endParaRPr lang="en-AU" sz="1400" dirty="0"/>
           </a:p>
@@ -4792,6 +5640,4758 @@
   <p:clrMapOvr>
     <a:masterClrMapping/>
   </p:clrMapOvr>
+  <p:timing>
+    <p:tnLst>
+      <p:par>
+        <p:cTn id="1" dur="indefinite" restart="never" nodeType="tmRoot"/>
+      </p:par>
+    </p:tnLst>
+  </p:timing>
+</p:sld>
+</file>
+
+<file path=ppt/slides/slide6.xml><?xml version="1.0" encoding="utf-8"?>
+<p:sld xmlns:a="http://schemas.openxmlformats.org/drawingml/2006/main" xmlns:r="http://schemas.openxmlformats.org/officeDocument/2006/relationships" xmlns:p="http://schemas.openxmlformats.org/presentationml/2006/main">
+  <p:cSld>
+    <p:spTree>
+      <p:nvGrpSpPr>
+        <p:cNvPr id="1" name=""/>
+        <p:cNvGrpSpPr/>
+        <p:nvPr/>
+      </p:nvGrpSpPr>
+      <p:grpSpPr>
+        <a:xfrm>
+          <a:off x="0" y="0"/>
+          <a:ext cx="0" cy="0"/>
+          <a:chOff x="0" y="0"/>
+          <a:chExt cx="0" cy="0"/>
+        </a:xfrm>
+      </p:grpSpPr>
+      <p:sp>
+        <p:nvSpPr>
+          <p:cNvPr id="2" name="Title 1"/>
+          <p:cNvSpPr>
+            <a:spLocks noGrp="1"/>
+          </p:cNvSpPr>
+          <p:nvPr>
+            <p:ph type="title"/>
+          </p:nvPr>
+        </p:nvSpPr>
+        <p:spPr/>
+        <p:txBody>
+          <a:bodyPr/>
+          <a:lstStyle/>
+          <a:p>
+            <a:r>
+              <a:rPr lang="en-AU" dirty="0" smtClean="0"/>
+              <a:t>Model </a:t>
+            </a:r>
+            <a:r>
+              <a:rPr lang="en-AU" dirty="0" smtClean="0"/>
+              <a:t>lifecycle - Create</a:t>
+            </a:r>
+            <a:endParaRPr lang="en-AU" dirty="0"/>
+          </a:p>
+        </p:txBody>
+      </p:sp>
+      <p:sp>
+        <p:nvSpPr>
+          <p:cNvPr id="5" name="Rounded Rectangle 4"/>
+          <p:cNvSpPr/>
+          <p:nvPr/>
+        </p:nvSpPr>
+        <p:spPr>
+          <a:xfrm>
+            <a:off x="6619700" y="1683216"/>
+            <a:ext cx="1872208" cy="4896544"/>
+          </a:xfrm>
+          <a:prstGeom prst="roundRect">
+            <a:avLst/>
+          </a:prstGeom>
+        </p:spPr>
+        <p:style>
+          <a:lnRef idx="1">
+            <a:schemeClr val="accent3"/>
+          </a:lnRef>
+          <a:fillRef idx="2">
+            <a:schemeClr val="accent3"/>
+          </a:fillRef>
+          <a:effectRef idx="1">
+            <a:schemeClr val="accent3"/>
+          </a:effectRef>
+          <a:fontRef idx="minor">
+            <a:schemeClr val="dk1"/>
+          </a:fontRef>
+        </p:style>
+        <p:txBody>
+          <a:bodyPr rtlCol="0" anchor="t"/>
+          <a:lstStyle/>
+          <a:p>
+            <a:pPr algn="ctr"/>
+            <a:r>
+              <a:rPr lang="en-AU" sz="1400" dirty="0" err="1" smtClean="0"/>
+              <a:t>PlayMorphia</a:t>
+            </a:r>
+            <a:r>
+              <a:rPr lang="en-AU" sz="1400" dirty="0" smtClean="0"/>
+              <a:t> Events</a:t>
+            </a:r>
+            <a:endParaRPr lang="en-AU" sz="1400" dirty="0"/>
+          </a:p>
+        </p:txBody>
+      </p:sp>
+      <p:sp>
+        <p:nvSpPr>
+          <p:cNvPr id="24" name="Round Diagonal Corner Rectangle 23"/>
+          <p:cNvSpPr/>
+          <p:nvPr/>
+        </p:nvSpPr>
+        <p:spPr>
+          <a:xfrm>
+            <a:off x="6907732" y="2284184"/>
+            <a:ext cx="1296144" cy="324036"/>
+          </a:xfrm>
+          <a:prstGeom prst="round2DiagRect">
+            <a:avLst/>
+          </a:prstGeom>
+        </p:spPr>
+        <p:style>
+          <a:lnRef idx="2">
+            <a:schemeClr val="accent2"/>
+          </a:lnRef>
+          <a:fillRef idx="1">
+            <a:schemeClr val="lt1"/>
+          </a:fillRef>
+          <a:effectRef idx="0">
+            <a:schemeClr val="accent2"/>
+          </a:effectRef>
+          <a:fontRef idx="minor">
+            <a:schemeClr val="dk1"/>
+          </a:fontRef>
+        </p:style>
+        <p:txBody>
+          <a:bodyPr rtlCol="0" anchor="ctr"/>
+          <a:lstStyle/>
+          <a:p>
+            <a:pPr algn="ctr"/>
+            <a:r>
+              <a:rPr lang="en-AU" sz="1400" dirty="0" smtClean="0"/>
+              <a:t>On Add</a:t>
+            </a:r>
+            <a:endParaRPr lang="en-AU" sz="1400" dirty="0"/>
+          </a:p>
+        </p:txBody>
+      </p:sp>
+      <p:sp>
+        <p:nvSpPr>
+          <p:cNvPr id="25" name="Round Diagonal Corner Rectangle 24"/>
+          <p:cNvSpPr/>
+          <p:nvPr/>
+        </p:nvSpPr>
+        <p:spPr>
+          <a:xfrm>
+            <a:off x="6913908" y="2788240"/>
+            <a:ext cx="1296144" cy="324036"/>
+          </a:xfrm>
+          <a:prstGeom prst="round2DiagRect">
+            <a:avLst/>
+          </a:prstGeom>
+        </p:spPr>
+        <p:style>
+          <a:lnRef idx="2">
+            <a:schemeClr val="accent2"/>
+          </a:lnRef>
+          <a:fillRef idx="1">
+            <a:schemeClr val="lt1"/>
+          </a:fillRef>
+          <a:effectRef idx="0">
+            <a:schemeClr val="accent2"/>
+          </a:effectRef>
+          <a:fontRef idx="minor">
+            <a:schemeClr val="dk1"/>
+          </a:fontRef>
+        </p:style>
+        <p:txBody>
+          <a:bodyPr rtlCol="0" anchor="ctr"/>
+          <a:lstStyle/>
+          <a:p>
+            <a:pPr algn="ctr"/>
+            <a:r>
+              <a:rPr lang="en-AU" sz="1400" dirty="0" smtClean="0"/>
+              <a:t>Added</a:t>
+            </a:r>
+            <a:endParaRPr lang="en-AU" sz="1400" dirty="0"/>
+          </a:p>
+        </p:txBody>
+      </p:sp>
+      <p:sp>
+        <p:nvSpPr>
+          <p:cNvPr id="26" name="Round Diagonal Corner Rectangle 25"/>
+          <p:cNvSpPr/>
+          <p:nvPr/>
+        </p:nvSpPr>
+        <p:spPr>
+          <a:xfrm>
+            <a:off x="6937100" y="4292638"/>
+            <a:ext cx="1296144" cy="324036"/>
+          </a:xfrm>
+          <a:prstGeom prst="round2DiagRect">
+            <a:avLst/>
+          </a:prstGeom>
+        </p:spPr>
+        <p:style>
+          <a:lnRef idx="2">
+            <a:schemeClr val="accent2"/>
+          </a:lnRef>
+          <a:fillRef idx="1">
+            <a:schemeClr val="lt1"/>
+          </a:fillRef>
+          <a:effectRef idx="0">
+            <a:schemeClr val="accent2"/>
+          </a:effectRef>
+          <a:fontRef idx="minor">
+            <a:schemeClr val="dk1"/>
+          </a:fontRef>
+        </p:style>
+        <p:txBody>
+          <a:bodyPr rtlCol="0" anchor="ctr"/>
+          <a:lstStyle/>
+          <a:p>
+            <a:pPr algn="ctr"/>
+            <a:r>
+              <a:rPr lang="en-AU" sz="1400" dirty="0" smtClean="0"/>
+              <a:t>On Update</a:t>
+            </a:r>
+            <a:endParaRPr lang="en-AU" sz="1400" dirty="0"/>
+          </a:p>
+        </p:txBody>
+      </p:sp>
+      <p:sp>
+        <p:nvSpPr>
+          <p:cNvPr id="27" name="Round Diagonal Corner Rectangle 26"/>
+          <p:cNvSpPr/>
+          <p:nvPr/>
+        </p:nvSpPr>
+        <p:spPr>
+          <a:xfrm>
+            <a:off x="6939208" y="4811000"/>
+            <a:ext cx="1296144" cy="324036"/>
+          </a:xfrm>
+          <a:prstGeom prst="round2DiagRect">
+            <a:avLst/>
+          </a:prstGeom>
+        </p:spPr>
+        <p:style>
+          <a:lnRef idx="2">
+            <a:schemeClr val="accent2"/>
+          </a:lnRef>
+          <a:fillRef idx="1">
+            <a:schemeClr val="lt1"/>
+          </a:fillRef>
+          <a:effectRef idx="0">
+            <a:schemeClr val="accent2"/>
+          </a:effectRef>
+          <a:fontRef idx="minor">
+            <a:schemeClr val="dk1"/>
+          </a:fontRef>
+        </p:style>
+        <p:txBody>
+          <a:bodyPr rtlCol="0" anchor="ctr"/>
+          <a:lstStyle/>
+          <a:p>
+            <a:pPr algn="ctr"/>
+            <a:r>
+              <a:rPr lang="en-AU" sz="1400" dirty="0" smtClean="0"/>
+              <a:t>Updated</a:t>
+            </a:r>
+            <a:endParaRPr lang="en-AU" sz="1400" dirty="0"/>
+          </a:p>
+        </p:txBody>
+      </p:sp>
+      <p:sp>
+        <p:nvSpPr>
+          <p:cNvPr id="28" name="Round Diagonal Corner Rectangle 27"/>
+          <p:cNvSpPr/>
+          <p:nvPr/>
+        </p:nvSpPr>
+        <p:spPr>
+          <a:xfrm>
+            <a:off x="6907732" y="3298167"/>
+            <a:ext cx="1296144" cy="324036"/>
+          </a:xfrm>
+          <a:prstGeom prst="round2DiagRect">
+            <a:avLst/>
+          </a:prstGeom>
+        </p:spPr>
+        <p:style>
+          <a:lnRef idx="2">
+            <a:schemeClr val="accent2"/>
+          </a:lnRef>
+          <a:fillRef idx="1">
+            <a:schemeClr val="lt1"/>
+          </a:fillRef>
+          <a:effectRef idx="0">
+            <a:schemeClr val="accent2"/>
+          </a:effectRef>
+          <a:fontRef idx="minor">
+            <a:schemeClr val="dk1"/>
+          </a:fontRef>
+        </p:style>
+        <p:txBody>
+          <a:bodyPr rtlCol="0" anchor="ctr"/>
+          <a:lstStyle/>
+          <a:p>
+            <a:pPr algn="ctr"/>
+            <a:r>
+              <a:rPr lang="en-AU" sz="1400" dirty="0" smtClean="0"/>
+              <a:t>On Load</a:t>
+            </a:r>
+            <a:endParaRPr lang="en-AU" sz="1400" dirty="0"/>
+          </a:p>
+        </p:txBody>
+      </p:sp>
+      <p:sp>
+        <p:nvSpPr>
+          <p:cNvPr id="29" name="Round Diagonal Corner Rectangle 28"/>
+          <p:cNvSpPr/>
+          <p:nvPr/>
+        </p:nvSpPr>
+        <p:spPr>
+          <a:xfrm>
+            <a:off x="6907732" y="3807452"/>
+            <a:ext cx="1296144" cy="324036"/>
+          </a:xfrm>
+          <a:prstGeom prst="round2DiagRect">
+            <a:avLst/>
+          </a:prstGeom>
+        </p:spPr>
+        <p:style>
+          <a:lnRef idx="2">
+            <a:schemeClr val="accent2"/>
+          </a:lnRef>
+          <a:fillRef idx="1">
+            <a:schemeClr val="lt1"/>
+          </a:fillRef>
+          <a:effectRef idx="0">
+            <a:schemeClr val="accent2"/>
+          </a:effectRef>
+          <a:fontRef idx="minor">
+            <a:schemeClr val="dk1"/>
+          </a:fontRef>
+        </p:style>
+        <p:txBody>
+          <a:bodyPr rtlCol="0" anchor="ctr"/>
+          <a:lstStyle/>
+          <a:p>
+            <a:pPr algn="ctr"/>
+            <a:r>
+              <a:rPr lang="en-AU" sz="1400" dirty="0" smtClean="0"/>
+              <a:t>Loaded</a:t>
+            </a:r>
+            <a:endParaRPr lang="en-AU" sz="1400" dirty="0"/>
+          </a:p>
+        </p:txBody>
+      </p:sp>
+      <p:sp>
+        <p:nvSpPr>
+          <p:cNvPr id="30" name="Round Diagonal Corner Rectangle 29"/>
+          <p:cNvSpPr/>
+          <p:nvPr/>
+        </p:nvSpPr>
+        <p:spPr>
+          <a:xfrm>
+            <a:off x="6913908" y="5345528"/>
+            <a:ext cx="1296144" cy="324036"/>
+          </a:xfrm>
+          <a:prstGeom prst="round2DiagRect">
+            <a:avLst/>
+          </a:prstGeom>
+        </p:spPr>
+        <p:style>
+          <a:lnRef idx="2">
+            <a:schemeClr val="accent2"/>
+          </a:lnRef>
+          <a:fillRef idx="1">
+            <a:schemeClr val="lt1"/>
+          </a:fillRef>
+          <a:effectRef idx="0">
+            <a:schemeClr val="accent2"/>
+          </a:effectRef>
+          <a:fontRef idx="minor">
+            <a:schemeClr val="dk1"/>
+          </a:fontRef>
+        </p:style>
+        <p:txBody>
+          <a:bodyPr rtlCol="0" anchor="ctr"/>
+          <a:lstStyle/>
+          <a:p>
+            <a:pPr algn="ctr"/>
+            <a:r>
+              <a:rPr lang="en-AU" sz="1400" dirty="0" smtClean="0"/>
+              <a:t>On Delete</a:t>
+            </a:r>
+            <a:endParaRPr lang="en-AU" sz="1400" dirty="0"/>
+          </a:p>
+        </p:txBody>
+      </p:sp>
+      <p:sp>
+        <p:nvSpPr>
+          <p:cNvPr id="31" name="Round Diagonal Corner Rectangle 30"/>
+          <p:cNvSpPr/>
+          <p:nvPr/>
+        </p:nvSpPr>
+        <p:spPr>
+          <a:xfrm>
+            <a:off x="6937100" y="5837740"/>
+            <a:ext cx="1296144" cy="324036"/>
+          </a:xfrm>
+          <a:prstGeom prst="round2DiagRect">
+            <a:avLst/>
+          </a:prstGeom>
+        </p:spPr>
+        <p:style>
+          <a:lnRef idx="2">
+            <a:schemeClr val="accent2"/>
+          </a:lnRef>
+          <a:fillRef idx="1">
+            <a:schemeClr val="lt1"/>
+          </a:fillRef>
+          <a:effectRef idx="0">
+            <a:schemeClr val="accent2"/>
+          </a:effectRef>
+          <a:fontRef idx="minor">
+            <a:schemeClr val="dk1"/>
+          </a:fontRef>
+        </p:style>
+        <p:txBody>
+          <a:bodyPr rtlCol="0" anchor="ctr"/>
+          <a:lstStyle/>
+          <a:p>
+            <a:pPr algn="ctr"/>
+            <a:r>
+              <a:rPr lang="en-AU" sz="1400" dirty="0" smtClean="0"/>
+              <a:t>Deleted</a:t>
+            </a:r>
+            <a:endParaRPr lang="en-AU" sz="1400" dirty="0"/>
+          </a:p>
+        </p:txBody>
+      </p:sp>
+      <p:grpSp>
+        <p:nvGrpSpPr>
+          <p:cNvPr id="16" name="Group 15"/>
+          <p:cNvGrpSpPr/>
+          <p:nvPr/>
+        </p:nvGrpSpPr>
+        <p:grpSpPr>
+          <a:xfrm>
+            <a:off x="2339752" y="1412776"/>
+            <a:ext cx="3888432" cy="1460536"/>
+            <a:chOff x="2339752" y="1412776"/>
+            <a:chExt cx="3888432" cy="1460536"/>
+          </a:xfrm>
+        </p:grpSpPr>
+        <p:sp>
+          <p:nvSpPr>
+            <p:cNvPr id="14" name="Rounded Rectangle 13"/>
+            <p:cNvSpPr/>
+            <p:nvPr/>
+          </p:nvSpPr>
+          <p:spPr>
+            <a:xfrm>
+              <a:off x="2339752" y="1412776"/>
+              <a:ext cx="3888432" cy="1460536"/>
+            </a:xfrm>
+            <a:prstGeom prst="roundRect">
+              <a:avLst/>
+            </a:prstGeom>
+          </p:spPr>
+          <p:style>
+            <a:lnRef idx="2">
+              <a:schemeClr val="accent6"/>
+            </a:lnRef>
+            <a:fillRef idx="1">
+              <a:schemeClr val="lt1"/>
+            </a:fillRef>
+            <a:effectRef idx="0">
+              <a:schemeClr val="accent6"/>
+            </a:effectRef>
+            <a:fontRef idx="minor">
+              <a:schemeClr val="dk1"/>
+            </a:fontRef>
+          </p:style>
+          <p:txBody>
+            <a:bodyPr rtlCol="0" anchor="ctr"/>
+            <a:lstStyle/>
+            <a:p>
+              <a:pPr algn="ctr"/>
+              <a:endParaRPr lang="en-AU"/>
+            </a:p>
+          </p:txBody>
+        </p:sp>
+        <p:pic>
+          <p:nvPicPr>
+            <p:cNvPr id="1026" name="Picture 2" descr="C:\Users\luog\Desktop\ScreenHunter_03 Nov. 04 06.31.jpg"/>
+            <p:cNvPicPr>
+              <a:picLocks noChangeAspect="1" noChangeArrowheads="1"/>
+            </p:cNvPicPr>
+            <p:nvPr/>
+          </p:nvPicPr>
+          <p:blipFill>
+            <a:blip r:embed="rId2">
+              <a:extLst>
+                <a:ext uri="{28A0092B-C50C-407E-A947-70E740481C1C}">
+                  <a14:useLocalDpi xmlns:a14="http://schemas.microsoft.com/office/drawing/2010/main" val="0"/>
+                </a:ext>
+              </a:extLst>
+            </a:blip>
+            <a:srcRect/>
+            <a:stretch>
+              <a:fillRect/>
+            </a:stretch>
+          </p:blipFill>
+          <p:spPr bwMode="auto">
+            <a:xfrm>
+              <a:off x="2726899" y="1478632"/>
+              <a:ext cx="3114137" cy="1242342"/>
+            </a:xfrm>
+            <a:prstGeom prst="rect">
+              <a:avLst/>
+            </a:prstGeom>
+            <a:noFill/>
+            <a:extLst>
+              <a:ext uri="{909E8E84-426E-40DD-AFC4-6F175D3DCCD1}">
+                <a14:hiddenFill xmlns:a14="http://schemas.microsoft.com/office/drawing/2010/main">
+                  <a:solidFill>
+                    <a:srgbClr val="FFFFFF"/>
+                  </a:solidFill>
+                </a14:hiddenFill>
+              </a:ext>
+            </a:extLst>
+          </p:spPr>
+        </p:pic>
+      </p:grpSp>
+      <p:sp>
+        <p:nvSpPr>
+          <p:cNvPr id="18" name="Down Arrow 17"/>
+          <p:cNvSpPr/>
+          <p:nvPr/>
+        </p:nvSpPr>
+        <p:spPr>
+          <a:xfrm>
+            <a:off x="3887924" y="3035335"/>
+            <a:ext cx="792088" cy="753705"/>
+          </a:xfrm>
+          <a:prstGeom prst="downArrow">
+            <a:avLst/>
+          </a:prstGeom>
+        </p:spPr>
+        <p:style>
+          <a:lnRef idx="0">
+            <a:schemeClr val="accent6"/>
+          </a:lnRef>
+          <a:fillRef idx="3">
+            <a:schemeClr val="accent6"/>
+          </a:fillRef>
+          <a:effectRef idx="3">
+            <a:schemeClr val="accent6"/>
+          </a:effectRef>
+          <a:fontRef idx="minor">
+            <a:schemeClr val="lt1"/>
+          </a:fontRef>
+        </p:style>
+        <p:txBody>
+          <a:bodyPr rtlCol="0" anchor="ctr"/>
+          <a:lstStyle/>
+          <a:p>
+            <a:pPr algn="ctr"/>
+            <a:endParaRPr lang="en-AU"/>
+          </a:p>
+        </p:txBody>
+      </p:sp>
+      <p:cxnSp>
+        <p:nvCxnSpPr>
+          <p:cNvPr id="36" name="Straight Connector 35"/>
+          <p:cNvCxnSpPr/>
+          <p:nvPr/>
+        </p:nvCxnSpPr>
+        <p:spPr>
+          <a:xfrm>
+            <a:off x="2915816" y="2711294"/>
+            <a:ext cx="1584176" cy="0"/>
+          </a:xfrm>
+          <a:prstGeom prst="line">
+            <a:avLst/>
+          </a:prstGeom>
+        </p:spPr>
+        <p:style>
+          <a:lnRef idx="3">
+            <a:schemeClr val="accent6"/>
+          </a:lnRef>
+          <a:fillRef idx="0">
+            <a:schemeClr val="accent6"/>
+          </a:fillRef>
+          <a:effectRef idx="2">
+            <a:schemeClr val="accent6"/>
+          </a:effectRef>
+          <a:fontRef idx="minor">
+            <a:schemeClr val="tx1"/>
+          </a:fontRef>
+        </p:style>
+      </p:cxnSp>
+      <p:cxnSp>
+        <p:nvCxnSpPr>
+          <p:cNvPr id="42" name="Straight Arrow Connector 41"/>
+          <p:cNvCxnSpPr>
+            <a:endCxn id="18" idx="0"/>
+          </p:cNvCxnSpPr>
+          <p:nvPr/>
+        </p:nvCxnSpPr>
+        <p:spPr>
+          <a:xfrm>
+            <a:off x="4283967" y="2720974"/>
+            <a:ext cx="1" cy="314361"/>
+          </a:xfrm>
+          <a:prstGeom prst="straightConnector1">
+            <a:avLst/>
+          </a:prstGeom>
+          <a:ln>
+            <a:tailEnd type="arrow"/>
+          </a:ln>
+        </p:spPr>
+        <p:style>
+          <a:lnRef idx="2">
+            <a:schemeClr val="accent6"/>
+          </a:lnRef>
+          <a:fillRef idx="0">
+            <a:schemeClr val="accent6"/>
+          </a:fillRef>
+          <a:effectRef idx="1">
+            <a:schemeClr val="accent6"/>
+          </a:effectRef>
+          <a:fontRef idx="minor">
+            <a:schemeClr val="tx1"/>
+          </a:fontRef>
+        </p:style>
+      </p:cxnSp>
+      <p:cxnSp>
+        <p:nvCxnSpPr>
+          <p:cNvPr id="44" name="Elbow Connector 43"/>
+          <p:cNvCxnSpPr>
+            <a:stCxn id="24" idx="2"/>
+          </p:cNvCxnSpPr>
+          <p:nvPr/>
+        </p:nvCxnSpPr>
+        <p:spPr>
+          <a:xfrm rot="10800000" flipV="1">
+            <a:off x="4499992" y="2446201"/>
+            <a:ext cx="2407740" cy="851965"/>
+          </a:xfrm>
+          <a:prstGeom prst="bentConnector3">
+            <a:avLst>
+              <a:gd name="adj1" fmla="val 23099"/>
+            </a:avLst>
+          </a:prstGeom>
+          <a:ln>
+            <a:tailEnd type="arrow"/>
+          </a:ln>
+        </p:spPr>
+        <p:style>
+          <a:lnRef idx="2">
+            <a:schemeClr val="accent3"/>
+          </a:lnRef>
+          <a:fillRef idx="0">
+            <a:schemeClr val="accent3"/>
+          </a:fillRef>
+          <a:effectRef idx="1">
+            <a:schemeClr val="accent3"/>
+          </a:effectRef>
+          <a:fontRef idx="minor">
+            <a:schemeClr val="tx1"/>
+          </a:fontRef>
+        </p:style>
+      </p:cxnSp>
+      <p:sp>
+        <p:nvSpPr>
+          <p:cNvPr id="49" name="Oval 48"/>
+          <p:cNvSpPr/>
+          <p:nvPr/>
+        </p:nvSpPr>
+        <p:spPr>
+          <a:xfrm>
+            <a:off x="2943880" y="5302076"/>
+            <a:ext cx="2788046" cy="647204"/>
+          </a:xfrm>
+          <a:prstGeom prst="ellipse">
+            <a:avLst/>
+          </a:prstGeom>
+        </p:spPr>
+        <p:style>
+          <a:lnRef idx="0">
+            <a:schemeClr val="accent6"/>
+          </a:lnRef>
+          <a:fillRef idx="3">
+            <a:schemeClr val="accent6"/>
+          </a:fillRef>
+          <a:effectRef idx="3">
+            <a:schemeClr val="accent6"/>
+          </a:effectRef>
+          <a:fontRef idx="minor">
+            <a:schemeClr val="lt1"/>
+          </a:fontRef>
+        </p:style>
+        <p:txBody>
+          <a:bodyPr rtlCol="0" anchor="ctr"/>
+          <a:lstStyle/>
+          <a:p>
+            <a:pPr algn="ctr"/>
+            <a:r>
+              <a:rPr lang="en-AU" dirty="0" smtClean="0"/>
+              <a:t>Write to </a:t>
+            </a:r>
+            <a:r>
+              <a:rPr lang="en-AU" dirty="0" err="1" smtClean="0"/>
+              <a:t>MongoDB</a:t>
+            </a:r>
+            <a:endParaRPr lang="en-AU" dirty="0"/>
+          </a:p>
+        </p:txBody>
+      </p:sp>
+      <p:sp>
+        <p:nvSpPr>
+          <p:cNvPr id="51" name="Down Arrow 50"/>
+          <p:cNvSpPr/>
+          <p:nvPr/>
+        </p:nvSpPr>
+        <p:spPr>
+          <a:xfrm>
+            <a:off x="3913795" y="5999758"/>
+            <a:ext cx="792088" cy="714840"/>
+          </a:xfrm>
+          <a:prstGeom prst="downArrow">
+            <a:avLst/>
+          </a:prstGeom>
+        </p:spPr>
+        <p:style>
+          <a:lnRef idx="0">
+            <a:schemeClr val="accent6"/>
+          </a:lnRef>
+          <a:fillRef idx="3">
+            <a:schemeClr val="accent6"/>
+          </a:fillRef>
+          <a:effectRef idx="3">
+            <a:schemeClr val="accent6"/>
+          </a:effectRef>
+          <a:fontRef idx="minor">
+            <a:schemeClr val="lt1"/>
+          </a:fontRef>
+        </p:style>
+        <p:txBody>
+          <a:bodyPr rtlCol="0" anchor="ctr"/>
+          <a:lstStyle/>
+          <a:p>
+            <a:pPr algn="ctr"/>
+            <a:endParaRPr lang="en-AU"/>
+          </a:p>
+        </p:txBody>
+      </p:sp>
+      <p:cxnSp>
+        <p:nvCxnSpPr>
+          <p:cNvPr id="53" name="Elbow Connector 52"/>
+          <p:cNvCxnSpPr>
+            <a:stCxn id="25" idx="2"/>
+            <a:endCxn id="51" idx="3"/>
+          </p:cNvCxnSpPr>
+          <p:nvPr/>
+        </p:nvCxnSpPr>
+        <p:spPr>
+          <a:xfrm rot="10800000" flipV="1">
+            <a:off x="4705884" y="2950258"/>
+            <a:ext cx="2208025" cy="3406920"/>
+          </a:xfrm>
+          <a:prstGeom prst="bentConnector3">
+            <a:avLst>
+              <a:gd name="adj1" fmla="val 21241"/>
+            </a:avLst>
+          </a:prstGeom>
+          <a:ln>
+            <a:tailEnd type="arrow"/>
+          </a:ln>
+        </p:spPr>
+        <p:style>
+          <a:lnRef idx="2">
+            <a:schemeClr val="accent3"/>
+          </a:lnRef>
+          <a:fillRef idx="0">
+            <a:schemeClr val="accent3"/>
+          </a:fillRef>
+          <a:effectRef idx="1">
+            <a:schemeClr val="accent3"/>
+          </a:effectRef>
+          <a:fontRef idx="minor">
+            <a:schemeClr val="tx1"/>
+          </a:fontRef>
+        </p:style>
+      </p:cxnSp>
+      <p:sp>
+        <p:nvSpPr>
+          <p:cNvPr id="59" name="Oval 58"/>
+          <p:cNvSpPr/>
+          <p:nvPr/>
+        </p:nvSpPr>
+        <p:spPr>
+          <a:xfrm>
+            <a:off x="2943880" y="3825478"/>
+            <a:ext cx="2788046" cy="647204"/>
+          </a:xfrm>
+          <a:prstGeom prst="ellipse">
+            <a:avLst/>
+          </a:prstGeom>
+        </p:spPr>
+        <p:style>
+          <a:lnRef idx="0">
+            <a:schemeClr val="accent6"/>
+          </a:lnRef>
+          <a:fillRef idx="3">
+            <a:schemeClr val="accent6"/>
+          </a:fillRef>
+          <a:effectRef idx="3">
+            <a:schemeClr val="accent6"/>
+          </a:effectRef>
+          <a:fontRef idx="minor">
+            <a:schemeClr val="lt1"/>
+          </a:fontRef>
+        </p:style>
+        <p:txBody>
+          <a:bodyPr rtlCol="0" anchor="ctr"/>
+          <a:lstStyle/>
+          <a:p>
+            <a:pPr algn="ctr"/>
+            <a:r>
+              <a:rPr lang="en-AU" dirty="0" smtClean="0"/>
+              <a:t>To </a:t>
+            </a:r>
+            <a:r>
+              <a:rPr lang="en-AU" dirty="0" err="1" smtClean="0"/>
+              <a:t>DBObject</a:t>
+            </a:r>
+            <a:endParaRPr lang="en-AU" dirty="0"/>
+          </a:p>
+        </p:txBody>
+      </p:sp>
+      <p:sp>
+        <p:nvSpPr>
+          <p:cNvPr id="62" name="Down Arrow 61"/>
+          <p:cNvSpPr/>
+          <p:nvPr/>
+        </p:nvSpPr>
+        <p:spPr>
+          <a:xfrm>
+            <a:off x="3887923" y="4523464"/>
+            <a:ext cx="792088" cy="753705"/>
+          </a:xfrm>
+          <a:prstGeom prst="downArrow">
+            <a:avLst/>
+          </a:prstGeom>
+        </p:spPr>
+        <p:style>
+          <a:lnRef idx="0">
+            <a:schemeClr val="accent6"/>
+          </a:lnRef>
+          <a:fillRef idx="3">
+            <a:schemeClr val="accent6"/>
+          </a:fillRef>
+          <a:effectRef idx="3">
+            <a:schemeClr val="accent6"/>
+          </a:effectRef>
+          <a:fontRef idx="minor">
+            <a:schemeClr val="lt1"/>
+          </a:fontRef>
+        </p:style>
+        <p:txBody>
+          <a:bodyPr rtlCol="0" anchor="ctr"/>
+          <a:lstStyle/>
+          <a:p>
+            <a:pPr algn="ctr"/>
+            <a:endParaRPr lang="en-AU"/>
+          </a:p>
+        </p:txBody>
+      </p:sp>
+      <p:grpSp>
+        <p:nvGrpSpPr>
+          <p:cNvPr id="1049" name="Group 1048"/>
+          <p:cNvGrpSpPr/>
+          <p:nvPr/>
+        </p:nvGrpSpPr>
+        <p:grpSpPr>
+          <a:xfrm>
+            <a:off x="467544" y="2720974"/>
+            <a:ext cx="1584176" cy="3113774"/>
+            <a:chOff x="467544" y="2720974"/>
+            <a:chExt cx="1584176" cy="3113774"/>
+          </a:xfrm>
+        </p:grpSpPr>
+        <p:sp>
+          <p:nvSpPr>
+            <p:cNvPr id="4" name="Rounded Rectangle 3"/>
+            <p:cNvSpPr/>
+            <p:nvPr/>
+          </p:nvSpPr>
+          <p:spPr>
+            <a:xfrm>
+              <a:off x="467544" y="2720974"/>
+              <a:ext cx="1584176" cy="3113774"/>
+            </a:xfrm>
+            <a:prstGeom prst="roundRect">
+              <a:avLst/>
+            </a:prstGeom>
+          </p:spPr>
+          <p:style>
+            <a:lnRef idx="1">
+              <a:schemeClr val="accent2"/>
+            </a:lnRef>
+            <a:fillRef idx="2">
+              <a:schemeClr val="accent2"/>
+            </a:fillRef>
+            <a:effectRef idx="1">
+              <a:schemeClr val="accent2"/>
+            </a:effectRef>
+            <a:fontRef idx="minor">
+              <a:schemeClr val="dk1"/>
+            </a:fontRef>
+          </p:style>
+          <p:txBody>
+            <a:bodyPr rtlCol="0" anchor="t"/>
+            <a:lstStyle/>
+            <a:p>
+              <a:pPr algn="ctr"/>
+              <a:r>
+                <a:rPr lang="en-AU" sz="1400" dirty="0" smtClean="0"/>
+                <a:t>Morphia Events</a:t>
+              </a:r>
+              <a:endParaRPr lang="en-AU" sz="1400" dirty="0"/>
+            </a:p>
+          </p:txBody>
+        </p:sp>
+        <p:sp>
+          <p:nvSpPr>
+            <p:cNvPr id="6" name="Snip Diagonal Corner Rectangle 5"/>
+            <p:cNvSpPr/>
+            <p:nvPr/>
+          </p:nvSpPr>
+          <p:spPr>
+            <a:xfrm>
+              <a:off x="736824" y="4772532"/>
+              <a:ext cx="1098872" cy="360040"/>
+            </a:xfrm>
+            <a:prstGeom prst="snip2DiagRect">
+              <a:avLst/>
+            </a:prstGeom>
+          </p:spPr>
+          <p:style>
+            <a:lnRef idx="2">
+              <a:schemeClr val="accent1"/>
+            </a:lnRef>
+            <a:fillRef idx="1">
+              <a:schemeClr val="lt1"/>
+            </a:fillRef>
+            <a:effectRef idx="0">
+              <a:schemeClr val="accent1"/>
+            </a:effectRef>
+            <a:fontRef idx="minor">
+              <a:schemeClr val="dk1"/>
+            </a:fontRef>
+          </p:style>
+          <p:txBody>
+            <a:bodyPr rtlCol="0" anchor="ctr"/>
+            <a:lstStyle/>
+            <a:p>
+              <a:pPr algn="ctr"/>
+              <a:r>
+                <a:rPr lang="en-AU" sz="1400" dirty="0" smtClean="0"/>
+                <a:t>Pre Save</a:t>
+              </a:r>
+              <a:endParaRPr lang="en-AU" sz="1400" dirty="0"/>
+            </a:p>
+          </p:txBody>
+        </p:sp>
+        <p:sp>
+          <p:nvSpPr>
+            <p:cNvPr id="7" name="Snip Diagonal Corner Rectangle 6"/>
+            <p:cNvSpPr/>
+            <p:nvPr/>
+          </p:nvSpPr>
+          <p:spPr>
+            <a:xfrm>
+              <a:off x="736824" y="4243855"/>
+              <a:ext cx="1098872" cy="360040"/>
+            </a:xfrm>
+            <a:prstGeom prst="snip2DiagRect">
+              <a:avLst/>
+            </a:prstGeom>
+          </p:spPr>
+          <p:style>
+            <a:lnRef idx="2">
+              <a:schemeClr val="accent1"/>
+            </a:lnRef>
+            <a:fillRef idx="1">
+              <a:schemeClr val="lt1"/>
+            </a:fillRef>
+            <a:effectRef idx="0">
+              <a:schemeClr val="accent1"/>
+            </a:effectRef>
+            <a:fontRef idx="minor">
+              <a:schemeClr val="dk1"/>
+            </a:fontRef>
+          </p:style>
+          <p:txBody>
+            <a:bodyPr rtlCol="0" anchor="ctr"/>
+            <a:lstStyle/>
+            <a:p>
+              <a:pPr algn="ctr"/>
+              <a:r>
+                <a:rPr lang="en-AU" sz="1400" dirty="0" smtClean="0"/>
+                <a:t>Pre Persist</a:t>
+              </a:r>
+              <a:endParaRPr lang="en-AU" sz="1400" dirty="0"/>
+            </a:p>
+          </p:txBody>
+        </p:sp>
+        <p:sp>
+          <p:nvSpPr>
+            <p:cNvPr id="8" name="Snip Diagonal Corner Rectangle 7"/>
+            <p:cNvSpPr/>
+            <p:nvPr/>
+          </p:nvSpPr>
+          <p:spPr>
+            <a:xfrm>
+              <a:off x="736824" y="5301208"/>
+              <a:ext cx="1098872" cy="360040"/>
+            </a:xfrm>
+            <a:prstGeom prst="snip2DiagRect">
+              <a:avLst/>
+            </a:prstGeom>
+          </p:spPr>
+          <p:style>
+            <a:lnRef idx="2">
+              <a:schemeClr val="accent1"/>
+            </a:lnRef>
+            <a:fillRef idx="1">
+              <a:schemeClr val="lt1"/>
+            </a:fillRef>
+            <a:effectRef idx="0">
+              <a:schemeClr val="accent1"/>
+            </a:effectRef>
+            <a:fontRef idx="minor">
+              <a:schemeClr val="dk1"/>
+            </a:fontRef>
+          </p:style>
+          <p:txBody>
+            <a:bodyPr rtlCol="0" anchor="ctr"/>
+            <a:lstStyle/>
+            <a:p>
+              <a:pPr algn="ctr"/>
+              <a:r>
+                <a:rPr lang="en-AU" sz="1400" dirty="0" smtClean="0"/>
+                <a:t>Post Persist</a:t>
+              </a:r>
+              <a:endParaRPr lang="en-AU" sz="1400" dirty="0"/>
+            </a:p>
+          </p:txBody>
+        </p:sp>
+        <p:sp>
+          <p:nvSpPr>
+            <p:cNvPr id="9" name="Snip Diagonal Corner Rectangle 8"/>
+            <p:cNvSpPr/>
+            <p:nvPr/>
+          </p:nvSpPr>
+          <p:spPr>
+            <a:xfrm>
+              <a:off x="736824" y="3186501"/>
+              <a:ext cx="1098872" cy="360040"/>
+            </a:xfrm>
+            <a:prstGeom prst="snip2DiagRect">
+              <a:avLst/>
+            </a:prstGeom>
+          </p:spPr>
+          <p:style>
+            <a:lnRef idx="2">
+              <a:schemeClr val="accent1"/>
+            </a:lnRef>
+            <a:fillRef idx="1">
+              <a:schemeClr val="lt1"/>
+            </a:fillRef>
+            <a:effectRef idx="0">
+              <a:schemeClr val="accent1"/>
+            </a:effectRef>
+            <a:fontRef idx="minor">
+              <a:schemeClr val="dk1"/>
+            </a:fontRef>
+          </p:style>
+          <p:txBody>
+            <a:bodyPr rtlCol="0" anchor="ctr"/>
+            <a:lstStyle/>
+            <a:p>
+              <a:pPr algn="ctr"/>
+              <a:r>
+                <a:rPr lang="en-AU" sz="1400" dirty="0" smtClean="0"/>
+                <a:t>Pre </a:t>
+              </a:r>
+              <a:r>
+                <a:rPr lang="en-AU" sz="1400" dirty="0" smtClean="0"/>
+                <a:t>Load</a:t>
+              </a:r>
+              <a:endParaRPr lang="en-AU" sz="1400" dirty="0"/>
+            </a:p>
+          </p:txBody>
+        </p:sp>
+        <p:sp>
+          <p:nvSpPr>
+            <p:cNvPr id="80" name="Snip Diagonal Corner Rectangle 79"/>
+            <p:cNvSpPr/>
+            <p:nvPr/>
+          </p:nvSpPr>
+          <p:spPr>
+            <a:xfrm>
+              <a:off x="736824" y="3715178"/>
+              <a:ext cx="1098872" cy="360040"/>
+            </a:xfrm>
+            <a:prstGeom prst="snip2DiagRect">
+              <a:avLst/>
+            </a:prstGeom>
+          </p:spPr>
+          <p:style>
+            <a:lnRef idx="2">
+              <a:schemeClr val="accent1"/>
+            </a:lnRef>
+            <a:fillRef idx="1">
+              <a:schemeClr val="lt1"/>
+            </a:fillRef>
+            <a:effectRef idx="0">
+              <a:schemeClr val="accent1"/>
+            </a:effectRef>
+            <a:fontRef idx="minor">
+              <a:schemeClr val="dk1"/>
+            </a:fontRef>
+          </p:style>
+          <p:txBody>
+            <a:bodyPr rtlCol="0" anchor="ctr"/>
+            <a:lstStyle/>
+            <a:p>
+              <a:pPr algn="ctr"/>
+              <a:r>
+                <a:rPr lang="en-AU" sz="1400" dirty="0" smtClean="0"/>
+                <a:t>Post Load</a:t>
+              </a:r>
+              <a:endParaRPr lang="en-AU" sz="1400" dirty="0"/>
+            </a:p>
+          </p:txBody>
+        </p:sp>
+      </p:grpSp>
+      <p:cxnSp>
+        <p:nvCxnSpPr>
+          <p:cNvPr id="1035" name="Elbow Connector 1034"/>
+          <p:cNvCxnSpPr>
+            <a:stCxn id="7" idx="0"/>
+          </p:cNvCxnSpPr>
+          <p:nvPr/>
+        </p:nvCxnSpPr>
+        <p:spPr>
+          <a:xfrm flipV="1">
+            <a:off x="1835696" y="3298166"/>
+            <a:ext cx="2276400" cy="1125709"/>
+          </a:xfrm>
+          <a:prstGeom prst="bentConnector3">
+            <a:avLst>
+              <a:gd name="adj1" fmla="val 35495"/>
+            </a:avLst>
+          </a:prstGeom>
+          <a:ln>
+            <a:tailEnd type="arrow"/>
+          </a:ln>
+        </p:spPr>
+        <p:style>
+          <a:lnRef idx="2">
+            <a:schemeClr val="accent2"/>
+          </a:lnRef>
+          <a:fillRef idx="0">
+            <a:schemeClr val="accent2"/>
+          </a:fillRef>
+          <a:effectRef idx="1">
+            <a:schemeClr val="accent2"/>
+          </a:effectRef>
+          <a:fontRef idx="minor">
+            <a:schemeClr val="tx1"/>
+          </a:fontRef>
+        </p:style>
+      </p:cxnSp>
+      <p:cxnSp>
+        <p:nvCxnSpPr>
+          <p:cNvPr id="1037" name="Elbow Connector 1036"/>
+          <p:cNvCxnSpPr>
+            <a:stCxn id="6" idx="0"/>
+          </p:cNvCxnSpPr>
+          <p:nvPr/>
+        </p:nvCxnSpPr>
+        <p:spPr>
+          <a:xfrm flipV="1">
+            <a:off x="1835696" y="4772532"/>
+            <a:ext cx="2276400" cy="180020"/>
+          </a:xfrm>
+          <a:prstGeom prst="bentConnector3">
+            <a:avLst/>
+          </a:prstGeom>
+          <a:ln>
+            <a:tailEnd type="arrow"/>
+          </a:ln>
+        </p:spPr>
+        <p:style>
+          <a:lnRef idx="2">
+            <a:schemeClr val="accent2"/>
+          </a:lnRef>
+          <a:fillRef idx="0">
+            <a:schemeClr val="accent2"/>
+          </a:fillRef>
+          <a:effectRef idx="1">
+            <a:schemeClr val="accent2"/>
+          </a:effectRef>
+          <a:fontRef idx="minor">
+            <a:schemeClr val="tx1"/>
+          </a:fontRef>
+        </p:style>
+      </p:cxnSp>
+      <p:cxnSp>
+        <p:nvCxnSpPr>
+          <p:cNvPr id="1039" name="Elbow Connector 1038"/>
+          <p:cNvCxnSpPr>
+            <a:stCxn id="8" idx="0"/>
+          </p:cNvCxnSpPr>
+          <p:nvPr/>
+        </p:nvCxnSpPr>
+        <p:spPr>
+          <a:xfrm>
+            <a:off x="1835696" y="5481228"/>
+            <a:ext cx="2078099" cy="875950"/>
+          </a:xfrm>
+          <a:prstGeom prst="bentConnector3">
+            <a:avLst>
+              <a:gd name="adj1" fmla="val 40222"/>
+            </a:avLst>
+          </a:prstGeom>
+          <a:ln>
+            <a:tailEnd type="arrow"/>
+          </a:ln>
+        </p:spPr>
+        <p:style>
+          <a:lnRef idx="2">
+            <a:schemeClr val="accent2"/>
+          </a:lnRef>
+          <a:fillRef idx="0">
+            <a:schemeClr val="accent2"/>
+          </a:fillRef>
+          <a:effectRef idx="1">
+            <a:schemeClr val="accent2"/>
+          </a:effectRef>
+          <a:fontRef idx="minor">
+            <a:schemeClr val="tx1"/>
+          </a:fontRef>
+        </p:style>
+      </p:cxnSp>
+    </p:spTree>
+    <p:extLst>
+      <p:ext uri="{BB962C8B-B14F-4D97-AF65-F5344CB8AC3E}">
+        <p14:creationId xmlns:p14="http://schemas.microsoft.com/office/powerpoint/2010/main" val="526907384"/>
+      </p:ext>
+    </p:extLst>
+  </p:cSld>
+  <p:clrMapOvr>
+    <a:masterClrMapping/>
+  </p:clrMapOvr>
+  <p:timing>
+    <p:tnLst>
+      <p:par>
+        <p:cTn id="1" dur="indefinite" restart="never" nodeType="tmRoot"/>
+      </p:par>
+    </p:tnLst>
+  </p:timing>
+</p:sld>
+</file>
+
+<file path=ppt/slides/slide7.xml><?xml version="1.0" encoding="utf-8"?>
+<p:sld xmlns:a="http://schemas.openxmlformats.org/drawingml/2006/main" xmlns:r="http://schemas.openxmlformats.org/officeDocument/2006/relationships" xmlns:p="http://schemas.openxmlformats.org/presentationml/2006/main">
+  <p:cSld>
+    <p:spTree>
+      <p:nvGrpSpPr>
+        <p:cNvPr id="1" name=""/>
+        <p:cNvGrpSpPr/>
+        <p:nvPr/>
+      </p:nvGrpSpPr>
+      <p:grpSpPr>
+        <a:xfrm>
+          <a:off x="0" y="0"/>
+          <a:ext cx="0" cy="0"/>
+          <a:chOff x="0" y="0"/>
+          <a:chExt cx="0" cy="0"/>
+        </a:xfrm>
+      </p:grpSpPr>
+      <p:sp>
+        <p:nvSpPr>
+          <p:cNvPr id="2" name="Title 1"/>
+          <p:cNvSpPr>
+            <a:spLocks noGrp="1"/>
+          </p:cNvSpPr>
+          <p:nvPr>
+            <p:ph type="title"/>
+          </p:nvPr>
+        </p:nvSpPr>
+        <p:spPr/>
+        <p:txBody>
+          <a:bodyPr/>
+          <a:lstStyle/>
+          <a:p>
+            <a:r>
+              <a:rPr lang="en-AU" dirty="0" smtClean="0"/>
+              <a:t>Model </a:t>
+            </a:r>
+            <a:r>
+              <a:rPr lang="en-AU" dirty="0" smtClean="0"/>
+              <a:t>lifecycle - Update</a:t>
+            </a:r>
+            <a:endParaRPr lang="en-AU" dirty="0"/>
+          </a:p>
+        </p:txBody>
+      </p:sp>
+      <p:sp>
+        <p:nvSpPr>
+          <p:cNvPr id="5" name="Rounded Rectangle 4"/>
+          <p:cNvSpPr/>
+          <p:nvPr/>
+        </p:nvSpPr>
+        <p:spPr>
+          <a:xfrm>
+            <a:off x="6619700" y="1683216"/>
+            <a:ext cx="1872208" cy="4896544"/>
+          </a:xfrm>
+          <a:prstGeom prst="roundRect">
+            <a:avLst/>
+          </a:prstGeom>
+        </p:spPr>
+        <p:style>
+          <a:lnRef idx="1">
+            <a:schemeClr val="accent3"/>
+          </a:lnRef>
+          <a:fillRef idx="2">
+            <a:schemeClr val="accent3"/>
+          </a:fillRef>
+          <a:effectRef idx="1">
+            <a:schemeClr val="accent3"/>
+          </a:effectRef>
+          <a:fontRef idx="minor">
+            <a:schemeClr val="dk1"/>
+          </a:fontRef>
+        </p:style>
+        <p:txBody>
+          <a:bodyPr rtlCol="0" anchor="t"/>
+          <a:lstStyle/>
+          <a:p>
+            <a:pPr algn="ctr"/>
+            <a:r>
+              <a:rPr lang="en-AU" sz="1400" dirty="0" err="1" smtClean="0"/>
+              <a:t>PlayMorphia</a:t>
+            </a:r>
+            <a:r>
+              <a:rPr lang="en-AU" sz="1400" dirty="0" smtClean="0"/>
+              <a:t> Events</a:t>
+            </a:r>
+            <a:endParaRPr lang="en-AU" sz="1400" dirty="0"/>
+          </a:p>
+        </p:txBody>
+      </p:sp>
+      <p:sp>
+        <p:nvSpPr>
+          <p:cNvPr id="24" name="Round Diagonal Corner Rectangle 23"/>
+          <p:cNvSpPr/>
+          <p:nvPr/>
+        </p:nvSpPr>
+        <p:spPr>
+          <a:xfrm>
+            <a:off x="6907732" y="2284184"/>
+            <a:ext cx="1296144" cy="324036"/>
+          </a:xfrm>
+          <a:prstGeom prst="round2DiagRect">
+            <a:avLst/>
+          </a:prstGeom>
+        </p:spPr>
+        <p:style>
+          <a:lnRef idx="2">
+            <a:schemeClr val="accent2"/>
+          </a:lnRef>
+          <a:fillRef idx="1">
+            <a:schemeClr val="lt1"/>
+          </a:fillRef>
+          <a:effectRef idx="0">
+            <a:schemeClr val="accent2"/>
+          </a:effectRef>
+          <a:fontRef idx="minor">
+            <a:schemeClr val="dk1"/>
+          </a:fontRef>
+        </p:style>
+        <p:txBody>
+          <a:bodyPr rtlCol="0" anchor="ctr"/>
+          <a:lstStyle/>
+          <a:p>
+            <a:pPr algn="ctr"/>
+            <a:r>
+              <a:rPr lang="en-AU" sz="1400" dirty="0" smtClean="0"/>
+              <a:t>On Add</a:t>
+            </a:r>
+            <a:endParaRPr lang="en-AU" sz="1400" dirty="0"/>
+          </a:p>
+        </p:txBody>
+      </p:sp>
+      <p:sp>
+        <p:nvSpPr>
+          <p:cNvPr id="25" name="Round Diagonal Corner Rectangle 24"/>
+          <p:cNvSpPr/>
+          <p:nvPr/>
+        </p:nvSpPr>
+        <p:spPr>
+          <a:xfrm>
+            <a:off x="6913908" y="2788240"/>
+            <a:ext cx="1296144" cy="324036"/>
+          </a:xfrm>
+          <a:prstGeom prst="round2DiagRect">
+            <a:avLst/>
+          </a:prstGeom>
+        </p:spPr>
+        <p:style>
+          <a:lnRef idx="2">
+            <a:schemeClr val="accent2"/>
+          </a:lnRef>
+          <a:fillRef idx="1">
+            <a:schemeClr val="lt1"/>
+          </a:fillRef>
+          <a:effectRef idx="0">
+            <a:schemeClr val="accent2"/>
+          </a:effectRef>
+          <a:fontRef idx="minor">
+            <a:schemeClr val="dk1"/>
+          </a:fontRef>
+        </p:style>
+        <p:txBody>
+          <a:bodyPr rtlCol="0" anchor="ctr"/>
+          <a:lstStyle/>
+          <a:p>
+            <a:pPr algn="ctr"/>
+            <a:r>
+              <a:rPr lang="en-AU" sz="1400" dirty="0" smtClean="0"/>
+              <a:t>Added</a:t>
+            </a:r>
+            <a:endParaRPr lang="en-AU" sz="1400" dirty="0"/>
+          </a:p>
+        </p:txBody>
+      </p:sp>
+      <p:sp>
+        <p:nvSpPr>
+          <p:cNvPr id="26" name="Round Diagonal Corner Rectangle 25"/>
+          <p:cNvSpPr/>
+          <p:nvPr/>
+        </p:nvSpPr>
+        <p:spPr>
+          <a:xfrm>
+            <a:off x="6937100" y="4292638"/>
+            <a:ext cx="1296144" cy="324036"/>
+          </a:xfrm>
+          <a:prstGeom prst="round2DiagRect">
+            <a:avLst/>
+          </a:prstGeom>
+        </p:spPr>
+        <p:style>
+          <a:lnRef idx="2">
+            <a:schemeClr val="accent2"/>
+          </a:lnRef>
+          <a:fillRef idx="1">
+            <a:schemeClr val="lt1"/>
+          </a:fillRef>
+          <a:effectRef idx="0">
+            <a:schemeClr val="accent2"/>
+          </a:effectRef>
+          <a:fontRef idx="minor">
+            <a:schemeClr val="dk1"/>
+          </a:fontRef>
+        </p:style>
+        <p:txBody>
+          <a:bodyPr rtlCol="0" anchor="ctr"/>
+          <a:lstStyle/>
+          <a:p>
+            <a:pPr algn="ctr"/>
+            <a:r>
+              <a:rPr lang="en-AU" sz="1400" dirty="0" smtClean="0"/>
+              <a:t>On Update</a:t>
+            </a:r>
+            <a:endParaRPr lang="en-AU" sz="1400" dirty="0"/>
+          </a:p>
+        </p:txBody>
+      </p:sp>
+      <p:sp>
+        <p:nvSpPr>
+          <p:cNvPr id="27" name="Round Diagonal Corner Rectangle 26"/>
+          <p:cNvSpPr/>
+          <p:nvPr/>
+        </p:nvSpPr>
+        <p:spPr>
+          <a:xfrm>
+            <a:off x="6939208" y="4811000"/>
+            <a:ext cx="1296144" cy="324036"/>
+          </a:xfrm>
+          <a:prstGeom prst="round2DiagRect">
+            <a:avLst/>
+          </a:prstGeom>
+        </p:spPr>
+        <p:style>
+          <a:lnRef idx="2">
+            <a:schemeClr val="accent2"/>
+          </a:lnRef>
+          <a:fillRef idx="1">
+            <a:schemeClr val="lt1"/>
+          </a:fillRef>
+          <a:effectRef idx="0">
+            <a:schemeClr val="accent2"/>
+          </a:effectRef>
+          <a:fontRef idx="minor">
+            <a:schemeClr val="dk1"/>
+          </a:fontRef>
+        </p:style>
+        <p:txBody>
+          <a:bodyPr rtlCol="0" anchor="ctr"/>
+          <a:lstStyle/>
+          <a:p>
+            <a:pPr algn="ctr"/>
+            <a:r>
+              <a:rPr lang="en-AU" sz="1400" dirty="0" smtClean="0"/>
+              <a:t>Updated</a:t>
+            </a:r>
+            <a:endParaRPr lang="en-AU" sz="1400" dirty="0"/>
+          </a:p>
+        </p:txBody>
+      </p:sp>
+      <p:sp>
+        <p:nvSpPr>
+          <p:cNvPr id="28" name="Round Diagonal Corner Rectangle 27"/>
+          <p:cNvSpPr/>
+          <p:nvPr/>
+        </p:nvSpPr>
+        <p:spPr>
+          <a:xfrm>
+            <a:off x="6907732" y="3298167"/>
+            <a:ext cx="1296144" cy="324036"/>
+          </a:xfrm>
+          <a:prstGeom prst="round2DiagRect">
+            <a:avLst/>
+          </a:prstGeom>
+        </p:spPr>
+        <p:style>
+          <a:lnRef idx="2">
+            <a:schemeClr val="accent2"/>
+          </a:lnRef>
+          <a:fillRef idx="1">
+            <a:schemeClr val="lt1"/>
+          </a:fillRef>
+          <a:effectRef idx="0">
+            <a:schemeClr val="accent2"/>
+          </a:effectRef>
+          <a:fontRef idx="minor">
+            <a:schemeClr val="dk1"/>
+          </a:fontRef>
+        </p:style>
+        <p:txBody>
+          <a:bodyPr rtlCol="0" anchor="ctr"/>
+          <a:lstStyle/>
+          <a:p>
+            <a:pPr algn="ctr"/>
+            <a:r>
+              <a:rPr lang="en-AU" sz="1400" dirty="0" smtClean="0"/>
+              <a:t>On Load</a:t>
+            </a:r>
+            <a:endParaRPr lang="en-AU" sz="1400" dirty="0"/>
+          </a:p>
+        </p:txBody>
+      </p:sp>
+      <p:sp>
+        <p:nvSpPr>
+          <p:cNvPr id="29" name="Round Diagonal Corner Rectangle 28"/>
+          <p:cNvSpPr/>
+          <p:nvPr/>
+        </p:nvSpPr>
+        <p:spPr>
+          <a:xfrm>
+            <a:off x="6907732" y="3807452"/>
+            <a:ext cx="1296144" cy="324036"/>
+          </a:xfrm>
+          <a:prstGeom prst="round2DiagRect">
+            <a:avLst/>
+          </a:prstGeom>
+        </p:spPr>
+        <p:style>
+          <a:lnRef idx="2">
+            <a:schemeClr val="accent2"/>
+          </a:lnRef>
+          <a:fillRef idx="1">
+            <a:schemeClr val="lt1"/>
+          </a:fillRef>
+          <a:effectRef idx="0">
+            <a:schemeClr val="accent2"/>
+          </a:effectRef>
+          <a:fontRef idx="minor">
+            <a:schemeClr val="dk1"/>
+          </a:fontRef>
+        </p:style>
+        <p:txBody>
+          <a:bodyPr rtlCol="0" anchor="ctr"/>
+          <a:lstStyle/>
+          <a:p>
+            <a:pPr algn="ctr"/>
+            <a:r>
+              <a:rPr lang="en-AU" sz="1400" dirty="0" smtClean="0"/>
+              <a:t>Loaded</a:t>
+            </a:r>
+            <a:endParaRPr lang="en-AU" sz="1400" dirty="0"/>
+          </a:p>
+        </p:txBody>
+      </p:sp>
+      <p:sp>
+        <p:nvSpPr>
+          <p:cNvPr id="30" name="Round Diagonal Corner Rectangle 29"/>
+          <p:cNvSpPr/>
+          <p:nvPr/>
+        </p:nvSpPr>
+        <p:spPr>
+          <a:xfrm>
+            <a:off x="6913908" y="5345528"/>
+            <a:ext cx="1296144" cy="324036"/>
+          </a:xfrm>
+          <a:prstGeom prst="round2DiagRect">
+            <a:avLst/>
+          </a:prstGeom>
+        </p:spPr>
+        <p:style>
+          <a:lnRef idx="2">
+            <a:schemeClr val="accent2"/>
+          </a:lnRef>
+          <a:fillRef idx="1">
+            <a:schemeClr val="lt1"/>
+          </a:fillRef>
+          <a:effectRef idx="0">
+            <a:schemeClr val="accent2"/>
+          </a:effectRef>
+          <a:fontRef idx="minor">
+            <a:schemeClr val="dk1"/>
+          </a:fontRef>
+        </p:style>
+        <p:txBody>
+          <a:bodyPr rtlCol="0" anchor="ctr"/>
+          <a:lstStyle/>
+          <a:p>
+            <a:pPr algn="ctr"/>
+            <a:r>
+              <a:rPr lang="en-AU" sz="1400" dirty="0" smtClean="0"/>
+              <a:t>On Delete</a:t>
+            </a:r>
+            <a:endParaRPr lang="en-AU" sz="1400" dirty="0"/>
+          </a:p>
+        </p:txBody>
+      </p:sp>
+      <p:sp>
+        <p:nvSpPr>
+          <p:cNvPr id="31" name="Round Diagonal Corner Rectangle 30"/>
+          <p:cNvSpPr/>
+          <p:nvPr/>
+        </p:nvSpPr>
+        <p:spPr>
+          <a:xfrm>
+            <a:off x="6937100" y="5837740"/>
+            <a:ext cx="1296144" cy="324036"/>
+          </a:xfrm>
+          <a:prstGeom prst="round2DiagRect">
+            <a:avLst/>
+          </a:prstGeom>
+        </p:spPr>
+        <p:style>
+          <a:lnRef idx="2">
+            <a:schemeClr val="accent2"/>
+          </a:lnRef>
+          <a:fillRef idx="1">
+            <a:schemeClr val="lt1"/>
+          </a:fillRef>
+          <a:effectRef idx="0">
+            <a:schemeClr val="accent2"/>
+          </a:effectRef>
+          <a:fontRef idx="minor">
+            <a:schemeClr val="dk1"/>
+          </a:fontRef>
+        </p:style>
+        <p:txBody>
+          <a:bodyPr rtlCol="0" anchor="ctr"/>
+          <a:lstStyle/>
+          <a:p>
+            <a:pPr algn="ctr"/>
+            <a:r>
+              <a:rPr lang="en-AU" sz="1400" dirty="0" smtClean="0"/>
+              <a:t>Deleted</a:t>
+            </a:r>
+            <a:endParaRPr lang="en-AU" sz="1400" dirty="0"/>
+          </a:p>
+        </p:txBody>
+      </p:sp>
+      <p:sp>
+        <p:nvSpPr>
+          <p:cNvPr id="14" name="Rounded Rectangle 13"/>
+          <p:cNvSpPr/>
+          <p:nvPr/>
+        </p:nvSpPr>
+        <p:spPr>
+          <a:xfrm>
+            <a:off x="2339752" y="1412776"/>
+            <a:ext cx="3888432" cy="1460536"/>
+          </a:xfrm>
+          <a:prstGeom prst="roundRect">
+            <a:avLst/>
+          </a:prstGeom>
+        </p:spPr>
+        <p:style>
+          <a:lnRef idx="2">
+            <a:schemeClr val="accent6"/>
+          </a:lnRef>
+          <a:fillRef idx="1">
+            <a:schemeClr val="lt1"/>
+          </a:fillRef>
+          <a:effectRef idx="0">
+            <a:schemeClr val="accent6"/>
+          </a:effectRef>
+          <a:fontRef idx="minor">
+            <a:schemeClr val="dk1"/>
+          </a:fontRef>
+        </p:style>
+        <p:txBody>
+          <a:bodyPr rtlCol="0" anchor="ctr"/>
+          <a:lstStyle/>
+          <a:p>
+            <a:pPr algn="ctr"/>
+            <a:endParaRPr lang="en-AU"/>
+          </a:p>
+        </p:txBody>
+      </p:sp>
+      <p:sp>
+        <p:nvSpPr>
+          <p:cNvPr id="18" name="Down Arrow 17"/>
+          <p:cNvSpPr/>
+          <p:nvPr/>
+        </p:nvSpPr>
+        <p:spPr>
+          <a:xfrm>
+            <a:off x="3887924" y="3035335"/>
+            <a:ext cx="792088" cy="753705"/>
+          </a:xfrm>
+          <a:prstGeom prst="downArrow">
+            <a:avLst/>
+          </a:prstGeom>
+        </p:spPr>
+        <p:style>
+          <a:lnRef idx="0">
+            <a:schemeClr val="accent6"/>
+          </a:lnRef>
+          <a:fillRef idx="3">
+            <a:schemeClr val="accent6"/>
+          </a:fillRef>
+          <a:effectRef idx="3">
+            <a:schemeClr val="accent6"/>
+          </a:effectRef>
+          <a:fontRef idx="minor">
+            <a:schemeClr val="lt1"/>
+          </a:fontRef>
+        </p:style>
+        <p:txBody>
+          <a:bodyPr rtlCol="0" anchor="ctr"/>
+          <a:lstStyle/>
+          <a:p>
+            <a:pPr algn="ctr"/>
+            <a:endParaRPr lang="en-AU"/>
+          </a:p>
+        </p:txBody>
+      </p:sp>
+      <p:cxnSp>
+        <p:nvCxnSpPr>
+          <p:cNvPr id="42" name="Straight Arrow Connector 41"/>
+          <p:cNvCxnSpPr>
+            <a:endCxn id="18" idx="0"/>
+          </p:cNvCxnSpPr>
+          <p:nvPr/>
+        </p:nvCxnSpPr>
+        <p:spPr>
+          <a:xfrm>
+            <a:off x="4283967" y="2608220"/>
+            <a:ext cx="1" cy="427115"/>
+          </a:xfrm>
+          <a:prstGeom prst="straightConnector1">
+            <a:avLst/>
+          </a:prstGeom>
+          <a:ln>
+            <a:tailEnd type="arrow"/>
+          </a:ln>
+        </p:spPr>
+        <p:style>
+          <a:lnRef idx="2">
+            <a:schemeClr val="accent6"/>
+          </a:lnRef>
+          <a:fillRef idx="0">
+            <a:schemeClr val="accent6"/>
+          </a:fillRef>
+          <a:effectRef idx="1">
+            <a:schemeClr val="accent6"/>
+          </a:effectRef>
+          <a:fontRef idx="minor">
+            <a:schemeClr val="tx1"/>
+          </a:fontRef>
+        </p:style>
+      </p:cxnSp>
+      <p:cxnSp>
+        <p:nvCxnSpPr>
+          <p:cNvPr id="44" name="Elbow Connector 43"/>
+          <p:cNvCxnSpPr>
+            <a:stCxn id="26" idx="2"/>
+          </p:cNvCxnSpPr>
+          <p:nvPr/>
+        </p:nvCxnSpPr>
+        <p:spPr>
+          <a:xfrm rot="10800000">
+            <a:off x="4499992" y="3298166"/>
+            <a:ext cx="2437108" cy="1156490"/>
+          </a:xfrm>
+          <a:prstGeom prst="bentConnector3">
+            <a:avLst>
+              <a:gd name="adj1" fmla="val 36451"/>
+            </a:avLst>
+          </a:prstGeom>
+          <a:ln>
+            <a:tailEnd type="arrow"/>
+          </a:ln>
+        </p:spPr>
+        <p:style>
+          <a:lnRef idx="2">
+            <a:schemeClr val="accent3"/>
+          </a:lnRef>
+          <a:fillRef idx="0">
+            <a:schemeClr val="accent3"/>
+          </a:fillRef>
+          <a:effectRef idx="1">
+            <a:schemeClr val="accent3"/>
+          </a:effectRef>
+          <a:fontRef idx="minor">
+            <a:schemeClr val="tx1"/>
+          </a:fontRef>
+        </p:style>
+      </p:cxnSp>
+      <p:sp>
+        <p:nvSpPr>
+          <p:cNvPr id="49" name="Oval 48"/>
+          <p:cNvSpPr/>
+          <p:nvPr/>
+        </p:nvSpPr>
+        <p:spPr>
+          <a:xfrm>
+            <a:off x="2943880" y="5302076"/>
+            <a:ext cx="2788046" cy="647204"/>
+          </a:xfrm>
+          <a:prstGeom prst="ellipse">
+            <a:avLst/>
+          </a:prstGeom>
+        </p:spPr>
+        <p:style>
+          <a:lnRef idx="0">
+            <a:schemeClr val="accent6"/>
+          </a:lnRef>
+          <a:fillRef idx="3">
+            <a:schemeClr val="accent6"/>
+          </a:fillRef>
+          <a:effectRef idx="3">
+            <a:schemeClr val="accent6"/>
+          </a:effectRef>
+          <a:fontRef idx="minor">
+            <a:schemeClr val="lt1"/>
+          </a:fontRef>
+        </p:style>
+        <p:txBody>
+          <a:bodyPr rtlCol="0" anchor="ctr"/>
+          <a:lstStyle/>
+          <a:p>
+            <a:pPr algn="ctr"/>
+            <a:r>
+              <a:rPr lang="en-AU" dirty="0" smtClean="0"/>
+              <a:t>Write to </a:t>
+            </a:r>
+            <a:r>
+              <a:rPr lang="en-AU" dirty="0" err="1" smtClean="0"/>
+              <a:t>MongoDB</a:t>
+            </a:r>
+            <a:endParaRPr lang="en-AU" dirty="0"/>
+          </a:p>
+        </p:txBody>
+      </p:sp>
+      <p:sp>
+        <p:nvSpPr>
+          <p:cNvPr id="51" name="Down Arrow 50"/>
+          <p:cNvSpPr/>
+          <p:nvPr/>
+        </p:nvSpPr>
+        <p:spPr>
+          <a:xfrm>
+            <a:off x="3913795" y="5999758"/>
+            <a:ext cx="792088" cy="714840"/>
+          </a:xfrm>
+          <a:prstGeom prst="downArrow">
+            <a:avLst/>
+          </a:prstGeom>
+        </p:spPr>
+        <p:style>
+          <a:lnRef idx="0">
+            <a:schemeClr val="accent6"/>
+          </a:lnRef>
+          <a:fillRef idx="3">
+            <a:schemeClr val="accent6"/>
+          </a:fillRef>
+          <a:effectRef idx="3">
+            <a:schemeClr val="accent6"/>
+          </a:effectRef>
+          <a:fontRef idx="minor">
+            <a:schemeClr val="lt1"/>
+          </a:fontRef>
+        </p:style>
+        <p:txBody>
+          <a:bodyPr rtlCol="0" anchor="ctr"/>
+          <a:lstStyle/>
+          <a:p>
+            <a:pPr algn="ctr"/>
+            <a:endParaRPr lang="en-AU"/>
+          </a:p>
+        </p:txBody>
+      </p:sp>
+      <p:cxnSp>
+        <p:nvCxnSpPr>
+          <p:cNvPr id="53" name="Elbow Connector 52"/>
+          <p:cNvCxnSpPr>
+            <a:endCxn id="51" idx="3"/>
+          </p:cNvCxnSpPr>
+          <p:nvPr/>
+        </p:nvCxnSpPr>
+        <p:spPr>
+          <a:xfrm rot="10800000" flipV="1">
+            <a:off x="4705884" y="4973018"/>
+            <a:ext cx="2201849" cy="1384160"/>
+          </a:xfrm>
+          <a:prstGeom prst="bentConnector3">
+            <a:avLst>
+              <a:gd name="adj1" fmla="val 39618"/>
+            </a:avLst>
+          </a:prstGeom>
+          <a:ln>
+            <a:tailEnd type="arrow"/>
+          </a:ln>
+        </p:spPr>
+        <p:style>
+          <a:lnRef idx="2">
+            <a:schemeClr val="accent3"/>
+          </a:lnRef>
+          <a:fillRef idx="0">
+            <a:schemeClr val="accent3"/>
+          </a:fillRef>
+          <a:effectRef idx="1">
+            <a:schemeClr val="accent3"/>
+          </a:effectRef>
+          <a:fontRef idx="minor">
+            <a:schemeClr val="tx1"/>
+          </a:fontRef>
+        </p:style>
+      </p:cxnSp>
+      <p:sp>
+        <p:nvSpPr>
+          <p:cNvPr id="59" name="Oval 58"/>
+          <p:cNvSpPr/>
+          <p:nvPr/>
+        </p:nvSpPr>
+        <p:spPr>
+          <a:xfrm>
+            <a:off x="2943880" y="3825478"/>
+            <a:ext cx="2788046" cy="647204"/>
+          </a:xfrm>
+          <a:prstGeom prst="ellipse">
+            <a:avLst/>
+          </a:prstGeom>
+        </p:spPr>
+        <p:style>
+          <a:lnRef idx="0">
+            <a:schemeClr val="accent6"/>
+          </a:lnRef>
+          <a:fillRef idx="3">
+            <a:schemeClr val="accent6"/>
+          </a:fillRef>
+          <a:effectRef idx="3">
+            <a:schemeClr val="accent6"/>
+          </a:effectRef>
+          <a:fontRef idx="minor">
+            <a:schemeClr val="lt1"/>
+          </a:fontRef>
+        </p:style>
+        <p:txBody>
+          <a:bodyPr rtlCol="0" anchor="ctr"/>
+          <a:lstStyle/>
+          <a:p>
+            <a:pPr algn="ctr"/>
+            <a:r>
+              <a:rPr lang="en-AU" dirty="0" smtClean="0"/>
+              <a:t>To </a:t>
+            </a:r>
+            <a:r>
+              <a:rPr lang="en-AU" dirty="0" err="1" smtClean="0"/>
+              <a:t>DBObject</a:t>
+            </a:r>
+            <a:endParaRPr lang="en-AU" dirty="0"/>
+          </a:p>
+        </p:txBody>
+      </p:sp>
+      <p:sp>
+        <p:nvSpPr>
+          <p:cNvPr id="62" name="Down Arrow 61"/>
+          <p:cNvSpPr/>
+          <p:nvPr/>
+        </p:nvSpPr>
+        <p:spPr>
+          <a:xfrm>
+            <a:off x="3887923" y="4523464"/>
+            <a:ext cx="792088" cy="753705"/>
+          </a:xfrm>
+          <a:prstGeom prst="downArrow">
+            <a:avLst/>
+          </a:prstGeom>
+        </p:spPr>
+        <p:style>
+          <a:lnRef idx="0">
+            <a:schemeClr val="accent6"/>
+          </a:lnRef>
+          <a:fillRef idx="3">
+            <a:schemeClr val="accent6"/>
+          </a:fillRef>
+          <a:effectRef idx="3">
+            <a:schemeClr val="accent6"/>
+          </a:effectRef>
+          <a:fontRef idx="minor">
+            <a:schemeClr val="lt1"/>
+          </a:fontRef>
+        </p:style>
+        <p:txBody>
+          <a:bodyPr rtlCol="0" anchor="ctr"/>
+          <a:lstStyle/>
+          <a:p>
+            <a:pPr algn="ctr"/>
+            <a:endParaRPr lang="en-AU"/>
+          </a:p>
+        </p:txBody>
+      </p:sp>
+      <p:grpSp>
+        <p:nvGrpSpPr>
+          <p:cNvPr id="1049" name="Group 1048"/>
+          <p:cNvGrpSpPr/>
+          <p:nvPr/>
+        </p:nvGrpSpPr>
+        <p:grpSpPr>
+          <a:xfrm>
+            <a:off x="467544" y="2720974"/>
+            <a:ext cx="1584176" cy="3113774"/>
+            <a:chOff x="467544" y="2720974"/>
+            <a:chExt cx="1584176" cy="3113774"/>
+          </a:xfrm>
+        </p:grpSpPr>
+        <p:sp>
+          <p:nvSpPr>
+            <p:cNvPr id="4" name="Rounded Rectangle 3"/>
+            <p:cNvSpPr/>
+            <p:nvPr/>
+          </p:nvSpPr>
+          <p:spPr>
+            <a:xfrm>
+              <a:off x="467544" y="2720974"/>
+              <a:ext cx="1584176" cy="3113774"/>
+            </a:xfrm>
+            <a:prstGeom prst="roundRect">
+              <a:avLst/>
+            </a:prstGeom>
+          </p:spPr>
+          <p:style>
+            <a:lnRef idx="1">
+              <a:schemeClr val="accent2"/>
+            </a:lnRef>
+            <a:fillRef idx="2">
+              <a:schemeClr val="accent2"/>
+            </a:fillRef>
+            <a:effectRef idx="1">
+              <a:schemeClr val="accent2"/>
+            </a:effectRef>
+            <a:fontRef idx="minor">
+              <a:schemeClr val="dk1"/>
+            </a:fontRef>
+          </p:style>
+          <p:txBody>
+            <a:bodyPr rtlCol="0" anchor="t"/>
+            <a:lstStyle/>
+            <a:p>
+              <a:pPr algn="ctr"/>
+              <a:r>
+                <a:rPr lang="en-AU" sz="1400" dirty="0" smtClean="0"/>
+                <a:t>Morphia Events</a:t>
+              </a:r>
+              <a:endParaRPr lang="en-AU" sz="1400" dirty="0"/>
+            </a:p>
+          </p:txBody>
+        </p:sp>
+        <p:sp>
+          <p:nvSpPr>
+            <p:cNvPr id="6" name="Snip Diagonal Corner Rectangle 5"/>
+            <p:cNvSpPr/>
+            <p:nvPr/>
+          </p:nvSpPr>
+          <p:spPr>
+            <a:xfrm>
+              <a:off x="736824" y="4772532"/>
+              <a:ext cx="1098872" cy="360040"/>
+            </a:xfrm>
+            <a:prstGeom prst="snip2DiagRect">
+              <a:avLst/>
+            </a:prstGeom>
+          </p:spPr>
+          <p:style>
+            <a:lnRef idx="2">
+              <a:schemeClr val="accent1"/>
+            </a:lnRef>
+            <a:fillRef idx="1">
+              <a:schemeClr val="lt1"/>
+            </a:fillRef>
+            <a:effectRef idx="0">
+              <a:schemeClr val="accent1"/>
+            </a:effectRef>
+            <a:fontRef idx="minor">
+              <a:schemeClr val="dk1"/>
+            </a:fontRef>
+          </p:style>
+          <p:txBody>
+            <a:bodyPr rtlCol="0" anchor="ctr"/>
+            <a:lstStyle/>
+            <a:p>
+              <a:pPr algn="ctr"/>
+              <a:r>
+                <a:rPr lang="en-AU" sz="1400" dirty="0" smtClean="0"/>
+                <a:t>Pre Save</a:t>
+              </a:r>
+              <a:endParaRPr lang="en-AU" sz="1400" dirty="0"/>
+            </a:p>
+          </p:txBody>
+        </p:sp>
+        <p:sp>
+          <p:nvSpPr>
+            <p:cNvPr id="7" name="Snip Diagonal Corner Rectangle 6"/>
+            <p:cNvSpPr/>
+            <p:nvPr/>
+          </p:nvSpPr>
+          <p:spPr>
+            <a:xfrm>
+              <a:off x="736824" y="4243855"/>
+              <a:ext cx="1098872" cy="360040"/>
+            </a:xfrm>
+            <a:prstGeom prst="snip2DiagRect">
+              <a:avLst/>
+            </a:prstGeom>
+          </p:spPr>
+          <p:style>
+            <a:lnRef idx="2">
+              <a:schemeClr val="accent1"/>
+            </a:lnRef>
+            <a:fillRef idx="1">
+              <a:schemeClr val="lt1"/>
+            </a:fillRef>
+            <a:effectRef idx="0">
+              <a:schemeClr val="accent1"/>
+            </a:effectRef>
+            <a:fontRef idx="minor">
+              <a:schemeClr val="dk1"/>
+            </a:fontRef>
+          </p:style>
+          <p:txBody>
+            <a:bodyPr rtlCol="0" anchor="ctr"/>
+            <a:lstStyle/>
+            <a:p>
+              <a:pPr algn="ctr"/>
+              <a:r>
+                <a:rPr lang="en-AU" sz="1400" dirty="0" smtClean="0"/>
+                <a:t>Pre Persist</a:t>
+              </a:r>
+              <a:endParaRPr lang="en-AU" sz="1400" dirty="0"/>
+            </a:p>
+          </p:txBody>
+        </p:sp>
+        <p:sp>
+          <p:nvSpPr>
+            <p:cNvPr id="8" name="Snip Diagonal Corner Rectangle 7"/>
+            <p:cNvSpPr/>
+            <p:nvPr/>
+          </p:nvSpPr>
+          <p:spPr>
+            <a:xfrm>
+              <a:off x="736824" y="5301208"/>
+              <a:ext cx="1098872" cy="360040"/>
+            </a:xfrm>
+            <a:prstGeom prst="snip2DiagRect">
+              <a:avLst/>
+            </a:prstGeom>
+          </p:spPr>
+          <p:style>
+            <a:lnRef idx="2">
+              <a:schemeClr val="accent1"/>
+            </a:lnRef>
+            <a:fillRef idx="1">
+              <a:schemeClr val="lt1"/>
+            </a:fillRef>
+            <a:effectRef idx="0">
+              <a:schemeClr val="accent1"/>
+            </a:effectRef>
+            <a:fontRef idx="minor">
+              <a:schemeClr val="dk1"/>
+            </a:fontRef>
+          </p:style>
+          <p:txBody>
+            <a:bodyPr rtlCol="0" anchor="ctr"/>
+            <a:lstStyle/>
+            <a:p>
+              <a:pPr algn="ctr"/>
+              <a:r>
+                <a:rPr lang="en-AU" sz="1400" dirty="0" smtClean="0"/>
+                <a:t>Post Persist</a:t>
+              </a:r>
+              <a:endParaRPr lang="en-AU" sz="1400" dirty="0"/>
+            </a:p>
+          </p:txBody>
+        </p:sp>
+        <p:sp>
+          <p:nvSpPr>
+            <p:cNvPr id="9" name="Snip Diagonal Corner Rectangle 8"/>
+            <p:cNvSpPr/>
+            <p:nvPr/>
+          </p:nvSpPr>
+          <p:spPr>
+            <a:xfrm>
+              <a:off x="736824" y="3186501"/>
+              <a:ext cx="1098872" cy="360040"/>
+            </a:xfrm>
+            <a:prstGeom prst="snip2DiagRect">
+              <a:avLst/>
+            </a:prstGeom>
+          </p:spPr>
+          <p:style>
+            <a:lnRef idx="2">
+              <a:schemeClr val="accent1"/>
+            </a:lnRef>
+            <a:fillRef idx="1">
+              <a:schemeClr val="lt1"/>
+            </a:fillRef>
+            <a:effectRef idx="0">
+              <a:schemeClr val="accent1"/>
+            </a:effectRef>
+            <a:fontRef idx="minor">
+              <a:schemeClr val="dk1"/>
+            </a:fontRef>
+          </p:style>
+          <p:txBody>
+            <a:bodyPr rtlCol="0" anchor="ctr"/>
+            <a:lstStyle/>
+            <a:p>
+              <a:pPr algn="ctr"/>
+              <a:r>
+                <a:rPr lang="en-AU" sz="1400" dirty="0" smtClean="0"/>
+                <a:t>Pre </a:t>
+              </a:r>
+              <a:r>
+                <a:rPr lang="en-AU" sz="1400" dirty="0" smtClean="0"/>
+                <a:t>Load</a:t>
+              </a:r>
+              <a:endParaRPr lang="en-AU" sz="1400" dirty="0"/>
+            </a:p>
+          </p:txBody>
+        </p:sp>
+        <p:sp>
+          <p:nvSpPr>
+            <p:cNvPr id="80" name="Snip Diagonal Corner Rectangle 79"/>
+            <p:cNvSpPr/>
+            <p:nvPr/>
+          </p:nvSpPr>
+          <p:spPr>
+            <a:xfrm>
+              <a:off x="736824" y="3715178"/>
+              <a:ext cx="1098872" cy="360040"/>
+            </a:xfrm>
+            <a:prstGeom prst="snip2DiagRect">
+              <a:avLst/>
+            </a:prstGeom>
+          </p:spPr>
+          <p:style>
+            <a:lnRef idx="2">
+              <a:schemeClr val="accent1"/>
+            </a:lnRef>
+            <a:fillRef idx="1">
+              <a:schemeClr val="lt1"/>
+            </a:fillRef>
+            <a:effectRef idx="0">
+              <a:schemeClr val="accent1"/>
+            </a:effectRef>
+            <a:fontRef idx="minor">
+              <a:schemeClr val="dk1"/>
+            </a:fontRef>
+          </p:style>
+          <p:txBody>
+            <a:bodyPr rtlCol="0" anchor="ctr"/>
+            <a:lstStyle/>
+            <a:p>
+              <a:pPr algn="ctr"/>
+              <a:r>
+                <a:rPr lang="en-AU" sz="1400" dirty="0" smtClean="0"/>
+                <a:t>Post Load</a:t>
+              </a:r>
+              <a:endParaRPr lang="en-AU" sz="1400" dirty="0"/>
+            </a:p>
+          </p:txBody>
+        </p:sp>
+      </p:grpSp>
+      <p:cxnSp>
+        <p:nvCxnSpPr>
+          <p:cNvPr id="1035" name="Elbow Connector 1034"/>
+          <p:cNvCxnSpPr>
+            <a:stCxn id="7" idx="0"/>
+          </p:cNvCxnSpPr>
+          <p:nvPr/>
+        </p:nvCxnSpPr>
+        <p:spPr>
+          <a:xfrm flipV="1">
+            <a:off x="1835696" y="3298166"/>
+            <a:ext cx="2276400" cy="1125709"/>
+          </a:xfrm>
+          <a:prstGeom prst="bentConnector3">
+            <a:avLst>
+              <a:gd name="adj1" fmla="val 35495"/>
+            </a:avLst>
+          </a:prstGeom>
+          <a:ln>
+            <a:tailEnd type="arrow"/>
+          </a:ln>
+        </p:spPr>
+        <p:style>
+          <a:lnRef idx="2">
+            <a:schemeClr val="accent2"/>
+          </a:lnRef>
+          <a:fillRef idx="0">
+            <a:schemeClr val="accent2"/>
+          </a:fillRef>
+          <a:effectRef idx="1">
+            <a:schemeClr val="accent2"/>
+          </a:effectRef>
+          <a:fontRef idx="minor">
+            <a:schemeClr val="tx1"/>
+          </a:fontRef>
+        </p:style>
+      </p:cxnSp>
+      <p:cxnSp>
+        <p:nvCxnSpPr>
+          <p:cNvPr id="1037" name="Elbow Connector 1036"/>
+          <p:cNvCxnSpPr>
+            <a:stCxn id="6" idx="0"/>
+          </p:cNvCxnSpPr>
+          <p:nvPr/>
+        </p:nvCxnSpPr>
+        <p:spPr>
+          <a:xfrm flipV="1">
+            <a:off x="1835696" y="4772532"/>
+            <a:ext cx="2276400" cy="180020"/>
+          </a:xfrm>
+          <a:prstGeom prst="bentConnector3">
+            <a:avLst/>
+          </a:prstGeom>
+          <a:ln>
+            <a:tailEnd type="arrow"/>
+          </a:ln>
+        </p:spPr>
+        <p:style>
+          <a:lnRef idx="2">
+            <a:schemeClr val="accent2"/>
+          </a:lnRef>
+          <a:fillRef idx="0">
+            <a:schemeClr val="accent2"/>
+          </a:fillRef>
+          <a:effectRef idx="1">
+            <a:schemeClr val="accent2"/>
+          </a:effectRef>
+          <a:fontRef idx="minor">
+            <a:schemeClr val="tx1"/>
+          </a:fontRef>
+        </p:style>
+      </p:cxnSp>
+      <p:cxnSp>
+        <p:nvCxnSpPr>
+          <p:cNvPr id="1039" name="Elbow Connector 1038"/>
+          <p:cNvCxnSpPr>
+            <a:stCxn id="8" idx="0"/>
+          </p:cNvCxnSpPr>
+          <p:nvPr/>
+        </p:nvCxnSpPr>
+        <p:spPr>
+          <a:xfrm>
+            <a:off x="1835696" y="5481228"/>
+            <a:ext cx="2078099" cy="875950"/>
+          </a:xfrm>
+          <a:prstGeom prst="bentConnector3">
+            <a:avLst>
+              <a:gd name="adj1" fmla="val 40222"/>
+            </a:avLst>
+          </a:prstGeom>
+          <a:ln>
+            <a:tailEnd type="arrow"/>
+          </a:ln>
+        </p:spPr>
+        <p:style>
+          <a:lnRef idx="2">
+            <a:schemeClr val="accent2"/>
+          </a:lnRef>
+          <a:fillRef idx="0">
+            <a:schemeClr val="accent2"/>
+          </a:fillRef>
+          <a:effectRef idx="1">
+            <a:schemeClr val="accent2"/>
+          </a:effectRef>
+          <a:fontRef idx="minor">
+            <a:schemeClr val="tx1"/>
+          </a:fontRef>
+        </p:style>
+      </p:cxnSp>
+      <p:pic>
+        <p:nvPicPr>
+          <p:cNvPr id="3074" name="Picture 2" descr="C:\Users\luog\Desktop\ScreenHunter_05 Nov. 04 06.55.jpg"/>
+          <p:cNvPicPr>
+            <a:picLocks noChangeAspect="1" noChangeArrowheads="1"/>
+          </p:cNvPicPr>
+          <p:nvPr/>
+        </p:nvPicPr>
+        <p:blipFill>
+          <a:blip r:embed="rId2">
+            <a:extLst>
+              <a:ext uri="{28A0092B-C50C-407E-A947-70E740481C1C}">
+                <a14:useLocalDpi xmlns:a14="http://schemas.microsoft.com/office/drawing/2010/main" val="0"/>
+              </a:ext>
+            </a:extLst>
+          </a:blip>
+          <a:srcRect/>
+          <a:stretch>
+            <a:fillRect/>
+          </a:stretch>
+        </p:blipFill>
+        <p:spPr bwMode="auto">
+          <a:xfrm>
+            <a:off x="2483941" y="1628800"/>
+            <a:ext cx="3600787" cy="910705"/>
+          </a:xfrm>
+          <a:prstGeom prst="rect">
+            <a:avLst/>
+          </a:prstGeom>
+          <a:noFill/>
+          <a:extLst>
+            <a:ext uri="{909E8E84-426E-40DD-AFC4-6F175D3DCCD1}">
+              <a14:hiddenFill xmlns:a14="http://schemas.microsoft.com/office/drawing/2010/main">
+                <a:solidFill>
+                  <a:srgbClr val="FFFFFF"/>
+                </a:solidFill>
+              </a14:hiddenFill>
+            </a:ext>
+          </a:extLst>
+        </p:spPr>
+      </p:pic>
+      <p:cxnSp>
+        <p:nvCxnSpPr>
+          <p:cNvPr id="36" name="Straight Connector 35"/>
+          <p:cNvCxnSpPr/>
+          <p:nvPr/>
+        </p:nvCxnSpPr>
+        <p:spPr>
+          <a:xfrm>
+            <a:off x="2627784" y="2492896"/>
+            <a:ext cx="1916853" cy="0"/>
+          </a:xfrm>
+          <a:prstGeom prst="line">
+            <a:avLst/>
+          </a:prstGeom>
+        </p:spPr>
+        <p:style>
+          <a:lnRef idx="3">
+            <a:schemeClr val="accent6"/>
+          </a:lnRef>
+          <a:fillRef idx="0">
+            <a:schemeClr val="accent6"/>
+          </a:fillRef>
+          <a:effectRef idx="2">
+            <a:schemeClr val="accent6"/>
+          </a:effectRef>
+          <a:fontRef idx="minor">
+            <a:schemeClr val="tx1"/>
+          </a:fontRef>
+        </p:style>
+      </p:cxnSp>
+    </p:spTree>
+    <p:extLst>
+      <p:ext uri="{BB962C8B-B14F-4D97-AF65-F5344CB8AC3E}">
+        <p14:creationId xmlns:p14="http://schemas.microsoft.com/office/powerpoint/2010/main" val="223219409"/>
+      </p:ext>
+    </p:extLst>
+  </p:cSld>
+  <p:clrMapOvr>
+    <a:masterClrMapping/>
+  </p:clrMapOvr>
+  <p:timing>
+    <p:tnLst>
+      <p:par>
+        <p:cTn id="1" dur="indefinite" restart="never" nodeType="tmRoot"/>
+      </p:par>
+    </p:tnLst>
+  </p:timing>
+</p:sld>
+</file>
+
+<file path=ppt/slides/slide8.xml><?xml version="1.0" encoding="utf-8"?>
+<p:sld xmlns:a="http://schemas.openxmlformats.org/drawingml/2006/main" xmlns:r="http://schemas.openxmlformats.org/officeDocument/2006/relationships" xmlns:p="http://schemas.openxmlformats.org/presentationml/2006/main">
+  <p:cSld>
+    <p:spTree>
+      <p:nvGrpSpPr>
+        <p:cNvPr id="1" name=""/>
+        <p:cNvGrpSpPr/>
+        <p:nvPr/>
+      </p:nvGrpSpPr>
+      <p:grpSpPr>
+        <a:xfrm>
+          <a:off x="0" y="0"/>
+          <a:ext cx="0" cy="0"/>
+          <a:chOff x="0" y="0"/>
+          <a:chExt cx="0" cy="0"/>
+        </a:xfrm>
+      </p:grpSpPr>
+      <p:sp>
+        <p:nvSpPr>
+          <p:cNvPr id="2" name="Title 1"/>
+          <p:cNvSpPr>
+            <a:spLocks noGrp="1"/>
+          </p:cNvSpPr>
+          <p:nvPr>
+            <p:ph type="title"/>
+          </p:nvPr>
+        </p:nvSpPr>
+        <p:spPr/>
+        <p:txBody>
+          <a:bodyPr/>
+          <a:lstStyle/>
+          <a:p>
+            <a:r>
+              <a:rPr lang="en-AU" dirty="0" smtClean="0"/>
+              <a:t>Model </a:t>
+            </a:r>
+            <a:r>
+              <a:rPr lang="en-AU" dirty="0" smtClean="0"/>
+              <a:t>lifecycle - Load</a:t>
+            </a:r>
+            <a:endParaRPr lang="en-AU" dirty="0"/>
+          </a:p>
+        </p:txBody>
+      </p:sp>
+      <p:sp>
+        <p:nvSpPr>
+          <p:cNvPr id="5" name="Rounded Rectangle 4"/>
+          <p:cNvSpPr/>
+          <p:nvPr/>
+        </p:nvSpPr>
+        <p:spPr>
+          <a:xfrm>
+            <a:off x="6619700" y="1683216"/>
+            <a:ext cx="1872208" cy="4896544"/>
+          </a:xfrm>
+          <a:prstGeom prst="roundRect">
+            <a:avLst/>
+          </a:prstGeom>
+        </p:spPr>
+        <p:style>
+          <a:lnRef idx="1">
+            <a:schemeClr val="accent3"/>
+          </a:lnRef>
+          <a:fillRef idx="2">
+            <a:schemeClr val="accent3"/>
+          </a:fillRef>
+          <a:effectRef idx="1">
+            <a:schemeClr val="accent3"/>
+          </a:effectRef>
+          <a:fontRef idx="minor">
+            <a:schemeClr val="dk1"/>
+          </a:fontRef>
+        </p:style>
+        <p:txBody>
+          <a:bodyPr rtlCol="0" anchor="t"/>
+          <a:lstStyle/>
+          <a:p>
+            <a:pPr algn="ctr"/>
+            <a:r>
+              <a:rPr lang="en-AU" sz="1400" dirty="0" err="1" smtClean="0"/>
+              <a:t>PlayMorphia</a:t>
+            </a:r>
+            <a:r>
+              <a:rPr lang="en-AU" sz="1400" dirty="0" smtClean="0"/>
+              <a:t> Events</a:t>
+            </a:r>
+            <a:endParaRPr lang="en-AU" sz="1400" dirty="0"/>
+          </a:p>
+        </p:txBody>
+      </p:sp>
+      <p:sp>
+        <p:nvSpPr>
+          <p:cNvPr id="24" name="Round Diagonal Corner Rectangle 23"/>
+          <p:cNvSpPr/>
+          <p:nvPr/>
+        </p:nvSpPr>
+        <p:spPr>
+          <a:xfrm>
+            <a:off x="6907732" y="2284184"/>
+            <a:ext cx="1296144" cy="324036"/>
+          </a:xfrm>
+          <a:prstGeom prst="round2DiagRect">
+            <a:avLst/>
+          </a:prstGeom>
+        </p:spPr>
+        <p:style>
+          <a:lnRef idx="2">
+            <a:schemeClr val="accent2"/>
+          </a:lnRef>
+          <a:fillRef idx="1">
+            <a:schemeClr val="lt1"/>
+          </a:fillRef>
+          <a:effectRef idx="0">
+            <a:schemeClr val="accent2"/>
+          </a:effectRef>
+          <a:fontRef idx="minor">
+            <a:schemeClr val="dk1"/>
+          </a:fontRef>
+        </p:style>
+        <p:txBody>
+          <a:bodyPr rtlCol="0" anchor="ctr"/>
+          <a:lstStyle/>
+          <a:p>
+            <a:pPr algn="ctr"/>
+            <a:r>
+              <a:rPr lang="en-AU" sz="1400" dirty="0" smtClean="0"/>
+              <a:t>On Add</a:t>
+            </a:r>
+            <a:endParaRPr lang="en-AU" sz="1400" dirty="0"/>
+          </a:p>
+        </p:txBody>
+      </p:sp>
+      <p:sp>
+        <p:nvSpPr>
+          <p:cNvPr id="25" name="Round Diagonal Corner Rectangle 24"/>
+          <p:cNvSpPr/>
+          <p:nvPr/>
+        </p:nvSpPr>
+        <p:spPr>
+          <a:xfrm>
+            <a:off x="6913908" y="2788240"/>
+            <a:ext cx="1296144" cy="324036"/>
+          </a:xfrm>
+          <a:prstGeom prst="round2DiagRect">
+            <a:avLst/>
+          </a:prstGeom>
+        </p:spPr>
+        <p:style>
+          <a:lnRef idx="2">
+            <a:schemeClr val="accent2"/>
+          </a:lnRef>
+          <a:fillRef idx="1">
+            <a:schemeClr val="lt1"/>
+          </a:fillRef>
+          <a:effectRef idx="0">
+            <a:schemeClr val="accent2"/>
+          </a:effectRef>
+          <a:fontRef idx="minor">
+            <a:schemeClr val="dk1"/>
+          </a:fontRef>
+        </p:style>
+        <p:txBody>
+          <a:bodyPr rtlCol="0" anchor="ctr"/>
+          <a:lstStyle/>
+          <a:p>
+            <a:pPr algn="ctr"/>
+            <a:r>
+              <a:rPr lang="en-AU" sz="1400" dirty="0" smtClean="0"/>
+              <a:t>Added</a:t>
+            </a:r>
+            <a:endParaRPr lang="en-AU" sz="1400" dirty="0"/>
+          </a:p>
+        </p:txBody>
+      </p:sp>
+      <p:sp>
+        <p:nvSpPr>
+          <p:cNvPr id="26" name="Round Diagonal Corner Rectangle 25"/>
+          <p:cNvSpPr/>
+          <p:nvPr/>
+        </p:nvSpPr>
+        <p:spPr>
+          <a:xfrm>
+            <a:off x="6937100" y="4292638"/>
+            <a:ext cx="1296144" cy="324036"/>
+          </a:xfrm>
+          <a:prstGeom prst="round2DiagRect">
+            <a:avLst/>
+          </a:prstGeom>
+        </p:spPr>
+        <p:style>
+          <a:lnRef idx="2">
+            <a:schemeClr val="accent2"/>
+          </a:lnRef>
+          <a:fillRef idx="1">
+            <a:schemeClr val="lt1"/>
+          </a:fillRef>
+          <a:effectRef idx="0">
+            <a:schemeClr val="accent2"/>
+          </a:effectRef>
+          <a:fontRef idx="minor">
+            <a:schemeClr val="dk1"/>
+          </a:fontRef>
+        </p:style>
+        <p:txBody>
+          <a:bodyPr rtlCol="0" anchor="ctr"/>
+          <a:lstStyle/>
+          <a:p>
+            <a:pPr algn="ctr"/>
+            <a:r>
+              <a:rPr lang="en-AU" sz="1400" dirty="0" smtClean="0"/>
+              <a:t>On Update</a:t>
+            </a:r>
+            <a:endParaRPr lang="en-AU" sz="1400" dirty="0"/>
+          </a:p>
+        </p:txBody>
+      </p:sp>
+      <p:sp>
+        <p:nvSpPr>
+          <p:cNvPr id="27" name="Round Diagonal Corner Rectangle 26"/>
+          <p:cNvSpPr/>
+          <p:nvPr/>
+        </p:nvSpPr>
+        <p:spPr>
+          <a:xfrm>
+            <a:off x="6939208" y="4811000"/>
+            <a:ext cx="1296144" cy="324036"/>
+          </a:xfrm>
+          <a:prstGeom prst="round2DiagRect">
+            <a:avLst/>
+          </a:prstGeom>
+        </p:spPr>
+        <p:style>
+          <a:lnRef idx="2">
+            <a:schemeClr val="accent2"/>
+          </a:lnRef>
+          <a:fillRef idx="1">
+            <a:schemeClr val="lt1"/>
+          </a:fillRef>
+          <a:effectRef idx="0">
+            <a:schemeClr val="accent2"/>
+          </a:effectRef>
+          <a:fontRef idx="minor">
+            <a:schemeClr val="dk1"/>
+          </a:fontRef>
+        </p:style>
+        <p:txBody>
+          <a:bodyPr rtlCol="0" anchor="ctr"/>
+          <a:lstStyle/>
+          <a:p>
+            <a:pPr algn="ctr"/>
+            <a:r>
+              <a:rPr lang="en-AU" sz="1400" dirty="0" smtClean="0"/>
+              <a:t>Updated</a:t>
+            </a:r>
+            <a:endParaRPr lang="en-AU" sz="1400" dirty="0"/>
+          </a:p>
+        </p:txBody>
+      </p:sp>
+      <p:sp>
+        <p:nvSpPr>
+          <p:cNvPr id="28" name="Round Diagonal Corner Rectangle 27"/>
+          <p:cNvSpPr/>
+          <p:nvPr/>
+        </p:nvSpPr>
+        <p:spPr>
+          <a:xfrm>
+            <a:off x="6907732" y="3298167"/>
+            <a:ext cx="1296144" cy="324036"/>
+          </a:xfrm>
+          <a:prstGeom prst="round2DiagRect">
+            <a:avLst/>
+          </a:prstGeom>
+        </p:spPr>
+        <p:style>
+          <a:lnRef idx="2">
+            <a:schemeClr val="accent2"/>
+          </a:lnRef>
+          <a:fillRef idx="1">
+            <a:schemeClr val="lt1"/>
+          </a:fillRef>
+          <a:effectRef idx="0">
+            <a:schemeClr val="accent2"/>
+          </a:effectRef>
+          <a:fontRef idx="minor">
+            <a:schemeClr val="dk1"/>
+          </a:fontRef>
+        </p:style>
+        <p:txBody>
+          <a:bodyPr rtlCol="0" anchor="ctr"/>
+          <a:lstStyle/>
+          <a:p>
+            <a:pPr algn="ctr"/>
+            <a:r>
+              <a:rPr lang="en-AU" sz="1400" dirty="0" smtClean="0"/>
+              <a:t>On Load</a:t>
+            </a:r>
+            <a:endParaRPr lang="en-AU" sz="1400" dirty="0"/>
+          </a:p>
+        </p:txBody>
+      </p:sp>
+      <p:sp>
+        <p:nvSpPr>
+          <p:cNvPr id="29" name="Round Diagonal Corner Rectangle 28"/>
+          <p:cNvSpPr/>
+          <p:nvPr/>
+        </p:nvSpPr>
+        <p:spPr>
+          <a:xfrm>
+            <a:off x="6907732" y="3807452"/>
+            <a:ext cx="1296144" cy="324036"/>
+          </a:xfrm>
+          <a:prstGeom prst="round2DiagRect">
+            <a:avLst/>
+          </a:prstGeom>
+        </p:spPr>
+        <p:style>
+          <a:lnRef idx="2">
+            <a:schemeClr val="accent2"/>
+          </a:lnRef>
+          <a:fillRef idx="1">
+            <a:schemeClr val="lt1"/>
+          </a:fillRef>
+          <a:effectRef idx="0">
+            <a:schemeClr val="accent2"/>
+          </a:effectRef>
+          <a:fontRef idx="minor">
+            <a:schemeClr val="dk1"/>
+          </a:fontRef>
+        </p:style>
+        <p:txBody>
+          <a:bodyPr rtlCol="0" anchor="ctr"/>
+          <a:lstStyle/>
+          <a:p>
+            <a:pPr algn="ctr"/>
+            <a:r>
+              <a:rPr lang="en-AU" sz="1400" dirty="0" smtClean="0"/>
+              <a:t>Loaded</a:t>
+            </a:r>
+            <a:endParaRPr lang="en-AU" sz="1400" dirty="0"/>
+          </a:p>
+        </p:txBody>
+      </p:sp>
+      <p:sp>
+        <p:nvSpPr>
+          <p:cNvPr id="30" name="Round Diagonal Corner Rectangle 29"/>
+          <p:cNvSpPr/>
+          <p:nvPr/>
+        </p:nvSpPr>
+        <p:spPr>
+          <a:xfrm>
+            <a:off x="6913908" y="5345528"/>
+            <a:ext cx="1296144" cy="324036"/>
+          </a:xfrm>
+          <a:prstGeom prst="round2DiagRect">
+            <a:avLst/>
+          </a:prstGeom>
+        </p:spPr>
+        <p:style>
+          <a:lnRef idx="2">
+            <a:schemeClr val="accent2"/>
+          </a:lnRef>
+          <a:fillRef idx="1">
+            <a:schemeClr val="lt1"/>
+          </a:fillRef>
+          <a:effectRef idx="0">
+            <a:schemeClr val="accent2"/>
+          </a:effectRef>
+          <a:fontRef idx="minor">
+            <a:schemeClr val="dk1"/>
+          </a:fontRef>
+        </p:style>
+        <p:txBody>
+          <a:bodyPr rtlCol="0" anchor="ctr"/>
+          <a:lstStyle/>
+          <a:p>
+            <a:pPr algn="ctr"/>
+            <a:r>
+              <a:rPr lang="en-AU" sz="1400" dirty="0" smtClean="0"/>
+              <a:t>On Delete</a:t>
+            </a:r>
+            <a:endParaRPr lang="en-AU" sz="1400" dirty="0"/>
+          </a:p>
+        </p:txBody>
+      </p:sp>
+      <p:sp>
+        <p:nvSpPr>
+          <p:cNvPr id="31" name="Round Diagonal Corner Rectangle 30"/>
+          <p:cNvSpPr/>
+          <p:nvPr/>
+        </p:nvSpPr>
+        <p:spPr>
+          <a:xfrm>
+            <a:off x="6937100" y="5837740"/>
+            <a:ext cx="1296144" cy="324036"/>
+          </a:xfrm>
+          <a:prstGeom prst="round2DiagRect">
+            <a:avLst/>
+          </a:prstGeom>
+        </p:spPr>
+        <p:style>
+          <a:lnRef idx="2">
+            <a:schemeClr val="accent2"/>
+          </a:lnRef>
+          <a:fillRef idx="1">
+            <a:schemeClr val="lt1"/>
+          </a:fillRef>
+          <a:effectRef idx="0">
+            <a:schemeClr val="accent2"/>
+          </a:effectRef>
+          <a:fontRef idx="minor">
+            <a:schemeClr val="dk1"/>
+          </a:fontRef>
+        </p:style>
+        <p:txBody>
+          <a:bodyPr rtlCol="0" anchor="ctr"/>
+          <a:lstStyle/>
+          <a:p>
+            <a:pPr algn="ctr"/>
+            <a:r>
+              <a:rPr lang="en-AU" sz="1400" dirty="0" smtClean="0"/>
+              <a:t>Deleted</a:t>
+            </a:r>
+            <a:endParaRPr lang="en-AU" sz="1400" dirty="0"/>
+          </a:p>
+        </p:txBody>
+      </p:sp>
+      <p:sp>
+        <p:nvSpPr>
+          <p:cNvPr id="14" name="Rounded Rectangle 13"/>
+          <p:cNvSpPr/>
+          <p:nvPr/>
+        </p:nvSpPr>
+        <p:spPr>
+          <a:xfrm>
+            <a:off x="2339752" y="1412776"/>
+            <a:ext cx="3888432" cy="871408"/>
+          </a:xfrm>
+          <a:prstGeom prst="roundRect">
+            <a:avLst/>
+          </a:prstGeom>
+        </p:spPr>
+        <p:style>
+          <a:lnRef idx="2">
+            <a:schemeClr val="accent6"/>
+          </a:lnRef>
+          <a:fillRef idx="1">
+            <a:schemeClr val="lt1"/>
+          </a:fillRef>
+          <a:effectRef idx="0">
+            <a:schemeClr val="accent6"/>
+          </a:effectRef>
+          <a:fontRef idx="minor">
+            <a:schemeClr val="dk1"/>
+          </a:fontRef>
+        </p:style>
+        <p:txBody>
+          <a:bodyPr rtlCol="0" anchor="ctr"/>
+          <a:lstStyle/>
+          <a:p>
+            <a:pPr algn="ctr"/>
+            <a:endParaRPr lang="en-AU"/>
+          </a:p>
+        </p:txBody>
+      </p:sp>
+      <p:sp>
+        <p:nvSpPr>
+          <p:cNvPr id="18" name="Down Arrow 17"/>
+          <p:cNvSpPr/>
+          <p:nvPr/>
+        </p:nvSpPr>
+        <p:spPr>
+          <a:xfrm>
+            <a:off x="3941805" y="2592084"/>
+            <a:ext cx="792088" cy="954457"/>
+          </a:xfrm>
+          <a:prstGeom prst="downArrow">
+            <a:avLst/>
+          </a:prstGeom>
+        </p:spPr>
+        <p:style>
+          <a:lnRef idx="0">
+            <a:schemeClr val="accent6"/>
+          </a:lnRef>
+          <a:fillRef idx="3">
+            <a:schemeClr val="accent6"/>
+          </a:fillRef>
+          <a:effectRef idx="3">
+            <a:schemeClr val="accent6"/>
+          </a:effectRef>
+          <a:fontRef idx="minor">
+            <a:schemeClr val="lt1"/>
+          </a:fontRef>
+        </p:style>
+        <p:txBody>
+          <a:bodyPr rtlCol="0" anchor="ctr"/>
+          <a:lstStyle/>
+          <a:p>
+            <a:pPr algn="ctr"/>
+            <a:endParaRPr lang="en-AU"/>
+          </a:p>
+        </p:txBody>
+      </p:sp>
+      <p:cxnSp>
+        <p:nvCxnSpPr>
+          <p:cNvPr id="42" name="Straight Arrow Connector 41"/>
+          <p:cNvCxnSpPr>
+            <a:endCxn id="18" idx="0"/>
+          </p:cNvCxnSpPr>
+          <p:nvPr/>
+        </p:nvCxnSpPr>
+        <p:spPr>
+          <a:xfrm>
+            <a:off x="4337849" y="2055584"/>
+            <a:ext cx="0" cy="536500"/>
+          </a:xfrm>
+          <a:prstGeom prst="straightConnector1">
+            <a:avLst/>
+          </a:prstGeom>
+          <a:ln>
+            <a:tailEnd type="arrow"/>
+          </a:ln>
+        </p:spPr>
+        <p:style>
+          <a:lnRef idx="2">
+            <a:schemeClr val="accent6"/>
+          </a:lnRef>
+          <a:fillRef idx="0">
+            <a:schemeClr val="accent6"/>
+          </a:fillRef>
+          <a:effectRef idx="1">
+            <a:schemeClr val="accent6"/>
+          </a:effectRef>
+          <a:fontRef idx="minor">
+            <a:schemeClr val="tx1"/>
+          </a:fontRef>
+        </p:style>
+      </p:cxnSp>
+      <p:sp>
+        <p:nvSpPr>
+          <p:cNvPr id="49" name="Oval 48"/>
+          <p:cNvSpPr/>
+          <p:nvPr/>
+        </p:nvSpPr>
+        <p:spPr>
+          <a:xfrm>
+            <a:off x="2772723" y="3589152"/>
+            <a:ext cx="3130252" cy="647204"/>
+          </a:xfrm>
+          <a:prstGeom prst="ellipse">
+            <a:avLst/>
+          </a:prstGeom>
+        </p:spPr>
+        <p:style>
+          <a:lnRef idx="0">
+            <a:schemeClr val="accent6"/>
+          </a:lnRef>
+          <a:fillRef idx="3">
+            <a:schemeClr val="accent6"/>
+          </a:fillRef>
+          <a:effectRef idx="3">
+            <a:schemeClr val="accent6"/>
+          </a:effectRef>
+          <a:fontRef idx="minor">
+            <a:schemeClr val="lt1"/>
+          </a:fontRef>
+        </p:style>
+        <p:txBody>
+          <a:bodyPr rtlCol="0" anchor="ctr"/>
+          <a:lstStyle/>
+          <a:p>
+            <a:pPr algn="ctr"/>
+            <a:r>
+              <a:rPr lang="en-AU" dirty="0" smtClean="0"/>
+              <a:t>Read from </a:t>
+            </a:r>
+            <a:r>
+              <a:rPr lang="en-AU" dirty="0" err="1" smtClean="0"/>
+              <a:t>MongoDB</a:t>
+            </a:r>
+            <a:endParaRPr lang="en-AU" dirty="0"/>
+          </a:p>
+        </p:txBody>
+      </p:sp>
+      <p:sp>
+        <p:nvSpPr>
+          <p:cNvPr id="51" name="Down Arrow 50"/>
+          <p:cNvSpPr/>
+          <p:nvPr/>
+        </p:nvSpPr>
+        <p:spPr>
+          <a:xfrm>
+            <a:off x="3941805" y="4346494"/>
+            <a:ext cx="792088" cy="1161052"/>
+          </a:xfrm>
+          <a:prstGeom prst="downArrow">
+            <a:avLst/>
+          </a:prstGeom>
+        </p:spPr>
+        <p:style>
+          <a:lnRef idx="0">
+            <a:schemeClr val="accent6"/>
+          </a:lnRef>
+          <a:fillRef idx="3">
+            <a:schemeClr val="accent6"/>
+          </a:fillRef>
+          <a:effectRef idx="3">
+            <a:schemeClr val="accent6"/>
+          </a:effectRef>
+          <a:fontRef idx="minor">
+            <a:schemeClr val="lt1"/>
+          </a:fontRef>
+        </p:style>
+        <p:txBody>
+          <a:bodyPr rtlCol="0" anchor="ctr"/>
+          <a:lstStyle/>
+          <a:p>
+            <a:pPr algn="ctr"/>
+            <a:endParaRPr lang="en-AU"/>
+          </a:p>
+        </p:txBody>
+      </p:sp>
+      <p:pic>
+        <p:nvPicPr>
+          <p:cNvPr id="2050" name="Picture 2" descr="C:\Users\luog\Desktop\ScreenHunter_04 Nov. 04 06.46.jpg"/>
+          <p:cNvPicPr>
+            <a:picLocks noChangeAspect="1" noChangeArrowheads="1"/>
+          </p:cNvPicPr>
+          <p:nvPr/>
+        </p:nvPicPr>
+        <p:blipFill>
+          <a:blip r:embed="rId2">
+            <a:extLst>
+              <a:ext uri="{28A0092B-C50C-407E-A947-70E740481C1C}">
+                <a14:useLocalDpi xmlns:a14="http://schemas.microsoft.com/office/drawing/2010/main" val="0"/>
+              </a:ext>
+            </a:extLst>
+          </a:blip>
+          <a:srcRect/>
+          <a:stretch>
+            <a:fillRect/>
+          </a:stretch>
+        </p:blipFill>
+        <p:spPr bwMode="auto">
+          <a:xfrm>
+            <a:off x="2523512" y="1614340"/>
+            <a:ext cx="3572653" cy="441244"/>
+          </a:xfrm>
+          <a:prstGeom prst="rect">
+            <a:avLst/>
+          </a:prstGeom>
+          <a:noFill/>
+          <a:extLst>
+            <a:ext uri="{909E8E84-426E-40DD-AFC4-6F175D3DCCD1}">
+              <a14:hiddenFill xmlns:a14="http://schemas.microsoft.com/office/drawing/2010/main">
+                <a:solidFill>
+                  <a:srgbClr val="FFFFFF"/>
+                </a:solidFill>
+              </a14:hiddenFill>
+            </a:ext>
+          </a:extLst>
+        </p:spPr>
+      </p:pic>
+      <p:grpSp>
+        <p:nvGrpSpPr>
+          <p:cNvPr id="38" name="Group 37"/>
+          <p:cNvGrpSpPr/>
+          <p:nvPr/>
+        </p:nvGrpSpPr>
+        <p:grpSpPr>
+          <a:xfrm>
+            <a:off x="467544" y="2720974"/>
+            <a:ext cx="1584176" cy="3113774"/>
+            <a:chOff x="467544" y="2720974"/>
+            <a:chExt cx="1584176" cy="3113774"/>
+          </a:xfrm>
+        </p:grpSpPr>
+        <p:sp>
+          <p:nvSpPr>
+            <p:cNvPr id="39" name="Rounded Rectangle 38"/>
+            <p:cNvSpPr/>
+            <p:nvPr/>
+          </p:nvSpPr>
+          <p:spPr>
+            <a:xfrm>
+              <a:off x="467544" y="2720974"/>
+              <a:ext cx="1584176" cy="3113774"/>
+            </a:xfrm>
+            <a:prstGeom prst="roundRect">
+              <a:avLst/>
+            </a:prstGeom>
+          </p:spPr>
+          <p:style>
+            <a:lnRef idx="1">
+              <a:schemeClr val="accent2"/>
+            </a:lnRef>
+            <a:fillRef idx="2">
+              <a:schemeClr val="accent2"/>
+            </a:fillRef>
+            <a:effectRef idx="1">
+              <a:schemeClr val="accent2"/>
+            </a:effectRef>
+            <a:fontRef idx="minor">
+              <a:schemeClr val="dk1"/>
+            </a:fontRef>
+          </p:style>
+          <p:txBody>
+            <a:bodyPr rtlCol="0" anchor="t"/>
+            <a:lstStyle/>
+            <a:p>
+              <a:pPr algn="ctr"/>
+              <a:r>
+                <a:rPr lang="en-AU" sz="1400" dirty="0" smtClean="0"/>
+                <a:t>Morphia Events</a:t>
+              </a:r>
+              <a:endParaRPr lang="en-AU" sz="1400" dirty="0"/>
+            </a:p>
+          </p:txBody>
+        </p:sp>
+        <p:sp>
+          <p:nvSpPr>
+            <p:cNvPr id="40" name="Snip Diagonal Corner Rectangle 39"/>
+            <p:cNvSpPr/>
+            <p:nvPr/>
+          </p:nvSpPr>
+          <p:spPr>
+            <a:xfrm>
+              <a:off x="736824" y="4772532"/>
+              <a:ext cx="1098872" cy="360040"/>
+            </a:xfrm>
+            <a:prstGeom prst="snip2DiagRect">
+              <a:avLst/>
+            </a:prstGeom>
+          </p:spPr>
+          <p:style>
+            <a:lnRef idx="2">
+              <a:schemeClr val="accent1"/>
+            </a:lnRef>
+            <a:fillRef idx="1">
+              <a:schemeClr val="lt1"/>
+            </a:fillRef>
+            <a:effectRef idx="0">
+              <a:schemeClr val="accent1"/>
+            </a:effectRef>
+            <a:fontRef idx="minor">
+              <a:schemeClr val="dk1"/>
+            </a:fontRef>
+          </p:style>
+          <p:txBody>
+            <a:bodyPr rtlCol="0" anchor="ctr"/>
+            <a:lstStyle/>
+            <a:p>
+              <a:pPr algn="ctr"/>
+              <a:r>
+                <a:rPr lang="en-AU" sz="1400" dirty="0" smtClean="0"/>
+                <a:t>Pre Save</a:t>
+              </a:r>
+              <a:endParaRPr lang="en-AU" sz="1400" dirty="0"/>
+            </a:p>
+          </p:txBody>
+        </p:sp>
+        <p:sp>
+          <p:nvSpPr>
+            <p:cNvPr id="41" name="Snip Diagonal Corner Rectangle 40"/>
+            <p:cNvSpPr/>
+            <p:nvPr/>
+          </p:nvSpPr>
+          <p:spPr>
+            <a:xfrm>
+              <a:off x="736824" y="4243855"/>
+              <a:ext cx="1098872" cy="360040"/>
+            </a:xfrm>
+            <a:prstGeom prst="snip2DiagRect">
+              <a:avLst/>
+            </a:prstGeom>
+          </p:spPr>
+          <p:style>
+            <a:lnRef idx="2">
+              <a:schemeClr val="accent1"/>
+            </a:lnRef>
+            <a:fillRef idx="1">
+              <a:schemeClr val="lt1"/>
+            </a:fillRef>
+            <a:effectRef idx="0">
+              <a:schemeClr val="accent1"/>
+            </a:effectRef>
+            <a:fontRef idx="minor">
+              <a:schemeClr val="dk1"/>
+            </a:fontRef>
+          </p:style>
+          <p:txBody>
+            <a:bodyPr rtlCol="0" anchor="ctr"/>
+            <a:lstStyle/>
+            <a:p>
+              <a:pPr algn="ctr"/>
+              <a:r>
+                <a:rPr lang="en-AU" sz="1400" dirty="0" smtClean="0"/>
+                <a:t>Pre Persist</a:t>
+              </a:r>
+              <a:endParaRPr lang="en-AU" sz="1400" dirty="0"/>
+            </a:p>
+          </p:txBody>
+        </p:sp>
+        <p:sp>
+          <p:nvSpPr>
+            <p:cNvPr id="43" name="Snip Diagonal Corner Rectangle 42"/>
+            <p:cNvSpPr/>
+            <p:nvPr/>
+          </p:nvSpPr>
+          <p:spPr>
+            <a:xfrm>
+              <a:off x="736824" y="5301208"/>
+              <a:ext cx="1098872" cy="360040"/>
+            </a:xfrm>
+            <a:prstGeom prst="snip2DiagRect">
+              <a:avLst/>
+            </a:prstGeom>
+          </p:spPr>
+          <p:style>
+            <a:lnRef idx="2">
+              <a:schemeClr val="accent1"/>
+            </a:lnRef>
+            <a:fillRef idx="1">
+              <a:schemeClr val="lt1"/>
+            </a:fillRef>
+            <a:effectRef idx="0">
+              <a:schemeClr val="accent1"/>
+            </a:effectRef>
+            <a:fontRef idx="minor">
+              <a:schemeClr val="dk1"/>
+            </a:fontRef>
+          </p:style>
+          <p:txBody>
+            <a:bodyPr rtlCol="0" anchor="ctr"/>
+            <a:lstStyle/>
+            <a:p>
+              <a:pPr algn="ctr"/>
+              <a:r>
+                <a:rPr lang="en-AU" sz="1400" dirty="0" smtClean="0"/>
+                <a:t>Post Persist</a:t>
+              </a:r>
+              <a:endParaRPr lang="en-AU" sz="1400" dirty="0"/>
+            </a:p>
+          </p:txBody>
+        </p:sp>
+        <p:sp>
+          <p:nvSpPr>
+            <p:cNvPr id="45" name="Snip Diagonal Corner Rectangle 44"/>
+            <p:cNvSpPr/>
+            <p:nvPr/>
+          </p:nvSpPr>
+          <p:spPr>
+            <a:xfrm>
+              <a:off x="736824" y="3186501"/>
+              <a:ext cx="1098872" cy="360040"/>
+            </a:xfrm>
+            <a:prstGeom prst="snip2DiagRect">
+              <a:avLst/>
+            </a:prstGeom>
+          </p:spPr>
+          <p:style>
+            <a:lnRef idx="2">
+              <a:schemeClr val="accent1"/>
+            </a:lnRef>
+            <a:fillRef idx="1">
+              <a:schemeClr val="lt1"/>
+            </a:fillRef>
+            <a:effectRef idx="0">
+              <a:schemeClr val="accent1"/>
+            </a:effectRef>
+            <a:fontRef idx="minor">
+              <a:schemeClr val="dk1"/>
+            </a:fontRef>
+          </p:style>
+          <p:txBody>
+            <a:bodyPr rtlCol="0" anchor="ctr"/>
+            <a:lstStyle/>
+            <a:p>
+              <a:pPr algn="ctr"/>
+              <a:r>
+                <a:rPr lang="en-AU" sz="1400" dirty="0" smtClean="0"/>
+                <a:t>Pre </a:t>
+              </a:r>
+              <a:r>
+                <a:rPr lang="en-AU" sz="1400" dirty="0" smtClean="0"/>
+                <a:t>Load</a:t>
+              </a:r>
+              <a:endParaRPr lang="en-AU" sz="1400" dirty="0"/>
+            </a:p>
+          </p:txBody>
+        </p:sp>
+        <p:sp>
+          <p:nvSpPr>
+            <p:cNvPr id="46" name="Snip Diagonal Corner Rectangle 45"/>
+            <p:cNvSpPr/>
+            <p:nvPr/>
+          </p:nvSpPr>
+          <p:spPr>
+            <a:xfrm>
+              <a:off x="736824" y="3715178"/>
+              <a:ext cx="1098872" cy="360040"/>
+            </a:xfrm>
+            <a:prstGeom prst="snip2DiagRect">
+              <a:avLst/>
+            </a:prstGeom>
+          </p:spPr>
+          <p:style>
+            <a:lnRef idx="2">
+              <a:schemeClr val="accent1"/>
+            </a:lnRef>
+            <a:fillRef idx="1">
+              <a:schemeClr val="lt1"/>
+            </a:fillRef>
+            <a:effectRef idx="0">
+              <a:schemeClr val="accent1"/>
+            </a:effectRef>
+            <a:fontRef idx="minor">
+              <a:schemeClr val="dk1"/>
+            </a:fontRef>
+          </p:style>
+          <p:txBody>
+            <a:bodyPr rtlCol="0" anchor="ctr"/>
+            <a:lstStyle/>
+            <a:p>
+              <a:pPr algn="ctr"/>
+              <a:r>
+                <a:rPr lang="en-AU" sz="1400" dirty="0" smtClean="0"/>
+                <a:t>Post Load</a:t>
+              </a:r>
+              <a:endParaRPr lang="en-AU" sz="1400" dirty="0"/>
+            </a:p>
+          </p:txBody>
+        </p:sp>
+      </p:grpSp>
+      <p:cxnSp>
+        <p:nvCxnSpPr>
+          <p:cNvPr id="17" name="Elbow Connector 16"/>
+          <p:cNvCxnSpPr>
+            <a:stCxn id="45" idx="0"/>
+          </p:cNvCxnSpPr>
+          <p:nvPr/>
+        </p:nvCxnSpPr>
+        <p:spPr>
+          <a:xfrm flipV="1">
+            <a:off x="1835696" y="2788240"/>
+            <a:ext cx="2304256" cy="578281"/>
+          </a:xfrm>
+          <a:prstGeom prst="bentConnector3">
+            <a:avLst/>
+          </a:prstGeom>
+          <a:ln>
+            <a:tailEnd type="arrow"/>
+          </a:ln>
+        </p:spPr>
+        <p:style>
+          <a:lnRef idx="2">
+            <a:schemeClr val="accent2"/>
+          </a:lnRef>
+          <a:fillRef idx="0">
+            <a:schemeClr val="accent2"/>
+          </a:fillRef>
+          <a:effectRef idx="1">
+            <a:schemeClr val="accent2"/>
+          </a:effectRef>
+          <a:fontRef idx="minor">
+            <a:schemeClr val="tx1"/>
+          </a:fontRef>
+        </p:style>
+      </p:cxnSp>
+      <p:cxnSp>
+        <p:nvCxnSpPr>
+          <p:cNvPr id="20" name="Elbow Connector 19"/>
+          <p:cNvCxnSpPr>
+            <a:stCxn id="46" idx="0"/>
+            <a:endCxn id="51" idx="1"/>
+          </p:cNvCxnSpPr>
+          <p:nvPr/>
+        </p:nvCxnSpPr>
+        <p:spPr>
+          <a:xfrm>
+            <a:off x="1835696" y="3895198"/>
+            <a:ext cx="2106109" cy="1216304"/>
+          </a:xfrm>
+          <a:prstGeom prst="bentConnector3">
+            <a:avLst>
+              <a:gd name="adj1" fmla="val 37337"/>
+            </a:avLst>
+          </a:prstGeom>
+          <a:ln>
+            <a:tailEnd type="arrow"/>
+          </a:ln>
+        </p:spPr>
+        <p:style>
+          <a:lnRef idx="2">
+            <a:schemeClr val="accent2"/>
+          </a:lnRef>
+          <a:fillRef idx="0">
+            <a:schemeClr val="accent2"/>
+          </a:fillRef>
+          <a:effectRef idx="1">
+            <a:schemeClr val="accent2"/>
+          </a:effectRef>
+          <a:fontRef idx="minor">
+            <a:schemeClr val="tx1"/>
+          </a:fontRef>
+        </p:style>
+      </p:cxnSp>
+      <p:cxnSp>
+        <p:nvCxnSpPr>
+          <p:cNvPr id="52" name="Elbow Connector 51"/>
+          <p:cNvCxnSpPr>
+            <a:stCxn id="28" idx="2"/>
+          </p:cNvCxnSpPr>
+          <p:nvPr/>
+        </p:nvCxnSpPr>
+        <p:spPr>
+          <a:xfrm rot="10800000">
+            <a:off x="4499992" y="2788241"/>
+            <a:ext cx="2407740" cy="671945"/>
+          </a:xfrm>
+          <a:prstGeom prst="bentConnector3">
+            <a:avLst/>
+          </a:prstGeom>
+          <a:ln>
+            <a:tailEnd type="arrow"/>
+          </a:ln>
+        </p:spPr>
+        <p:style>
+          <a:lnRef idx="2">
+            <a:schemeClr val="accent3"/>
+          </a:lnRef>
+          <a:fillRef idx="0">
+            <a:schemeClr val="accent3"/>
+          </a:fillRef>
+          <a:effectRef idx="1">
+            <a:schemeClr val="accent3"/>
+          </a:effectRef>
+          <a:fontRef idx="minor">
+            <a:schemeClr val="tx1"/>
+          </a:fontRef>
+        </p:style>
+      </p:cxnSp>
+      <p:cxnSp>
+        <p:nvCxnSpPr>
+          <p:cNvPr id="61" name="Elbow Connector 60"/>
+          <p:cNvCxnSpPr>
+            <a:stCxn id="29" idx="2"/>
+            <a:endCxn id="51" idx="3"/>
+          </p:cNvCxnSpPr>
+          <p:nvPr/>
+        </p:nvCxnSpPr>
+        <p:spPr>
+          <a:xfrm rot="10800000" flipV="1">
+            <a:off x="4733894" y="3969470"/>
+            <a:ext cx="2173839" cy="1142032"/>
+          </a:xfrm>
+          <a:prstGeom prst="bentConnector3">
+            <a:avLst>
+              <a:gd name="adj1" fmla="val 37147"/>
+            </a:avLst>
+          </a:prstGeom>
+          <a:ln>
+            <a:tailEnd type="arrow"/>
+          </a:ln>
+        </p:spPr>
+        <p:style>
+          <a:lnRef idx="2">
+            <a:schemeClr val="accent3"/>
+          </a:lnRef>
+          <a:fillRef idx="0">
+            <a:schemeClr val="accent3"/>
+          </a:fillRef>
+          <a:effectRef idx="1">
+            <a:schemeClr val="accent3"/>
+          </a:effectRef>
+          <a:fontRef idx="minor">
+            <a:schemeClr val="tx1"/>
+          </a:fontRef>
+        </p:style>
+      </p:cxnSp>
+      <p:cxnSp>
+        <p:nvCxnSpPr>
+          <p:cNvPr id="36" name="Straight Connector 35"/>
+          <p:cNvCxnSpPr/>
+          <p:nvPr/>
+        </p:nvCxnSpPr>
+        <p:spPr>
+          <a:xfrm>
+            <a:off x="2585496" y="1988840"/>
+            <a:ext cx="3504707" cy="0"/>
+          </a:xfrm>
+          <a:prstGeom prst="line">
+            <a:avLst/>
+          </a:prstGeom>
+        </p:spPr>
+        <p:style>
+          <a:lnRef idx="2">
+            <a:schemeClr val="accent6"/>
+          </a:lnRef>
+          <a:fillRef idx="0">
+            <a:schemeClr val="accent6"/>
+          </a:fillRef>
+          <a:effectRef idx="1">
+            <a:schemeClr val="accent6"/>
+          </a:effectRef>
+          <a:fontRef idx="minor">
+            <a:schemeClr val="tx1"/>
+          </a:fontRef>
+        </p:style>
+      </p:cxnSp>
+    </p:spTree>
+    <p:extLst>
+      <p:ext uri="{BB962C8B-B14F-4D97-AF65-F5344CB8AC3E}">
+        <p14:creationId xmlns:p14="http://schemas.microsoft.com/office/powerpoint/2010/main" val="4278799478"/>
+      </p:ext>
+    </p:extLst>
+  </p:cSld>
+  <p:clrMapOvr>
+    <a:masterClrMapping/>
+  </p:clrMapOvr>
+  <p:timing>
+    <p:tnLst>
+      <p:par>
+        <p:cTn id="1" dur="indefinite" restart="never" nodeType="tmRoot"/>
+      </p:par>
+    </p:tnLst>
+  </p:timing>
+</p:sld>
+</file>
+
+<file path=ppt/slides/slide9.xml><?xml version="1.0" encoding="utf-8"?>
+<p:sld xmlns:a="http://schemas.openxmlformats.org/drawingml/2006/main" xmlns:r="http://schemas.openxmlformats.org/officeDocument/2006/relationships" xmlns:p="http://schemas.openxmlformats.org/presentationml/2006/main">
+  <p:cSld>
+    <p:spTree>
+      <p:nvGrpSpPr>
+        <p:cNvPr id="1" name=""/>
+        <p:cNvGrpSpPr/>
+        <p:nvPr/>
+      </p:nvGrpSpPr>
+      <p:grpSpPr>
+        <a:xfrm>
+          <a:off x="0" y="0"/>
+          <a:ext cx="0" cy="0"/>
+          <a:chOff x="0" y="0"/>
+          <a:chExt cx="0" cy="0"/>
+        </a:xfrm>
+      </p:grpSpPr>
+      <p:sp>
+        <p:nvSpPr>
+          <p:cNvPr id="2" name="Title 1"/>
+          <p:cNvSpPr>
+            <a:spLocks noGrp="1"/>
+          </p:cNvSpPr>
+          <p:nvPr>
+            <p:ph type="title"/>
+          </p:nvPr>
+        </p:nvSpPr>
+        <p:spPr/>
+        <p:txBody>
+          <a:bodyPr/>
+          <a:lstStyle/>
+          <a:p>
+            <a:r>
+              <a:rPr lang="en-AU" dirty="0" smtClean="0"/>
+              <a:t>Model </a:t>
+            </a:r>
+            <a:r>
+              <a:rPr lang="en-AU" dirty="0" smtClean="0"/>
+              <a:t>lifecycle - Delete</a:t>
+            </a:r>
+            <a:endParaRPr lang="en-AU" dirty="0"/>
+          </a:p>
+        </p:txBody>
+      </p:sp>
+      <p:sp>
+        <p:nvSpPr>
+          <p:cNvPr id="5" name="Rounded Rectangle 4"/>
+          <p:cNvSpPr/>
+          <p:nvPr/>
+        </p:nvSpPr>
+        <p:spPr>
+          <a:xfrm>
+            <a:off x="6619700" y="1683216"/>
+            <a:ext cx="1872208" cy="4896544"/>
+          </a:xfrm>
+          <a:prstGeom prst="roundRect">
+            <a:avLst/>
+          </a:prstGeom>
+        </p:spPr>
+        <p:style>
+          <a:lnRef idx="1">
+            <a:schemeClr val="accent3"/>
+          </a:lnRef>
+          <a:fillRef idx="2">
+            <a:schemeClr val="accent3"/>
+          </a:fillRef>
+          <a:effectRef idx="1">
+            <a:schemeClr val="accent3"/>
+          </a:effectRef>
+          <a:fontRef idx="minor">
+            <a:schemeClr val="dk1"/>
+          </a:fontRef>
+        </p:style>
+        <p:txBody>
+          <a:bodyPr rtlCol="0" anchor="t"/>
+          <a:lstStyle/>
+          <a:p>
+            <a:pPr algn="ctr"/>
+            <a:r>
+              <a:rPr lang="en-AU" sz="1400" dirty="0" err="1" smtClean="0"/>
+              <a:t>PlayMorphia</a:t>
+            </a:r>
+            <a:r>
+              <a:rPr lang="en-AU" sz="1400" dirty="0" smtClean="0"/>
+              <a:t> Events</a:t>
+            </a:r>
+            <a:endParaRPr lang="en-AU" sz="1400" dirty="0"/>
+          </a:p>
+        </p:txBody>
+      </p:sp>
+      <p:sp>
+        <p:nvSpPr>
+          <p:cNvPr id="24" name="Round Diagonal Corner Rectangle 23"/>
+          <p:cNvSpPr/>
+          <p:nvPr/>
+        </p:nvSpPr>
+        <p:spPr>
+          <a:xfrm>
+            <a:off x="6907732" y="2284184"/>
+            <a:ext cx="1296144" cy="324036"/>
+          </a:xfrm>
+          <a:prstGeom prst="round2DiagRect">
+            <a:avLst/>
+          </a:prstGeom>
+        </p:spPr>
+        <p:style>
+          <a:lnRef idx="2">
+            <a:schemeClr val="accent2"/>
+          </a:lnRef>
+          <a:fillRef idx="1">
+            <a:schemeClr val="lt1"/>
+          </a:fillRef>
+          <a:effectRef idx="0">
+            <a:schemeClr val="accent2"/>
+          </a:effectRef>
+          <a:fontRef idx="minor">
+            <a:schemeClr val="dk1"/>
+          </a:fontRef>
+        </p:style>
+        <p:txBody>
+          <a:bodyPr rtlCol="0" anchor="ctr"/>
+          <a:lstStyle/>
+          <a:p>
+            <a:pPr algn="ctr"/>
+            <a:r>
+              <a:rPr lang="en-AU" sz="1400" dirty="0" smtClean="0"/>
+              <a:t>On Add</a:t>
+            </a:r>
+            <a:endParaRPr lang="en-AU" sz="1400" dirty="0"/>
+          </a:p>
+        </p:txBody>
+      </p:sp>
+      <p:sp>
+        <p:nvSpPr>
+          <p:cNvPr id="25" name="Round Diagonal Corner Rectangle 24"/>
+          <p:cNvSpPr/>
+          <p:nvPr/>
+        </p:nvSpPr>
+        <p:spPr>
+          <a:xfrm>
+            <a:off x="6913908" y="2788240"/>
+            <a:ext cx="1296144" cy="324036"/>
+          </a:xfrm>
+          <a:prstGeom prst="round2DiagRect">
+            <a:avLst/>
+          </a:prstGeom>
+        </p:spPr>
+        <p:style>
+          <a:lnRef idx="2">
+            <a:schemeClr val="accent2"/>
+          </a:lnRef>
+          <a:fillRef idx="1">
+            <a:schemeClr val="lt1"/>
+          </a:fillRef>
+          <a:effectRef idx="0">
+            <a:schemeClr val="accent2"/>
+          </a:effectRef>
+          <a:fontRef idx="minor">
+            <a:schemeClr val="dk1"/>
+          </a:fontRef>
+        </p:style>
+        <p:txBody>
+          <a:bodyPr rtlCol="0" anchor="ctr"/>
+          <a:lstStyle/>
+          <a:p>
+            <a:pPr algn="ctr"/>
+            <a:r>
+              <a:rPr lang="en-AU" sz="1400" dirty="0" smtClean="0"/>
+              <a:t>Added</a:t>
+            </a:r>
+            <a:endParaRPr lang="en-AU" sz="1400" dirty="0"/>
+          </a:p>
+        </p:txBody>
+      </p:sp>
+      <p:sp>
+        <p:nvSpPr>
+          <p:cNvPr id="26" name="Round Diagonal Corner Rectangle 25"/>
+          <p:cNvSpPr/>
+          <p:nvPr/>
+        </p:nvSpPr>
+        <p:spPr>
+          <a:xfrm>
+            <a:off x="6937100" y="4292638"/>
+            <a:ext cx="1296144" cy="324036"/>
+          </a:xfrm>
+          <a:prstGeom prst="round2DiagRect">
+            <a:avLst/>
+          </a:prstGeom>
+        </p:spPr>
+        <p:style>
+          <a:lnRef idx="2">
+            <a:schemeClr val="accent2"/>
+          </a:lnRef>
+          <a:fillRef idx="1">
+            <a:schemeClr val="lt1"/>
+          </a:fillRef>
+          <a:effectRef idx="0">
+            <a:schemeClr val="accent2"/>
+          </a:effectRef>
+          <a:fontRef idx="minor">
+            <a:schemeClr val="dk1"/>
+          </a:fontRef>
+        </p:style>
+        <p:txBody>
+          <a:bodyPr rtlCol="0" anchor="ctr"/>
+          <a:lstStyle/>
+          <a:p>
+            <a:pPr algn="ctr"/>
+            <a:r>
+              <a:rPr lang="en-AU" sz="1400" dirty="0" smtClean="0"/>
+              <a:t>On Update</a:t>
+            </a:r>
+            <a:endParaRPr lang="en-AU" sz="1400" dirty="0"/>
+          </a:p>
+        </p:txBody>
+      </p:sp>
+      <p:sp>
+        <p:nvSpPr>
+          <p:cNvPr id="27" name="Round Diagonal Corner Rectangle 26"/>
+          <p:cNvSpPr/>
+          <p:nvPr/>
+        </p:nvSpPr>
+        <p:spPr>
+          <a:xfrm>
+            <a:off x="6939208" y="4811000"/>
+            <a:ext cx="1296144" cy="324036"/>
+          </a:xfrm>
+          <a:prstGeom prst="round2DiagRect">
+            <a:avLst/>
+          </a:prstGeom>
+        </p:spPr>
+        <p:style>
+          <a:lnRef idx="2">
+            <a:schemeClr val="accent2"/>
+          </a:lnRef>
+          <a:fillRef idx="1">
+            <a:schemeClr val="lt1"/>
+          </a:fillRef>
+          <a:effectRef idx="0">
+            <a:schemeClr val="accent2"/>
+          </a:effectRef>
+          <a:fontRef idx="minor">
+            <a:schemeClr val="dk1"/>
+          </a:fontRef>
+        </p:style>
+        <p:txBody>
+          <a:bodyPr rtlCol="0" anchor="ctr"/>
+          <a:lstStyle/>
+          <a:p>
+            <a:pPr algn="ctr"/>
+            <a:r>
+              <a:rPr lang="en-AU" sz="1400" dirty="0" smtClean="0"/>
+              <a:t>Updated</a:t>
+            </a:r>
+            <a:endParaRPr lang="en-AU" sz="1400" dirty="0"/>
+          </a:p>
+        </p:txBody>
+      </p:sp>
+      <p:sp>
+        <p:nvSpPr>
+          <p:cNvPr id="28" name="Round Diagonal Corner Rectangle 27"/>
+          <p:cNvSpPr/>
+          <p:nvPr/>
+        </p:nvSpPr>
+        <p:spPr>
+          <a:xfrm>
+            <a:off x="6907732" y="3298167"/>
+            <a:ext cx="1296144" cy="324036"/>
+          </a:xfrm>
+          <a:prstGeom prst="round2DiagRect">
+            <a:avLst/>
+          </a:prstGeom>
+        </p:spPr>
+        <p:style>
+          <a:lnRef idx="2">
+            <a:schemeClr val="accent2"/>
+          </a:lnRef>
+          <a:fillRef idx="1">
+            <a:schemeClr val="lt1"/>
+          </a:fillRef>
+          <a:effectRef idx="0">
+            <a:schemeClr val="accent2"/>
+          </a:effectRef>
+          <a:fontRef idx="minor">
+            <a:schemeClr val="dk1"/>
+          </a:fontRef>
+        </p:style>
+        <p:txBody>
+          <a:bodyPr rtlCol="0" anchor="ctr"/>
+          <a:lstStyle/>
+          <a:p>
+            <a:pPr algn="ctr"/>
+            <a:r>
+              <a:rPr lang="en-AU" sz="1400" dirty="0" smtClean="0"/>
+              <a:t>On Load</a:t>
+            </a:r>
+            <a:endParaRPr lang="en-AU" sz="1400" dirty="0"/>
+          </a:p>
+        </p:txBody>
+      </p:sp>
+      <p:sp>
+        <p:nvSpPr>
+          <p:cNvPr id="29" name="Round Diagonal Corner Rectangle 28"/>
+          <p:cNvSpPr/>
+          <p:nvPr/>
+        </p:nvSpPr>
+        <p:spPr>
+          <a:xfrm>
+            <a:off x="6907732" y="3807452"/>
+            <a:ext cx="1296144" cy="324036"/>
+          </a:xfrm>
+          <a:prstGeom prst="round2DiagRect">
+            <a:avLst/>
+          </a:prstGeom>
+        </p:spPr>
+        <p:style>
+          <a:lnRef idx="2">
+            <a:schemeClr val="accent2"/>
+          </a:lnRef>
+          <a:fillRef idx="1">
+            <a:schemeClr val="lt1"/>
+          </a:fillRef>
+          <a:effectRef idx="0">
+            <a:schemeClr val="accent2"/>
+          </a:effectRef>
+          <a:fontRef idx="minor">
+            <a:schemeClr val="dk1"/>
+          </a:fontRef>
+        </p:style>
+        <p:txBody>
+          <a:bodyPr rtlCol="0" anchor="ctr"/>
+          <a:lstStyle/>
+          <a:p>
+            <a:pPr algn="ctr"/>
+            <a:r>
+              <a:rPr lang="en-AU" sz="1400" dirty="0" smtClean="0"/>
+              <a:t>Loaded</a:t>
+            </a:r>
+            <a:endParaRPr lang="en-AU" sz="1400" dirty="0"/>
+          </a:p>
+        </p:txBody>
+      </p:sp>
+      <p:sp>
+        <p:nvSpPr>
+          <p:cNvPr id="30" name="Round Diagonal Corner Rectangle 29"/>
+          <p:cNvSpPr/>
+          <p:nvPr/>
+        </p:nvSpPr>
+        <p:spPr>
+          <a:xfrm>
+            <a:off x="6913908" y="5345528"/>
+            <a:ext cx="1296144" cy="324036"/>
+          </a:xfrm>
+          <a:prstGeom prst="round2DiagRect">
+            <a:avLst/>
+          </a:prstGeom>
+        </p:spPr>
+        <p:style>
+          <a:lnRef idx="2">
+            <a:schemeClr val="accent2"/>
+          </a:lnRef>
+          <a:fillRef idx="1">
+            <a:schemeClr val="lt1"/>
+          </a:fillRef>
+          <a:effectRef idx="0">
+            <a:schemeClr val="accent2"/>
+          </a:effectRef>
+          <a:fontRef idx="minor">
+            <a:schemeClr val="dk1"/>
+          </a:fontRef>
+        </p:style>
+        <p:txBody>
+          <a:bodyPr rtlCol="0" anchor="ctr"/>
+          <a:lstStyle/>
+          <a:p>
+            <a:pPr algn="ctr"/>
+            <a:r>
+              <a:rPr lang="en-AU" sz="1400" dirty="0" smtClean="0"/>
+              <a:t>On Delete</a:t>
+            </a:r>
+            <a:endParaRPr lang="en-AU" sz="1400" dirty="0"/>
+          </a:p>
+        </p:txBody>
+      </p:sp>
+      <p:sp>
+        <p:nvSpPr>
+          <p:cNvPr id="31" name="Round Diagonal Corner Rectangle 30"/>
+          <p:cNvSpPr/>
+          <p:nvPr/>
+        </p:nvSpPr>
+        <p:spPr>
+          <a:xfrm>
+            <a:off x="6937100" y="5837740"/>
+            <a:ext cx="1296144" cy="324036"/>
+          </a:xfrm>
+          <a:prstGeom prst="round2DiagRect">
+            <a:avLst/>
+          </a:prstGeom>
+        </p:spPr>
+        <p:style>
+          <a:lnRef idx="2">
+            <a:schemeClr val="accent2"/>
+          </a:lnRef>
+          <a:fillRef idx="1">
+            <a:schemeClr val="lt1"/>
+          </a:fillRef>
+          <a:effectRef idx="0">
+            <a:schemeClr val="accent2"/>
+          </a:effectRef>
+          <a:fontRef idx="minor">
+            <a:schemeClr val="dk1"/>
+          </a:fontRef>
+        </p:style>
+        <p:txBody>
+          <a:bodyPr rtlCol="0" anchor="ctr"/>
+          <a:lstStyle/>
+          <a:p>
+            <a:pPr algn="ctr"/>
+            <a:r>
+              <a:rPr lang="en-AU" sz="1400" dirty="0" smtClean="0"/>
+              <a:t>Deleted</a:t>
+            </a:r>
+            <a:endParaRPr lang="en-AU" sz="1400" dirty="0"/>
+          </a:p>
+        </p:txBody>
+      </p:sp>
+      <p:sp>
+        <p:nvSpPr>
+          <p:cNvPr id="14" name="Rounded Rectangle 13"/>
+          <p:cNvSpPr/>
+          <p:nvPr/>
+        </p:nvSpPr>
+        <p:spPr>
+          <a:xfrm>
+            <a:off x="2339752" y="1431728"/>
+            <a:ext cx="3888432" cy="1014474"/>
+          </a:xfrm>
+          <a:prstGeom prst="roundRect">
+            <a:avLst/>
+          </a:prstGeom>
+        </p:spPr>
+        <p:style>
+          <a:lnRef idx="2">
+            <a:schemeClr val="accent6"/>
+          </a:lnRef>
+          <a:fillRef idx="1">
+            <a:schemeClr val="lt1"/>
+          </a:fillRef>
+          <a:effectRef idx="0">
+            <a:schemeClr val="accent6"/>
+          </a:effectRef>
+          <a:fontRef idx="minor">
+            <a:schemeClr val="dk1"/>
+          </a:fontRef>
+        </p:style>
+        <p:txBody>
+          <a:bodyPr rtlCol="0" anchor="ctr"/>
+          <a:lstStyle/>
+          <a:p>
+            <a:pPr algn="ctr"/>
+            <a:endParaRPr lang="en-AU" dirty="0"/>
+          </a:p>
+        </p:txBody>
+      </p:sp>
+      <p:sp>
+        <p:nvSpPr>
+          <p:cNvPr id="18" name="Down Arrow 17"/>
+          <p:cNvSpPr/>
+          <p:nvPr/>
+        </p:nvSpPr>
+        <p:spPr>
+          <a:xfrm>
+            <a:off x="3941805" y="2795615"/>
+            <a:ext cx="792088" cy="954457"/>
+          </a:xfrm>
+          <a:prstGeom prst="downArrow">
+            <a:avLst/>
+          </a:prstGeom>
+        </p:spPr>
+        <p:style>
+          <a:lnRef idx="0">
+            <a:schemeClr val="accent6"/>
+          </a:lnRef>
+          <a:fillRef idx="3">
+            <a:schemeClr val="accent6"/>
+          </a:fillRef>
+          <a:effectRef idx="3">
+            <a:schemeClr val="accent6"/>
+          </a:effectRef>
+          <a:fontRef idx="minor">
+            <a:schemeClr val="lt1"/>
+          </a:fontRef>
+        </p:style>
+        <p:txBody>
+          <a:bodyPr rtlCol="0" anchor="ctr"/>
+          <a:lstStyle/>
+          <a:p>
+            <a:pPr algn="ctr"/>
+            <a:endParaRPr lang="en-AU"/>
+          </a:p>
+        </p:txBody>
+      </p:sp>
+      <p:cxnSp>
+        <p:nvCxnSpPr>
+          <p:cNvPr id="42" name="Straight Arrow Connector 41"/>
+          <p:cNvCxnSpPr>
+            <a:endCxn id="18" idx="0"/>
+          </p:cNvCxnSpPr>
+          <p:nvPr/>
+        </p:nvCxnSpPr>
+        <p:spPr>
+          <a:xfrm>
+            <a:off x="4337849" y="2284184"/>
+            <a:ext cx="0" cy="511431"/>
+          </a:xfrm>
+          <a:prstGeom prst="straightConnector1">
+            <a:avLst/>
+          </a:prstGeom>
+          <a:ln>
+            <a:tailEnd type="arrow"/>
+          </a:ln>
+        </p:spPr>
+        <p:style>
+          <a:lnRef idx="2">
+            <a:schemeClr val="accent6"/>
+          </a:lnRef>
+          <a:fillRef idx="0">
+            <a:schemeClr val="accent6"/>
+          </a:fillRef>
+          <a:effectRef idx="1">
+            <a:schemeClr val="accent6"/>
+          </a:effectRef>
+          <a:fontRef idx="minor">
+            <a:schemeClr val="tx1"/>
+          </a:fontRef>
+        </p:style>
+      </p:cxnSp>
+      <p:sp>
+        <p:nvSpPr>
+          <p:cNvPr id="49" name="Oval 48"/>
+          <p:cNvSpPr/>
+          <p:nvPr/>
+        </p:nvSpPr>
+        <p:spPr>
+          <a:xfrm>
+            <a:off x="2664961" y="3776671"/>
+            <a:ext cx="3419207" cy="647204"/>
+          </a:xfrm>
+          <a:prstGeom prst="ellipse">
+            <a:avLst/>
+          </a:prstGeom>
+        </p:spPr>
+        <p:style>
+          <a:lnRef idx="0">
+            <a:schemeClr val="accent6"/>
+          </a:lnRef>
+          <a:fillRef idx="3">
+            <a:schemeClr val="accent6"/>
+          </a:fillRef>
+          <a:effectRef idx="3">
+            <a:schemeClr val="accent6"/>
+          </a:effectRef>
+          <a:fontRef idx="minor">
+            <a:schemeClr val="lt1"/>
+          </a:fontRef>
+        </p:style>
+        <p:txBody>
+          <a:bodyPr rtlCol="0" anchor="ctr"/>
+          <a:lstStyle/>
+          <a:p>
+            <a:pPr algn="ctr"/>
+            <a:r>
+              <a:rPr lang="en-AU" dirty="0" smtClean="0"/>
+              <a:t>Delete from </a:t>
+            </a:r>
+            <a:r>
+              <a:rPr lang="en-AU" dirty="0" err="1" smtClean="0"/>
+              <a:t>MongoDB</a:t>
+            </a:r>
+            <a:endParaRPr lang="en-AU" dirty="0"/>
+          </a:p>
+        </p:txBody>
+      </p:sp>
+      <p:sp>
+        <p:nvSpPr>
+          <p:cNvPr id="51" name="Down Arrow 50"/>
+          <p:cNvSpPr/>
+          <p:nvPr/>
+        </p:nvSpPr>
+        <p:spPr>
+          <a:xfrm>
+            <a:off x="3941805" y="4540486"/>
+            <a:ext cx="792088" cy="967060"/>
+          </a:xfrm>
+          <a:prstGeom prst="downArrow">
+            <a:avLst/>
+          </a:prstGeom>
+        </p:spPr>
+        <p:style>
+          <a:lnRef idx="0">
+            <a:schemeClr val="accent6"/>
+          </a:lnRef>
+          <a:fillRef idx="3">
+            <a:schemeClr val="accent6"/>
+          </a:fillRef>
+          <a:effectRef idx="3">
+            <a:schemeClr val="accent6"/>
+          </a:effectRef>
+          <a:fontRef idx="minor">
+            <a:schemeClr val="lt1"/>
+          </a:fontRef>
+        </p:style>
+        <p:txBody>
+          <a:bodyPr rtlCol="0" anchor="ctr"/>
+          <a:lstStyle/>
+          <a:p>
+            <a:pPr algn="ctr"/>
+            <a:endParaRPr lang="en-AU"/>
+          </a:p>
+        </p:txBody>
+      </p:sp>
+      <p:grpSp>
+        <p:nvGrpSpPr>
+          <p:cNvPr id="38" name="Group 37"/>
+          <p:cNvGrpSpPr/>
+          <p:nvPr/>
+        </p:nvGrpSpPr>
+        <p:grpSpPr>
+          <a:xfrm>
+            <a:off x="467544" y="2564904"/>
+            <a:ext cx="1584176" cy="3113774"/>
+            <a:chOff x="467544" y="2720974"/>
+            <a:chExt cx="1584176" cy="3113774"/>
+          </a:xfrm>
+        </p:grpSpPr>
+        <p:sp>
+          <p:nvSpPr>
+            <p:cNvPr id="39" name="Rounded Rectangle 38"/>
+            <p:cNvSpPr/>
+            <p:nvPr/>
+          </p:nvSpPr>
+          <p:spPr>
+            <a:xfrm>
+              <a:off x="467544" y="2720974"/>
+              <a:ext cx="1584176" cy="3113774"/>
+            </a:xfrm>
+            <a:prstGeom prst="roundRect">
+              <a:avLst/>
+            </a:prstGeom>
+          </p:spPr>
+          <p:style>
+            <a:lnRef idx="1">
+              <a:schemeClr val="accent2"/>
+            </a:lnRef>
+            <a:fillRef idx="2">
+              <a:schemeClr val="accent2"/>
+            </a:fillRef>
+            <a:effectRef idx="1">
+              <a:schemeClr val="accent2"/>
+            </a:effectRef>
+            <a:fontRef idx="minor">
+              <a:schemeClr val="dk1"/>
+            </a:fontRef>
+          </p:style>
+          <p:txBody>
+            <a:bodyPr rtlCol="0" anchor="t"/>
+            <a:lstStyle/>
+            <a:p>
+              <a:pPr algn="ctr"/>
+              <a:r>
+                <a:rPr lang="en-AU" sz="1400" dirty="0" smtClean="0"/>
+                <a:t>Morphia Events</a:t>
+              </a:r>
+              <a:endParaRPr lang="en-AU" sz="1400" dirty="0"/>
+            </a:p>
+          </p:txBody>
+        </p:sp>
+        <p:sp>
+          <p:nvSpPr>
+            <p:cNvPr id="40" name="Snip Diagonal Corner Rectangle 39"/>
+            <p:cNvSpPr/>
+            <p:nvPr/>
+          </p:nvSpPr>
+          <p:spPr>
+            <a:xfrm>
+              <a:off x="736824" y="4772532"/>
+              <a:ext cx="1098872" cy="360040"/>
+            </a:xfrm>
+            <a:prstGeom prst="snip2DiagRect">
+              <a:avLst/>
+            </a:prstGeom>
+          </p:spPr>
+          <p:style>
+            <a:lnRef idx="2">
+              <a:schemeClr val="accent1"/>
+            </a:lnRef>
+            <a:fillRef idx="1">
+              <a:schemeClr val="lt1"/>
+            </a:fillRef>
+            <a:effectRef idx="0">
+              <a:schemeClr val="accent1"/>
+            </a:effectRef>
+            <a:fontRef idx="minor">
+              <a:schemeClr val="dk1"/>
+            </a:fontRef>
+          </p:style>
+          <p:txBody>
+            <a:bodyPr rtlCol="0" anchor="ctr"/>
+            <a:lstStyle/>
+            <a:p>
+              <a:pPr algn="ctr"/>
+              <a:r>
+                <a:rPr lang="en-AU" sz="1400" dirty="0" smtClean="0"/>
+                <a:t>Pre Save</a:t>
+              </a:r>
+              <a:endParaRPr lang="en-AU" sz="1400" dirty="0"/>
+            </a:p>
+          </p:txBody>
+        </p:sp>
+        <p:sp>
+          <p:nvSpPr>
+            <p:cNvPr id="41" name="Snip Diagonal Corner Rectangle 40"/>
+            <p:cNvSpPr/>
+            <p:nvPr/>
+          </p:nvSpPr>
+          <p:spPr>
+            <a:xfrm>
+              <a:off x="736824" y="4243855"/>
+              <a:ext cx="1098872" cy="360040"/>
+            </a:xfrm>
+            <a:prstGeom prst="snip2DiagRect">
+              <a:avLst/>
+            </a:prstGeom>
+          </p:spPr>
+          <p:style>
+            <a:lnRef idx="2">
+              <a:schemeClr val="accent1"/>
+            </a:lnRef>
+            <a:fillRef idx="1">
+              <a:schemeClr val="lt1"/>
+            </a:fillRef>
+            <a:effectRef idx="0">
+              <a:schemeClr val="accent1"/>
+            </a:effectRef>
+            <a:fontRef idx="minor">
+              <a:schemeClr val="dk1"/>
+            </a:fontRef>
+          </p:style>
+          <p:txBody>
+            <a:bodyPr rtlCol="0" anchor="ctr"/>
+            <a:lstStyle/>
+            <a:p>
+              <a:pPr algn="ctr"/>
+              <a:r>
+                <a:rPr lang="en-AU" sz="1400" dirty="0" smtClean="0"/>
+                <a:t>Pre Persist</a:t>
+              </a:r>
+              <a:endParaRPr lang="en-AU" sz="1400" dirty="0"/>
+            </a:p>
+          </p:txBody>
+        </p:sp>
+        <p:sp>
+          <p:nvSpPr>
+            <p:cNvPr id="43" name="Snip Diagonal Corner Rectangle 42"/>
+            <p:cNvSpPr/>
+            <p:nvPr/>
+          </p:nvSpPr>
+          <p:spPr>
+            <a:xfrm>
+              <a:off x="736824" y="5301208"/>
+              <a:ext cx="1098872" cy="360040"/>
+            </a:xfrm>
+            <a:prstGeom prst="snip2DiagRect">
+              <a:avLst/>
+            </a:prstGeom>
+          </p:spPr>
+          <p:style>
+            <a:lnRef idx="2">
+              <a:schemeClr val="accent1"/>
+            </a:lnRef>
+            <a:fillRef idx="1">
+              <a:schemeClr val="lt1"/>
+            </a:fillRef>
+            <a:effectRef idx="0">
+              <a:schemeClr val="accent1"/>
+            </a:effectRef>
+            <a:fontRef idx="minor">
+              <a:schemeClr val="dk1"/>
+            </a:fontRef>
+          </p:style>
+          <p:txBody>
+            <a:bodyPr rtlCol="0" anchor="ctr"/>
+            <a:lstStyle/>
+            <a:p>
+              <a:pPr algn="ctr"/>
+              <a:r>
+                <a:rPr lang="en-AU" sz="1400" dirty="0" smtClean="0"/>
+                <a:t>Post Persist</a:t>
+              </a:r>
+              <a:endParaRPr lang="en-AU" sz="1400" dirty="0"/>
+            </a:p>
+          </p:txBody>
+        </p:sp>
+        <p:sp>
+          <p:nvSpPr>
+            <p:cNvPr id="45" name="Snip Diagonal Corner Rectangle 44"/>
+            <p:cNvSpPr/>
+            <p:nvPr/>
+          </p:nvSpPr>
+          <p:spPr>
+            <a:xfrm>
+              <a:off x="736824" y="3186501"/>
+              <a:ext cx="1098872" cy="360040"/>
+            </a:xfrm>
+            <a:prstGeom prst="snip2DiagRect">
+              <a:avLst/>
+            </a:prstGeom>
+          </p:spPr>
+          <p:style>
+            <a:lnRef idx="2">
+              <a:schemeClr val="accent1"/>
+            </a:lnRef>
+            <a:fillRef idx="1">
+              <a:schemeClr val="lt1"/>
+            </a:fillRef>
+            <a:effectRef idx="0">
+              <a:schemeClr val="accent1"/>
+            </a:effectRef>
+            <a:fontRef idx="minor">
+              <a:schemeClr val="dk1"/>
+            </a:fontRef>
+          </p:style>
+          <p:txBody>
+            <a:bodyPr rtlCol="0" anchor="ctr"/>
+            <a:lstStyle/>
+            <a:p>
+              <a:pPr algn="ctr"/>
+              <a:r>
+                <a:rPr lang="en-AU" sz="1400" dirty="0" smtClean="0"/>
+                <a:t>Pre </a:t>
+              </a:r>
+              <a:r>
+                <a:rPr lang="en-AU" sz="1400" dirty="0" smtClean="0"/>
+                <a:t>Load</a:t>
+              </a:r>
+              <a:endParaRPr lang="en-AU" sz="1400" dirty="0"/>
+            </a:p>
+          </p:txBody>
+        </p:sp>
+        <p:sp>
+          <p:nvSpPr>
+            <p:cNvPr id="46" name="Snip Diagonal Corner Rectangle 45"/>
+            <p:cNvSpPr/>
+            <p:nvPr/>
+          </p:nvSpPr>
+          <p:spPr>
+            <a:xfrm>
+              <a:off x="736824" y="3715178"/>
+              <a:ext cx="1098872" cy="360040"/>
+            </a:xfrm>
+            <a:prstGeom prst="snip2DiagRect">
+              <a:avLst/>
+            </a:prstGeom>
+          </p:spPr>
+          <p:style>
+            <a:lnRef idx="2">
+              <a:schemeClr val="accent1"/>
+            </a:lnRef>
+            <a:fillRef idx="1">
+              <a:schemeClr val="lt1"/>
+            </a:fillRef>
+            <a:effectRef idx="0">
+              <a:schemeClr val="accent1"/>
+            </a:effectRef>
+            <a:fontRef idx="minor">
+              <a:schemeClr val="dk1"/>
+            </a:fontRef>
+          </p:style>
+          <p:txBody>
+            <a:bodyPr rtlCol="0" anchor="ctr"/>
+            <a:lstStyle/>
+            <a:p>
+              <a:pPr algn="ctr"/>
+              <a:r>
+                <a:rPr lang="en-AU" sz="1400" dirty="0" smtClean="0"/>
+                <a:t>Post Load</a:t>
+              </a:r>
+              <a:endParaRPr lang="en-AU" sz="1400" dirty="0"/>
+            </a:p>
+          </p:txBody>
+        </p:sp>
+      </p:grpSp>
+      <p:cxnSp>
+        <p:nvCxnSpPr>
+          <p:cNvPr id="52" name="Elbow Connector 51"/>
+          <p:cNvCxnSpPr>
+            <a:stCxn id="30" idx="2"/>
+          </p:cNvCxnSpPr>
+          <p:nvPr/>
+        </p:nvCxnSpPr>
+        <p:spPr>
+          <a:xfrm rot="10800000">
+            <a:off x="4733898" y="3366524"/>
+            <a:ext cx="2180011" cy="2141023"/>
+          </a:xfrm>
+          <a:prstGeom prst="bentConnector3">
+            <a:avLst>
+              <a:gd name="adj1" fmla="val 27280"/>
+            </a:avLst>
+          </a:prstGeom>
+          <a:ln>
+            <a:tailEnd type="arrow"/>
+          </a:ln>
+        </p:spPr>
+        <p:style>
+          <a:lnRef idx="2">
+            <a:schemeClr val="accent3"/>
+          </a:lnRef>
+          <a:fillRef idx="0">
+            <a:schemeClr val="accent3"/>
+          </a:fillRef>
+          <a:effectRef idx="1">
+            <a:schemeClr val="accent3"/>
+          </a:effectRef>
+          <a:fontRef idx="minor">
+            <a:schemeClr val="tx1"/>
+          </a:fontRef>
+        </p:style>
+      </p:cxnSp>
+      <p:cxnSp>
+        <p:nvCxnSpPr>
+          <p:cNvPr id="61" name="Elbow Connector 60"/>
+          <p:cNvCxnSpPr>
+            <a:stCxn id="31" idx="2"/>
+            <a:endCxn id="51" idx="3"/>
+          </p:cNvCxnSpPr>
+          <p:nvPr/>
+        </p:nvCxnSpPr>
+        <p:spPr>
+          <a:xfrm rot="10800000">
+            <a:off x="4733894" y="5111502"/>
+            <a:ext cx="2203207" cy="888256"/>
+          </a:xfrm>
+          <a:prstGeom prst="bentConnector3">
+            <a:avLst>
+              <a:gd name="adj1" fmla="val 50000"/>
+            </a:avLst>
+          </a:prstGeom>
+          <a:ln>
+            <a:tailEnd type="arrow"/>
+          </a:ln>
+        </p:spPr>
+        <p:style>
+          <a:lnRef idx="2">
+            <a:schemeClr val="accent3"/>
+          </a:lnRef>
+          <a:fillRef idx="0">
+            <a:schemeClr val="accent3"/>
+          </a:fillRef>
+          <a:effectRef idx="1">
+            <a:schemeClr val="accent3"/>
+          </a:effectRef>
+          <a:fontRef idx="minor">
+            <a:schemeClr val="tx1"/>
+          </a:fontRef>
+        </p:style>
+      </p:cxnSp>
+      <p:pic>
+        <p:nvPicPr>
+          <p:cNvPr id="4098" name="Picture 2" descr="C:\Users\luog\Desktop\ScreenHunter_06 Nov. 04 07.03.jpg"/>
+          <p:cNvPicPr>
+            <a:picLocks noChangeAspect="1" noChangeArrowheads="1"/>
+          </p:cNvPicPr>
+          <p:nvPr/>
+        </p:nvPicPr>
+        <p:blipFill>
+          <a:blip r:embed="rId2">
+            <a:extLst>
+              <a:ext uri="{28A0092B-C50C-407E-A947-70E740481C1C}">
+                <a14:useLocalDpi xmlns:a14="http://schemas.microsoft.com/office/drawing/2010/main" val="0"/>
+              </a:ext>
+            </a:extLst>
+          </a:blip>
+          <a:srcRect/>
+          <a:stretch>
+            <a:fillRect/>
+          </a:stretch>
+        </p:blipFill>
+        <p:spPr bwMode="auto">
+          <a:xfrm>
+            <a:off x="2483768" y="1622228"/>
+            <a:ext cx="3670607" cy="582636"/>
+          </a:xfrm>
+          <a:prstGeom prst="rect">
+            <a:avLst/>
+          </a:prstGeom>
+          <a:noFill/>
+          <a:extLst>
+            <a:ext uri="{909E8E84-426E-40DD-AFC4-6F175D3DCCD1}">
+              <a14:hiddenFill xmlns:a14="http://schemas.microsoft.com/office/drawing/2010/main">
+                <a:solidFill>
+                  <a:srgbClr val="FFFFFF"/>
+                </a:solidFill>
+              </a14:hiddenFill>
+            </a:ext>
+          </a:extLst>
+        </p:spPr>
+      </p:pic>
+      <p:cxnSp>
+        <p:nvCxnSpPr>
+          <p:cNvPr id="36" name="Straight Connector 35"/>
+          <p:cNvCxnSpPr/>
+          <p:nvPr/>
+        </p:nvCxnSpPr>
+        <p:spPr>
+          <a:xfrm>
+            <a:off x="2585496" y="2204864"/>
+            <a:ext cx="2148397" cy="0"/>
+          </a:xfrm>
+          <a:prstGeom prst="line">
+            <a:avLst/>
+          </a:prstGeom>
+        </p:spPr>
+        <p:style>
+          <a:lnRef idx="2">
+            <a:schemeClr val="accent6"/>
+          </a:lnRef>
+          <a:fillRef idx="0">
+            <a:schemeClr val="accent6"/>
+          </a:fillRef>
+          <a:effectRef idx="1">
+            <a:schemeClr val="accent6"/>
+          </a:effectRef>
+          <a:fontRef idx="minor">
+            <a:schemeClr val="tx1"/>
+          </a:fontRef>
+        </p:style>
+      </p:cxnSp>
+      <p:sp>
+        <p:nvSpPr>
+          <p:cNvPr id="16" name="Rectangle 15"/>
+          <p:cNvSpPr/>
+          <p:nvPr/>
+        </p:nvSpPr>
+        <p:spPr>
+          <a:xfrm>
+            <a:off x="539551" y="5999758"/>
+            <a:ext cx="4194345" cy="453578"/>
+          </a:xfrm>
+          <a:prstGeom prst="rect">
+            <a:avLst/>
+          </a:prstGeom>
+        </p:spPr>
+        <p:style>
+          <a:lnRef idx="1">
+            <a:schemeClr val="accent2"/>
+          </a:lnRef>
+          <a:fillRef idx="2">
+            <a:schemeClr val="accent2"/>
+          </a:fillRef>
+          <a:effectRef idx="1">
+            <a:schemeClr val="accent2"/>
+          </a:effectRef>
+          <a:fontRef idx="minor">
+            <a:schemeClr val="dk1"/>
+          </a:fontRef>
+        </p:style>
+        <p:txBody>
+          <a:bodyPr rtlCol="0" anchor="ctr"/>
+          <a:lstStyle/>
+          <a:p>
+            <a:pPr algn="ctr"/>
+            <a:r>
+              <a:rPr lang="en-AU" dirty="0" smtClean="0"/>
+              <a:t>Morphia does not support delete events</a:t>
+            </a:r>
+            <a:endParaRPr lang="en-AU" dirty="0"/>
+          </a:p>
+        </p:txBody>
+      </p:sp>
+    </p:spTree>
+    <p:extLst>
+      <p:ext uri="{BB962C8B-B14F-4D97-AF65-F5344CB8AC3E}">
+        <p14:creationId xmlns:p14="http://schemas.microsoft.com/office/powerpoint/2010/main" val="3574402079"/>
+      </p:ext>
+    </p:extLst>
+  </p:cSld>
+  <p:clrMapOvr>
+    <a:masterClrMapping/>
+  </p:clrMapOvr>
+  <p:timing>
+    <p:tnLst>
+      <p:par>
+        <p:cTn id="1" dur="indefinite" restart="never" nodeType="tmRoot"/>
+      </p:par>
+    </p:tnLst>
+  </p:timing>
 </p:sld>
 </file>
 

--- a/documentation/images.pptx
+++ b/documentation/images.pptx
@@ -15,6 +15,8 @@
     <p:sldId id="262" r:id="rId9"/>
     <p:sldId id="264" r:id="rId10"/>
     <p:sldId id="265" r:id="rId11"/>
+    <p:sldId id="266" r:id="rId12"/>
+    <p:sldId id="267" r:id="rId13"/>
   </p:sldIdLst>
   <p:sldSz cx="9144000" cy="6858000" type="screen4x3"/>
   <p:notesSz cx="6858000" cy="9144000"/>
@@ -297,7 +299,7 @@
           <a:p>
             <a:fld id="{410E348B-3D49-40CD-91D8-D77A2E3E90F4}" type="datetimeFigureOut">
               <a:rPr lang="en-AU" smtClean="0"/>
-              <a:t>4/11/2011</a:t>
+              <a:t>14/11/2011</a:t>
             </a:fld>
             <a:endParaRPr lang="en-AU"/>
           </a:p>
@@ -467,7 +469,7 @@
           <a:p>
             <a:fld id="{410E348B-3D49-40CD-91D8-D77A2E3E90F4}" type="datetimeFigureOut">
               <a:rPr lang="en-AU" smtClean="0"/>
-              <a:t>4/11/2011</a:t>
+              <a:t>14/11/2011</a:t>
             </a:fld>
             <a:endParaRPr lang="en-AU"/>
           </a:p>
@@ -647,7 +649,7 @@
           <a:p>
             <a:fld id="{410E348B-3D49-40CD-91D8-D77A2E3E90F4}" type="datetimeFigureOut">
               <a:rPr lang="en-AU" smtClean="0"/>
-              <a:t>4/11/2011</a:t>
+              <a:t>14/11/2011</a:t>
             </a:fld>
             <a:endParaRPr lang="en-AU"/>
           </a:p>
@@ -817,7 +819,7 @@
           <a:p>
             <a:fld id="{410E348B-3D49-40CD-91D8-D77A2E3E90F4}" type="datetimeFigureOut">
               <a:rPr lang="en-AU" smtClean="0"/>
-              <a:t>4/11/2011</a:t>
+              <a:t>14/11/2011</a:t>
             </a:fld>
             <a:endParaRPr lang="en-AU"/>
           </a:p>
@@ -1063,7 +1065,7 @@
           <a:p>
             <a:fld id="{410E348B-3D49-40CD-91D8-D77A2E3E90F4}" type="datetimeFigureOut">
               <a:rPr lang="en-AU" smtClean="0"/>
-              <a:t>4/11/2011</a:t>
+              <a:t>14/11/2011</a:t>
             </a:fld>
             <a:endParaRPr lang="en-AU"/>
           </a:p>
@@ -1351,7 +1353,7 @@
           <a:p>
             <a:fld id="{410E348B-3D49-40CD-91D8-D77A2E3E90F4}" type="datetimeFigureOut">
               <a:rPr lang="en-AU" smtClean="0"/>
-              <a:t>4/11/2011</a:t>
+              <a:t>14/11/2011</a:t>
             </a:fld>
             <a:endParaRPr lang="en-AU"/>
           </a:p>
@@ -1773,7 +1775,7 @@
           <a:p>
             <a:fld id="{410E348B-3D49-40CD-91D8-D77A2E3E90F4}" type="datetimeFigureOut">
               <a:rPr lang="en-AU" smtClean="0"/>
-              <a:t>4/11/2011</a:t>
+              <a:t>14/11/2011</a:t>
             </a:fld>
             <a:endParaRPr lang="en-AU"/>
           </a:p>
@@ -1891,7 +1893,7 @@
           <a:p>
             <a:fld id="{410E348B-3D49-40CD-91D8-D77A2E3E90F4}" type="datetimeFigureOut">
               <a:rPr lang="en-AU" smtClean="0"/>
-              <a:t>4/11/2011</a:t>
+              <a:t>14/11/2011</a:t>
             </a:fld>
             <a:endParaRPr lang="en-AU"/>
           </a:p>
@@ -1986,7 +1988,7 @@
           <a:p>
             <a:fld id="{410E348B-3D49-40CD-91D8-D77A2E3E90F4}" type="datetimeFigureOut">
               <a:rPr lang="en-AU" smtClean="0"/>
-              <a:t>4/11/2011</a:t>
+              <a:t>14/11/2011</a:t>
             </a:fld>
             <a:endParaRPr lang="en-AU"/>
           </a:p>
@@ -2263,7 +2265,7 @@
           <a:p>
             <a:fld id="{410E348B-3D49-40CD-91D8-D77A2E3E90F4}" type="datetimeFigureOut">
               <a:rPr lang="en-AU" smtClean="0"/>
-              <a:t>4/11/2011</a:t>
+              <a:t>14/11/2011</a:t>
             </a:fld>
             <a:endParaRPr lang="en-AU"/>
           </a:p>
@@ -2516,7 +2518,7 @@
           <a:p>
             <a:fld id="{410E348B-3D49-40CD-91D8-D77A2E3E90F4}" type="datetimeFigureOut">
               <a:rPr lang="en-AU" smtClean="0"/>
-              <a:t>4/11/2011</a:t>
+              <a:t>14/11/2011</a:t>
             </a:fld>
             <a:endParaRPr lang="en-AU"/>
           </a:p>
@@ -2729,7 +2731,7 @@
           <a:p>
             <a:fld id="{410E348B-3D49-40CD-91D8-D77A2E3E90F4}" type="datetimeFigureOut">
               <a:rPr lang="en-AU" smtClean="0"/>
-              <a:t>4/11/2011</a:t>
+              <a:t>14/11/2011</a:t>
             </a:fld>
             <a:endParaRPr lang="en-AU"/>
           </a:p>
@@ -3174,11 +3176,7 @@
           <a:p>
             <a:r>
               <a:rPr lang="en-AU" dirty="0" smtClean="0"/>
-              <a:t>Model </a:t>
-            </a:r>
-            <a:r>
-              <a:rPr lang="en-AU" dirty="0" smtClean="0"/>
-              <a:t>lifecycle – Batch Delete</a:t>
+              <a:t>Model lifecycle – Batch Delete</a:t>
             </a:r>
             <a:endParaRPr lang="en-AU" dirty="0"/>
           </a:p>
@@ -3226,7 +3224,6 @@
               <a:rPr lang="en-AU" sz="1400" dirty="0" smtClean="0"/>
               <a:t> </a:t>
             </a:r>
-            <a:endParaRPr lang="en-AU" sz="1400" dirty="0" smtClean="0"/>
           </a:p>
           <a:p>
             <a:pPr algn="ctr"/>
@@ -3274,11 +3271,7 @@
             <a:pPr algn="ctr"/>
             <a:r>
               <a:rPr lang="en-AU" sz="1400" dirty="0" smtClean="0"/>
-              <a:t>On </a:t>
-            </a:r>
-            <a:r>
-              <a:rPr lang="en-AU" sz="1400" dirty="0" smtClean="0"/>
-              <a:t>Batch Delete</a:t>
+              <a:t>On Batch Delete</a:t>
             </a:r>
             <a:endParaRPr lang="en-AU" sz="1400" dirty="0"/>
           </a:p>
@@ -3739,11 +3732,7 @@
               <a:pPr algn="ctr"/>
               <a:r>
                 <a:rPr lang="en-AU" sz="1400" dirty="0" smtClean="0"/>
-                <a:t>Pre </a:t>
-              </a:r>
-              <a:r>
-                <a:rPr lang="en-AU" sz="1400" dirty="0" smtClean="0"/>
-                <a:t>Load</a:t>
+                <a:t>Pre Load</a:t>
               </a:r>
               <a:endParaRPr lang="en-AU" sz="1400" dirty="0"/>
             </a:p>
@@ -3996,6 +3985,772 @@
       </p:par>
     </p:tnLst>
   </p:timing>
+</p:sld>
+</file>
+
+<file path=ppt/slides/slide11.xml><?xml version="1.0" encoding="utf-8"?>
+<p:sld xmlns:a="http://schemas.openxmlformats.org/drawingml/2006/main" xmlns:r="http://schemas.openxmlformats.org/officeDocument/2006/relationships" xmlns:p="http://schemas.openxmlformats.org/presentationml/2006/main">
+  <p:cSld>
+    <p:spTree>
+      <p:nvGrpSpPr>
+        <p:cNvPr id="1" name=""/>
+        <p:cNvGrpSpPr/>
+        <p:nvPr/>
+      </p:nvGrpSpPr>
+      <p:grpSpPr>
+        <a:xfrm>
+          <a:off x="0" y="0"/>
+          <a:ext cx="0" cy="0"/>
+          <a:chOff x="0" y="0"/>
+          <a:chExt cx="0" cy="0"/>
+        </a:xfrm>
+      </p:grpSpPr>
+      <p:sp>
+        <p:nvSpPr>
+          <p:cNvPr id="2" name="Title 1"/>
+          <p:cNvSpPr>
+            <a:spLocks noGrp="1"/>
+          </p:cNvSpPr>
+          <p:nvPr>
+            <p:ph type="title"/>
+          </p:nvPr>
+        </p:nvSpPr>
+        <p:spPr/>
+        <p:txBody>
+          <a:bodyPr/>
+          <a:lstStyle/>
+          <a:p>
+            <a:r>
+              <a:rPr lang="en-AU" dirty="0" smtClean="0"/>
+              <a:t>Cloud Model</a:t>
+            </a:r>
+            <a:endParaRPr lang="en-AU" dirty="0"/>
+          </a:p>
+        </p:txBody>
+      </p:sp>
+      <p:grpSp>
+        <p:nvGrpSpPr>
+          <p:cNvPr id="19" name="Group 18"/>
+          <p:cNvGrpSpPr/>
+          <p:nvPr/>
+        </p:nvGrpSpPr>
+        <p:grpSpPr>
+          <a:xfrm>
+            <a:off x="1187624" y="2255168"/>
+            <a:ext cx="7134844" cy="2578112"/>
+            <a:chOff x="1187624" y="2255168"/>
+            <a:chExt cx="7134844" cy="2578112"/>
+          </a:xfrm>
+        </p:grpSpPr>
+        <p:sp>
+          <p:nvSpPr>
+            <p:cNvPr id="3" name="Rounded Rectangle 2"/>
+            <p:cNvSpPr/>
+            <p:nvPr/>
+          </p:nvSpPr>
+          <p:spPr>
+            <a:xfrm>
+              <a:off x="1187624" y="3027772"/>
+              <a:ext cx="2232248" cy="1260140"/>
+            </a:xfrm>
+            <a:prstGeom prst="roundRect">
+              <a:avLst/>
+            </a:prstGeom>
+          </p:spPr>
+          <p:style>
+            <a:lnRef idx="1">
+              <a:schemeClr val="accent1"/>
+            </a:lnRef>
+            <a:fillRef idx="2">
+              <a:schemeClr val="accent1"/>
+            </a:fillRef>
+            <a:effectRef idx="1">
+              <a:schemeClr val="accent1"/>
+            </a:effectRef>
+            <a:fontRef idx="minor">
+              <a:schemeClr val="dk1"/>
+            </a:fontRef>
+          </p:style>
+          <p:txBody>
+            <a:bodyPr rtlCol="0" anchor="ctr"/>
+            <a:lstStyle/>
+            <a:p>
+              <a:pPr algn="ctr"/>
+              <a:r>
+                <a:rPr lang="en-AU" dirty="0" smtClean="0"/>
+                <a:t>Post A</a:t>
+              </a:r>
+            </a:p>
+            <a:p>
+              <a:pPr algn="ctr"/>
+              <a:r>
+                <a:rPr lang="en-AU" dirty="0" smtClean="0"/>
+                <a:t>[play architecture]</a:t>
+              </a:r>
+              <a:endParaRPr lang="en-AU" dirty="0"/>
+            </a:p>
+          </p:txBody>
+        </p:sp>
+        <p:sp>
+          <p:nvSpPr>
+            <p:cNvPr id="4" name="Rounded Rectangle 3"/>
+            <p:cNvSpPr/>
+            <p:nvPr/>
+          </p:nvSpPr>
+          <p:spPr>
+            <a:xfrm>
+              <a:off x="3785964" y="2255168"/>
+              <a:ext cx="1944216" cy="360040"/>
+            </a:xfrm>
+            <a:prstGeom prst="roundRect">
+              <a:avLst/>
+            </a:prstGeom>
+          </p:spPr>
+          <p:style>
+            <a:lnRef idx="1">
+              <a:schemeClr val="accent3"/>
+            </a:lnRef>
+            <a:fillRef idx="3">
+              <a:schemeClr val="accent3"/>
+            </a:fillRef>
+            <a:effectRef idx="2">
+              <a:schemeClr val="accent3"/>
+            </a:effectRef>
+            <a:fontRef idx="minor">
+              <a:schemeClr val="lt1"/>
+            </a:fontRef>
+          </p:style>
+          <p:txBody>
+            <a:bodyPr rtlCol="0" anchor="ctr"/>
+            <a:lstStyle/>
+            <a:p>
+              <a:pPr algn="ctr"/>
+              <a:r>
+                <a:rPr lang="en-AU" dirty="0" smtClean="0"/>
+                <a:t>play</a:t>
+              </a:r>
+              <a:endParaRPr lang="en-AU" dirty="0"/>
+            </a:p>
+          </p:txBody>
+        </p:sp>
+        <p:sp>
+          <p:nvSpPr>
+            <p:cNvPr id="5" name="Rounded Rectangle 4"/>
+            <p:cNvSpPr/>
+            <p:nvPr/>
+          </p:nvSpPr>
+          <p:spPr>
+            <a:xfrm>
+              <a:off x="3785964" y="2975248"/>
+              <a:ext cx="1944216" cy="360040"/>
+            </a:xfrm>
+            <a:prstGeom prst="roundRect">
+              <a:avLst/>
+            </a:prstGeom>
+          </p:spPr>
+          <p:style>
+            <a:lnRef idx="1">
+              <a:schemeClr val="accent3"/>
+            </a:lnRef>
+            <a:fillRef idx="3">
+              <a:schemeClr val="accent3"/>
+            </a:fillRef>
+            <a:effectRef idx="2">
+              <a:schemeClr val="accent3"/>
+            </a:effectRef>
+            <a:fontRef idx="minor">
+              <a:schemeClr val="lt1"/>
+            </a:fontRef>
+          </p:style>
+          <p:txBody>
+            <a:bodyPr rtlCol="0" anchor="ctr"/>
+            <a:lstStyle/>
+            <a:p>
+              <a:pPr algn="ctr"/>
+              <a:r>
+                <a:rPr lang="en-AU" dirty="0" smtClean="0"/>
+                <a:t>architecture</a:t>
+              </a:r>
+              <a:endParaRPr lang="en-AU" dirty="0"/>
+            </a:p>
+          </p:txBody>
+        </p:sp>
+        <p:sp>
+          <p:nvSpPr>
+            <p:cNvPr id="6" name="Rounded Rectangle 5"/>
+            <p:cNvSpPr/>
+            <p:nvPr/>
+          </p:nvSpPr>
+          <p:spPr>
+            <a:xfrm>
+              <a:off x="3785964" y="3695328"/>
+              <a:ext cx="1944216" cy="360040"/>
+            </a:xfrm>
+            <a:prstGeom prst="roundRect">
+              <a:avLst/>
+            </a:prstGeom>
+          </p:spPr>
+          <p:style>
+            <a:lnRef idx="1">
+              <a:schemeClr val="accent3"/>
+            </a:lnRef>
+            <a:fillRef idx="3">
+              <a:schemeClr val="accent3"/>
+            </a:fillRef>
+            <a:effectRef idx="2">
+              <a:schemeClr val="accent3"/>
+            </a:effectRef>
+            <a:fontRef idx="minor">
+              <a:schemeClr val="lt1"/>
+            </a:fontRef>
+          </p:style>
+          <p:txBody>
+            <a:bodyPr rtlCol="0" anchor="ctr"/>
+            <a:lstStyle/>
+            <a:p>
+              <a:pPr algn="ctr"/>
+              <a:r>
+                <a:rPr lang="en-AU" dirty="0" smtClean="0"/>
+                <a:t>test</a:t>
+              </a:r>
+              <a:endParaRPr lang="en-AU" dirty="0"/>
+            </a:p>
+          </p:txBody>
+        </p:sp>
+        <p:sp>
+          <p:nvSpPr>
+            <p:cNvPr id="7" name="Rounded Rectangle 6"/>
+            <p:cNvSpPr/>
+            <p:nvPr/>
+          </p:nvSpPr>
+          <p:spPr>
+            <a:xfrm>
+              <a:off x="6090220" y="2954040"/>
+              <a:ext cx="2232248" cy="1260140"/>
+            </a:xfrm>
+            <a:prstGeom prst="roundRect">
+              <a:avLst/>
+            </a:prstGeom>
+          </p:spPr>
+          <p:style>
+            <a:lnRef idx="1">
+              <a:schemeClr val="accent1"/>
+            </a:lnRef>
+            <a:fillRef idx="2">
+              <a:schemeClr val="accent1"/>
+            </a:fillRef>
+            <a:effectRef idx="1">
+              <a:schemeClr val="accent1"/>
+            </a:effectRef>
+            <a:fontRef idx="minor">
+              <a:schemeClr val="dk1"/>
+            </a:fontRef>
+          </p:style>
+          <p:txBody>
+            <a:bodyPr rtlCol="0" anchor="ctr"/>
+            <a:lstStyle/>
+            <a:p>
+              <a:pPr algn="ctr"/>
+              <a:r>
+                <a:rPr lang="en-AU" dirty="0" smtClean="0"/>
+                <a:t>Post B</a:t>
+              </a:r>
+            </a:p>
+            <a:p>
+              <a:pPr algn="ctr"/>
+              <a:r>
+                <a:rPr lang="en-AU" dirty="0" smtClean="0"/>
+                <a:t>[play </a:t>
+              </a:r>
+              <a:r>
+                <a:rPr lang="en-AU" dirty="0" err="1" smtClean="0"/>
+                <a:t>mvc</a:t>
+              </a:r>
+              <a:r>
+                <a:rPr lang="en-AU" dirty="0" smtClean="0"/>
+                <a:t> test]</a:t>
+              </a:r>
+              <a:endParaRPr lang="en-AU" dirty="0"/>
+            </a:p>
+          </p:txBody>
+        </p:sp>
+        <p:sp>
+          <p:nvSpPr>
+            <p:cNvPr id="8" name="Rounded Rectangle 7"/>
+            <p:cNvSpPr/>
+            <p:nvPr/>
+          </p:nvSpPr>
+          <p:spPr>
+            <a:xfrm>
+              <a:off x="3785840" y="4473240"/>
+              <a:ext cx="1944216" cy="360040"/>
+            </a:xfrm>
+            <a:prstGeom prst="roundRect">
+              <a:avLst/>
+            </a:prstGeom>
+          </p:spPr>
+          <p:style>
+            <a:lnRef idx="1">
+              <a:schemeClr val="accent3"/>
+            </a:lnRef>
+            <a:fillRef idx="3">
+              <a:schemeClr val="accent3"/>
+            </a:fillRef>
+            <a:effectRef idx="2">
+              <a:schemeClr val="accent3"/>
+            </a:effectRef>
+            <a:fontRef idx="minor">
+              <a:schemeClr val="lt1"/>
+            </a:fontRef>
+          </p:style>
+          <p:txBody>
+            <a:bodyPr rtlCol="0" anchor="ctr"/>
+            <a:lstStyle/>
+            <a:p>
+              <a:pPr algn="ctr"/>
+              <a:r>
+                <a:rPr lang="en-AU" dirty="0" err="1" smtClean="0"/>
+                <a:t>mvc</a:t>
+              </a:r>
+              <a:endParaRPr lang="en-AU" dirty="0"/>
+            </a:p>
+          </p:txBody>
+        </p:sp>
+        <p:cxnSp>
+          <p:nvCxnSpPr>
+            <p:cNvPr id="10" name="Straight Arrow Connector 9"/>
+            <p:cNvCxnSpPr>
+              <a:stCxn id="3" idx="3"/>
+              <a:endCxn id="4" idx="1"/>
+            </p:cNvCxnSpPr>
+            <p:nvPr/>
+          </p:nvCxnSpPr>
+          <p:spPr>
+            <a:xfrm flipV="1">
+              <a:off x="3419872" y="2435188"/>
+              <a:ext cx="366092" cy="1222654"/>
+            </a:xfrm>
+            <a:prstGeom prst="straightConnector1">
+              <a:avLst/>
+            </a:prstGeom>
+            <a:ln>
+              <a:tailEnd type="arrow"/>
+            </a:ln>
+          </p:spPr>
+          <p:style>
+            <a:lnRef idx="1">
+              <a:schemeClr val="accent1"/>
+            </a:lnRef>
+            <a:fillRef idx="2">
+              <a:schemeClr val="accent1"/>
+            </a:fillRef>
+            <a:effectRef idx="1">
+              <a:schemeClr val="accent1"/>
+            </a:effectRef>
+            <a:fontRef idx="minor">
+              <a:schemeClr val="dk1"/>
+            </a:fontRef>
+          </p:style>
+        </p:cxnSp>
+        <p:cxnSp>
+          <p:nvCxnSpPr>
+            <p:cNvPr id="12" name="Straight Arrow Connector 11"/>
+            <p:cNvCxnSpPr>
+              <a:stCxn id="3" idx="3"/>
+              <a:endCxn id="5" idx="1"/>
+            </p:cNvCxnSpPr>
+            <p:nvPr/>
+          </p:nvCxnSpPr>
+          <p:spPr>
+            <a:xfrm flipV="1">
+              <a:off x="3419872" y="3155268"/>
+              <a:ext cx="366092" cy="502574"/>
+            </a:xfrm>
+            <a:prstGeom prst="straightConnector1">
+              <a:avLst/>
+            </a:prstGeom>
+            <a:ln>
+              <a:tailEnd type="arrow"/>
+            </a:ln>
+          </p:spPr>
+          <p:style>
+            <a:lnRef idx="1">
+              <a:schemeClr val="accent1"/>
+            </a:lnRef>
+            <a:fillRef idx="2">
+              <a:schemeClr val="accent1"/>
+            </a:fillRef>
+            <a:effectRef idx="1">
+              <a:schemeClr val="accent1"/>
+            </a:effectRef>
+            <a:fontRef idx="minor">
+              <a:schemeClr val="dk1"/>
+            </a:fontRef>
+          </p:style>
+        </p:cxnSp>
+        <p:cxnSp>
+          <p:nvCxnSpPr>
+            <p:cNvPr id="14" name="Straight Arrow Connector 13"/>
+            <p:cNvCxnSpPr>
+              <a:stCxn id="7" idx="1"/>
+              <a:endCxn id="4" idx="3"/>
+            </p:cNvCxnSpPr>
+            <p:nvPr/>
+          </p:nvCxnSpPr>
+          <p:spPr>
+            <a:xfrm flipH="1" flipV="1">
+              <a:off x="5730180" y="2435188"/>
+              <a:ext cx="360040" cy="1148922"/>
+            </a:xfrm>
+            <a:prstGeom prst="straightConnector1">
+              <a:avLst/>
+            </a:prstGeom>
+            <a:ln>
+              <a:tailEnd type="arrow"/>
+            </a:ln>
+          </p:spPr>
+          <p:style>
+            <a:lnRef idx="1">
+              <a:schemeClr val="accent3"/>
+            </a:lnRef>
+            <a:fillRef idx="3">
+              <a:schemeClr val="accent3"/>
+            </a:fillRef>
+            <a:effectRef idx="2">
+              <a:schemeClr val="accent3"/>
+            </a:effectRef>
+            <a:fontRef idx="minor">
+              <a:schemeClr val="lt1"/>
+            </a:fontRef>
+          </p:style>
+        </p:cxnSp>
+        <p:cxnSp>
+          <p:nvCxnSpPr>
+            <p:cNvPr id="16" name="Straight Arrow Connector 15"/>
+            <p:cNvCxnSpPr>
+              <a:stCxn id="7" idx="1"/>
+              <a:endCxn id="8" idx="3"/>
+            </p:cNvCxnSpPr>
+            <p:nvPr/>
+          </p:nvCxnSpPr>
+          <p:spPr>
+            <a:xfrm flipH="1">
+              <a:off x="5730056" y="3584110"/>
+              <a:ext cx="360164" cy="1069150"/>
+            </a:xfrm>
+            <a:prstGeom prst="straightConnector1">
+              <a:avLst/>
+            </a:prstGeom>
+            <a:ln>
+              <a:tailEnd type="arrow"/>
+            </a:ln>
+          </p:spPr>
+          <p:style>
+            <a:lnRef idx="1">
+              <a:schemeClr val="accent3"/>
+            </a:lnRef>
+            <a:fillRef idx="3">
+              <a:schemeClr val="accent3"/>
+            </a:fillRef>
+            <a:effectRef idx="2">
+              <a:schemeClr val="accent3"/>
+            </a:effectRef>
+            <a:fontRef idx="minor">
+              <a:schemeClr val="lt1"/>
+            </a:fontRef>
+          </p:style>
+        </p:cxnSp>
+        <p:cxnSp>
+          <p:nvCxnSpPr>
+            <p:cNvPr id="18" name="Straight Arrow Connector 17"/>
+            <p:cNvCxnSpPr>
+              <a:stCxn id="7" idx="1"/>
+              <a:endCxn id="6" idx="3"/>
+            </p:cNvCxnSpPr>
+            <p:nvPr/>
+          </p:nvCxnSpPr>
+          <p:spPr>
+            <a:xfrm flipH="1">
+              <a:off x="5730180" y="3584110"/>
+              <a:ext cx="360040" cy="291238"/>
+            </a:xfrm>
+            <a:prstGeom prst="straightConnector1">
+              <a:avLst/>
+            </a:prstGeom>
+            <a:ln>
+              <a:tailEnd type="arrow"/>
+            </a:ln>
+          </p:spPr>
+          <p:style>
+            <a:lnRef idx="1">
+              <a:schemeClr val="accent3"/>
+            </a:lnRef>
+            <a:fillRef idx="3">
+              <a:schemeClr val="accent3"/>
+            </a:fillRef>
+            <a:effectRef idx="2">
+              <a:schemeClr val="accent3"/>
+            </a:effectRef>
+            <a:fontRef idx="minor">
+              <a:schemeClr val="lt1"/>
+            </a:fontRef>
+          </p:style>
+        </p:cxnSp>
+      </p:grpSp>
+    </p:spTree>
+    <p:extLst>
+      <p:ext uri="{BB962C8B-B14F-4D97-AF65-F5344CB8AC3E}">
+        <p14:creationId xmlns:p14="http://schemas.microsoft.com/office/powerpoint/2010/main" val="2160083764"/>
+      </p:ext>
+    </p:extLst>
+  </p:cSld>
+  <p:clrMapOvr>
+    <a:masterClrMapping/>
+  </p:clrMapOvr>
+</p:sld>
+</file>
+
+<file path=ppt/slides/slide12.xml><?xml version="1.0" encoding="utf-8"?>
+<p:sld xmlns:a="http://schemas.openxmlformats.org/drawingml/2006/main" xmlns:r="http://schemas.openxmlformats.org/officeDocument/2006/relationships" xmlns:p="http://schemas.openxmlformats.org/presentationml/2006/main">
+  <p:cSld>
+    <p:spTree>
+      <p:nvGrpSpPr>
+        <p:cNvPr id="1" name=""/>
+        <p:cNvGrpSpPr/>
+        <p:nvPr/>
+      </p:nvGrpSpPr>
+      <p:grpSpPr>
+        <a:xfrm>
+          <a:off x="0" y="0"/>
+          <a:ext cx="0" cy="0"/>
+          <a:chOff x="0" y="0"/>
+          <a:chExt cx="0" cy="0"/>
+        </a:xfrm>
+      </p:grpSpPr>
+      <p:sp>
+        <p:nvSpPr>
+          <p:cNvPr id="2" name="Title 1"/>
+          <p:cNvSpPr>
+            <a:spLocks noGrp="1"/>
+          </p:cNvSpPr>
+          <p:nvPr>
+            <p:ph type="title"/>
+          </p:nvPr>
+        </p:nvSpPr>
+        <p:spPr/>
+        <p:txBody>
+          <a:bodyPr/>
+          <a:lstStyle/>
+          <a:p>
+            <a:r>
+              <a:rPr lang="en-AU" dirty="0" smtClean="0"/>
+              <a:t>Cloud Diagram</a:t>
+            </a:r>
+            <a:endParaRPr lang="en-AU" dirty="0"/>
+          </a:p>
+        </p:txBody>
+      </p:sp>
+      <p:grpSp>
+        <p:nvGrpSpPr>
+          <p:cNvPr id="7" name="Group 6"/>
+          <p:cNvGrpSpPr/>
+          <p:nvPr/>
+        </p:nvGrpSpPr>
+        <p:grpSpPr>
+          <a:xfrm>
+            <a:off x="2574888" y="2157884"/>
+            <a:ext cx="4193356" cy="3747392"/>
+            <a:chOff x="2574888" y="2157884"/>
+            <a:chExt cx="4193356" cy="3747392"/>
+          </a:xfrm>
+        </p:grpSpPr>
+        <p:sp>
+          <p:nvSpPr>
+            <p:cNvPr id="3" name="Oval 2"/>
+            <p:cNvSpPr/>
+            <p:nvPr/>
+          </p:nvSpPr>
+          <p:spPr>
+            <a:xfrm>
+              <a:off x="2951820" y="3268712"/>
+              <a:ext cx="3528392" cy="1440160"/>
+            </a:xfrm>
+            <a:prstGeom prst="ellipse">
+              <a:avLst/>
+            </a:prstGeom>
+          </p:spPr>
+          <p:style>
+            <a:lnRef idx="1">
+              <a:schemeClr val="accent5"/>
+            </a:lnRef>
+            <a:fillRef idx="2">
+              <a:schemeClr val="accent5"/>
+            </a:fillRef>
+            <a:effectRef idx="1">
+              <a:schemeClr val="accent5"/>
+            </a:effectRef>
+            <a:fontRef idx="minor">
+              <a:schemeClr val="dk1"/>
+            </a:fontRef>
+          </p:style>
+          <p:txBody>
+            <a:bodyPr rtlCol="0" anchor="ctr"/>
+            <a:lstStyle/>
+            <a:p>
+              <a:pPr algn="ctr"/>
+              <a:r>
+                <a:rPr lang="en-AU" sz="2400" dirty="0" smtClean="0"/>
+                <a:t>play: 2</a:t>
+              </a:r>
+              <a:endParaRPr lang="en-AU" sz="2400" dirty="0"/>
+            </a:p>
+          </p:txBody>
+        </p:sp>
+        <p:sp>
+          <p:nvSpPr>
+            <p:cNvPr id="4" name="Oval 3"/>
+            <p:cNvSpPr/>
+            <p:nvPr/>
+          </p:nvSpPr>
+          <p:spPr>
+            <a:xfrm>
+              <a:off x="2574888" y="2157884"/>
+              <a:ext cx="1944216" cy="1008112"/>
+            </a:xfrm>
+            <a:prstGeom prst="ellipse">
+              <a:avLst/>
+            </a:prstGeom>
+          </p:spPr>
+          <p:style>
+            <a:lnRef idx="1">
+              <a:schemeClr val="accent5"/>
+            </a:lnRef>
+            <a:fillRef idx="2">
+              <a:schemeClr val="accent5"/>
+            </a:fillRef>
+            <a:effectRef idx="1">
+              <a:schemeClr val="accent5"/>
+            </a:effectRef>
+            <a:fontRef idx="minor">
+              <a:schemeClr val="dk1"/>
+            </a:fontRef>
+          </p:style>
+          <p:txBody>
+            <a:bodyPr rtlCol="0" anchor="ctr"/>
+            <a:lstStyle/>
+            <a:p>
+              <a:pPr algn="ctr"/>
+              <a:r>
+                <a:rPr lang="en-AU" sz="1600" dirty="0" err="1" smtClean="0"/>
+                <a:t>archtecture</a:t>
+              </a:r>
+              <a:r>
+                <a:rPr lang="en-AU" sz="1600" dirty="0" smtClean="0"/>
+                <a:t>: 1</a:t>
+              </a:r>
+              <a:endParaRPr lang="en-AU" sz="1600" dirty="0"/>
+            </a:p>
+          </p:txBody>
+        </p:sp>
+        <p:sp>
+          <p:nvSpPr>
+            <p:cNvPr id="5" name="Oval 4"/>
+            <p:cNvSpPr/>
+            <p:nvPr/>
+          </p:nvSpPr>
+          <p:spPr>
+            <a:xfrm>
+              <a:off x="3743908" y="4897164"/>
+              <a:ext cx="1944216" cy="1008112"/>
+            </a:xfrm>
+            <a:prstGeom prst="ellipse">
+              <a:avLst/>
+            </a:prstGeom>
+          </p:spPr>
+          <p:style>
+            <a:lnRef idx="1">
+              <a:schemeClr val="accent5"/>
+            </a:lnRef>
+            <a:fillRef idx="2">
+              <a:schemeClr val="accent5"/>
+            </a:fillRef>
+            <a:effectRef idx="1">
+              <a:schemeClr val="accent5"/>
+            </a:effectRef>
+            <a:fontRef idx="minor">
+              <a:schemeClr val="dk1"/>
+            </a:fontRef>
+          </p:style>
+          <p:txBody>
+            <a:bodyPr rtlCol="0" anchor="ctr"/>
+            <a:lstStyle/>
+            <a:p>
+              <a:pPr algn="ctr"/>
+              <a:r>
+                <a:rPr lang="en-AU" sz="1600" dirty="0" err="1" smtClean="0"/>
+                <a:t>mvc</a:t>
+              </a:r>
+              <a:r>
+                <a:rPr lang="en-AU" sz="1600" dirty="0" smtClean="0"/>
+                <a:t>: 1</a:t>
+              </a:r>
+              <a:endParaRPr lang="en-AU" sz="1600" dirty="0"/>
+            </a:p>
+          </p:txBody>
+        </p:sp>
+        <p:sp>
+          <p:nvSpPr>
+            <p:cNvPr id="6" name="Oval 5"/>
+            <p:cNvSpPr/>
+            <p:nvPr/>
+          </p:nvSpPr>
+          <p:spPr>
+            <a:xfrm>
+              <a:off x="4824028" y="2157884"/>
+              <a:ext cx="1944216" cy="1008112"/>
+            </a:xfrm>
+            <a:prstGeom prst="ellipse">
+              <a:avLst/>
+            </a:prstGeom>
+          </p:spPr>
+          <p:style>
+            <a:lnRef idx="1">
+              <a:schemeClr val="accent5"/>
+            </a:lnRef>
+            <a:fillRef idx="2">
+              <a:schemeClr val="accent5"/>
+            </a:fillRef>
+            <a:effectRef idx="1">
+              <a:schemeClr val="accent5"/>
+            </a:effectRef>
+            <a:fontRef idx="minor">
+              <a:schemeClr val="dk1"/>
+            </a:fontRef>
+          </p:style>
+          <p:txBody>
+            <a:bodyPr rtlCol="0" anchor="ctr"/>
+            <a:lstStyle/>
+            <a:p>
+              <a:pPr algn="ctr"/>
+              <a:r>
+                <a:rPr lang="en-AU" sz="1600" dirty="0" smtClean="0"/>
+                <a:t>test: 1</a:t>
+              </a:r>
+              <a:endParaRPr lang="en-AU" sz="1600" dirty="0"/>
+            </a:p>
+          </p:txBody>
+        </p:sp>
+      </p:grpSp>
+    </p:spTree>
+    <p:extLst>
+      <p:ext uri="{BB962C8B-B14F-4D97-AF65-F5344CB8AC3E}">
+        <p14:creationId xmlns:p14="http://schemas.microsoft.com/office/powerpoint/2010/main" val="2341478241"/>
+      </p:ext>
+    </p:extLst>
+  </p:cSld>
+  <p:clrMapOvr>
+    <a:masterClrMapping/>
+  </p:clrMapOvr>
 </p:sld>
 </file>
 
@@ -5684,11 +6439,7 @@
           <a:p>
             <a:r>
               <a:rPr lang="en-AU" dirty="0" smtClean="0"/>
-              <a:t>Model </a:t>
-            </a:r>
-            <a:r>
-              <a:rPr lang="en-AU" dirty="0" smtClean="0"/>
-              <a:t>lifecycle - Create</a:t>
+              <a:t>Model lifecycle - Create</a:t>
             </a:r>
             <a:endParaRPr lang="en-AU" dirty="0"/>
           </a:p>
@@ -6734,11 +7485,7 @@
               <a:pPr algn="ctr"/>
               <a:r>
                 <a:rPr lang="en-AU" sz="1400" dirty="0" smtClean="0"/>
-                <a:t>Pre </a:t>
-              </a:r>
-              <a:r>
-                <a:rPr lang="en-AU" sz="1400" dirty="0" smtClean="0"/>
-                <a:t>Load</a:t>
+                <a:t>Pre Load</a:t>
               </a:r>
               <a:endParaRPr lang="en-AU" sz="1400" dirty="0"/>
             </a:p>
@@ -6950,11 +7697,7 @@
           <a:p>
             <a:r>
               <a:rPr lang="en-AU" dirty="0" smtClean="0"/>
-              <a:t>Model </a:t>
-            </a:r>
-            <a:r>
-              <a:rPr lang="en-AU" dirty="0" smtClean="0"/>
-              <a:t>lifecycle - Update</a:t>
+              <a:t>Model lifecycle - Update</a:t>
             </a:r>
             <a:endParaRPr lang="en-AU" dirty="0"/>
           </a:p>
@@ -7913,11 +8656,7 @@
               <a:pPr algn="ctr"/>
               <a:r>
                 <a:rPr lang="en-AU" sz="1400" dirty="0" smtClean="0"/>
-                <a:t>Pre </a:t>
-              </a:r>
-              <a:r>
-                <a:rPr lang="en-AU" sz="1400" dirty="0" smtClean="0"/>
-                <a:t>Load</a:t>
+                <a:t>Pre Load</a:t>
               </a:r>
               <a:endParaRPr lang="en-AU" sz="1400" dirty="0"/>
             </a:p>
@@ -8200,11 +8939,7 @@
           <a:p>
             <a:r>
               <a:rPr lang="en-AU" dirty="0" smtClean="0"/>
-              <a:t>Model </a:t>
-            </a:r>
-            <a:r>
-              <a:rPr lang="en-AU" dirty="0" smtClean="0"/>
-              <a:t>lifecycle - Load</a:t>
+              <a:t>Model lifecycle - Load</a:t>
             </a:r>
             <a:endParaRPr lang="en-AU" dirty="0"/>
           </a:p>
@@ -9046,11 +9781,7 @@
               <a:pPr algn="ctr"/>
               <a:r>
                 <a:rPr lang="en-AU" sz="1400" dirty="0" smtClean="0"/>
-                <a:t>Pre </a:t>
-              </a:r>
-              <a:r>
-                <a:rPr lang="en-AU" sz="1400" dirty="0" smtClean="0"/>
-                <a:t>Load</a:t>
+                <a:t>Pre Load</a:t>
               </a:r>
               <a:endParaRPr lang="en-AU" sz="1400" dirty="0"/>
             </a:p>
@@ -9329,11 +10060,7 @@
           <a:p>
             <a:r>
               <a:rPr lang="en-AU" dirty="0" smtClean="0"/>
-              <a:t>Model </a:t>
-            </a:r>
-            <a:r>
-              <a:rPr lang="en-AU" dirty="0" smtClean="0"/>
-              <a:t>lifecycle - Delete</a:t>
+              <a:t>Model lifecycle - Delete</a:t>
             </a:r>
             <a:endParaRPr lang="en-AU" dirty="0"/>
           </a:p>
@@ -10134,11 +10861,7 @@
               <a:pPr algn="ctr"/>
               <a:r>
                 <a:rPr lang="en-AU" sz="1400" dirty="0" smtClean="0"/>
-                <a:t>Pre </a:t>
-              </a:r>
-              <a:r>
-                <a:rPr lang="en-AU" sz="1400" dirty="0" smtClean="0"/>
-                <a:t>Load</a:t>
+                <a:t>Pre Load</a:t>
               </a:r>
               <a:endParaRPr lang="en-AU" sz="1400" dirty="0"/>
             </a:p>
